--- a/abc/Final.pptx
+++ b/abc/Final.pptx
@@ -5,7 +5,7 @@
     <p:sldMasterId id="2147483648" r:id="rId1"/>
   </p:sldMasterIdLst>
   <p:notesMasterIdLst>
-    <p:notesMasterId r:id="rId32"/>
+    <p:notesMasterId r:id="rId41"/>
   </p:notesMasterIdLst>
   <p:sldIdLst>
     <p:sldId id="256" r:id="rId2"/>
@@ -20,24 +20,33 @@
     <p:sldId id="296" r:id="rId11"/>
     <p:sldId id="277" r:id="rId12"/>
     <p:sldId id="284" r:id="rId13"/>
-    <p:sldId id="292" r:id="rId14"/>
-    <p:sldId id="294" r:id="rId15"/>
-    <p:sldId id="305" r:id="rId16"/>
+    <p:sldId id="318" r:id="rId14"/>
+    <p:sldId id="292" r:id="rId15"/>
+    <p:sldId id="294" r:id="rId16"/>
     <p:sldId id="280" r:id="rId17"/>
     <p:sldId id="295" r:id="rId18"/>
-    <p:sldId id="297" r:id="rId19"/>
-    <p:sldId id="298" r:id="rId20"/>
-    <p:sldId id="299" r:id="rId21"/>
-    <p:sldId id="300" r:id="rId22"/>
-    <p:sldId id="301" r:id="rId23"/>
-    <p:sldId id="302" r:id="rId24"/>
-    <p:sldId id="303" r:id="rId25"/>
-    <p:sldId id="304" r:id="rId26"/>
-    <p:sldId id="306" r:id="rId27"/>
-    <p:sldId id="307" r:id="rId28"/>
-    <p:sldId id="269" r:id="rId29"/>
-    <p:sldId id="271" r:id="rId30"/>
-    <p:sldId id="279" r:id="rId31"/>
+    <p:sldId id="308" r:id="rId19"/>
+    <p:sldId id="297" r:id="rId20"/>
+    <p:sldId id="298" r:id="rId21"/>
+    <p:sldId id="302" r:id="rId22"/>
+    <p:sldId id="315" r:id="rId23"/>
+    <p:sldId id="317" r:id="rId24"/>
+    <p:sldId id="304" r:id="rId25"/>
+    <p:sldId id="312" r:id="rId26"/>
+    <p:sldId id="313" r:id="rId27"/>
+    <p:sldId id="319" r:id="rId28"/>
+    <p:sldId id="314" r:id="rId29"/>
+    <p:sldId id="299" r:id="rId30"/>
+    <p:sldId id="300" r:id="rId31"/>
+    <p:sldId id="309" r:id="rId32"/>
+    <p:sldId id="301" r:id="rId33"/>
+    <p:sldId id="320" r:id="rId34"/>
+    <p:sldId id="310" r:id="rId35"/>
+    <p:sldId id="316" r:id="rId36"/>
+    <p:sldId id="306" r:id="rId37"/>
+    <p:sldId id="269" r:id="rId38"/>
+    <p:sldId id="271" r:id="rId39"/>
+    <p:sldId id="279" r:id="rId40"/>
   </p:sldIdLst>
   <p:sldSz cx="12192000" cy="6858000"/>
   <p:notesSz cx="6858000" cy="9144000"/>
@@ -286,7 +295,7 @@
       </p15:sldGuideLst>
     </p:ext>
     <p:ext uri="http://customooxmlschemas.google.com/">
-      <go:slidesCustomData xmlns:go="http://customooxmlschemas.google.com/" xmlns:ahyp="http://schemas.microsoft.com/office/drawing/2018/hyperlinkcolor" xmlns:p15="http://schemas.microsoft.com/office/powerpoint/2012/main" xmlns:p14="http://schemas.microsoft.com/office/powerpoint/2010/main" xmlns:com="http://schemas.openxmlformats.org/drawingml/2006/compatibility" xmlns:pvml="urn:schemas-microsoft-com:office:powerpoint" xmlns:v="urn:schemas-microsoft-com:vml" xmlns:o="urn:schemas-microsoft-com:office:office" xmlns:dgm="http://schemas.openxmlformats.org/drawingml/2006/diagram" xmlns:c="http://schemas.openxmlformats.org/drawingml/2006/chart" xmlns:mv="urn:schemas-microsoft-com:mac:vml" xmlns:mc="http://schemas.openxmlformats.org/markup-compatibility/2006" xmlns="" r:id="rId33" roundtripDataSignature="AMtx7mhoq0TkclQKjBSroxzJOyhUTDGeHw=="/>
+      <go:slidesCustomData xmlns="" xmlns:mc="http://schemas.openxmlformats.org/markup-compatibility/2006" xmlns:mv="urn:schemas-microsoft-com:mac:vml" xmlns:c="http://schemas.openxmlformats.org/drawingml/2006/chart" xmlns:dgm="http://schemas.openxmlformats.org/drawingml/2006/diagram" xmlns:o="urn:schemas-microsoft-com:office:office" xmlns:v="urn:schemas-microsoft-com:vml" xmlns:pvml="urn:schemas-microsoft-com:office:powerpoint" xmlns:com="http://schemas.openxmlformats.org/drawingml/2006/compatibility" xmlns:p14="http://schemas.microsoft.com/office/powerpoint/2010/main" xmlns:p15="http://schemas.microsoft.com/office/powerpoint/2012/main" xmlns:ahyp="http://schemas.microsoft.com/office/drawing/2018/hyperlinkcolor" xmlns:go="http://customooxmlschemas.google.com/" r:id="rId42" roundtripDataSignature="AMtx7mhoq0TkclQKjBSroxzJOyhUTDGeHw=="/>
     </p:ext>
   </p:extLst>
 </p:presentation>
@@ -1999,6 +2008,133 @@
   <p:cSld>
     <p:spTree>
       <p:nvGrpSpPr>
+        <p:cNvPr id="1" name="Shape 112"/>
+        <p:cNvGrpSpPr/>
+        <p:nvPr/>
+      </p:nvGrpSpPr>
+      <p:grpSpPr>
+        <a:xfrm>
+          <a:off x="0" y="0"/>
+          <a:ext cx="0" cy="0"/>
+          <a:chOff x="0" y="0"/>
+          <a:chExt cx="0" cy="0"/>
+        </a:xfrm>
+      </p:grpSpPr>
+      <p:sp>
+        <p:nvSpPr>
+          <p:cNvPr id="113" name="Google Shape;113;p4:notes"/>
+          <p:cNvSpPr txBox="1">
+            <a:spLocks noGrp="1"/>
+          </p:cNvSpPr>
+          <p:nvPr>
+            <p:ph type="body" idx="1"/>
+          </p:nvPr>
+        </p:nvSpPr>
+        <p:spPr>
+          <a:xfrm>
+            <a:off x="685800" y="4400550"/>
+            <a:ext cx="5486400" cy="3600450"/>
+          </a:xfrm>
+          <a:prstGeom prst="rect">
+            <a:avLst/>
+          </a:prstGeom>
+          <a:noFill/>
+          <a:ln>
+            <a:noFill/>
+          </a:ln>
+        </p:spPr>
+        <p:txBody>
+          <a:bodyPr spcFirstLastPara="1" wrap="square" lIns="91425" tIns="45700" rIns="91425" bIns="45700" anchor="t" anchorCtr="0">
+            <a:noAutofit/>
+          </a:bodyPr>
+          <a:lstStyle/>
+          <a:p>
+            <a:pPr marL="0" lvl="0" indent="0" algn="l" rtl="0">
+              <a:lnSpc>
+                <a:spcPct val="100000"/>
+              </a:lnSpc>
+              <a:spcBef>
+                <a:spcPts val="0"/>
+              </a:spcBef>
+              <a:spcAft>
+                <a:spcPts val="0"/>
+              </a:spcAft>
+              <a:buSzPts val="1400"/>
+              <a:buNone/>
+            </a:pPr>
+            <a:endParaRPr/>
+          </a:p>
+        </p:txBody>
+      </p:sp>
+      <p:sp>
+        <p:nvSpPr>
+          <p:cNvPr id="114" name="Google Shape;114;p4:notes"/>
+          <p:cNvSpPr>
+            <a:spLocks noGrp="1" noRot="1" noChangeAspect="1"/>
+          </p:cNvSpPr>
+          <p:nvPr>
+            <p:ph type="sldImg" idx="2"/>
+          </p:nvPr>
+        </p:nvSpPr>
+        <p:spPr>
+          <a:xfrm>
+            <a:off x="685800" y="1143000"/>
+            <a:ext cx="5486400" cy="3086100"/>
+          </a:xfrm>
+          <a:custGeom>
+            <a:avLst/>
+            <a:gdLst/>
+            <a:ahLst/>
+            <a:cxnLst/>
+            <a:rect l="l" t="t" r="r" b="b"/>
+            <a:pathLst>
+              <a:path w="120000" h="120000" extrusionOk="0">
+                <a:moveTo>
+                  <a:pt x="0" y="0"/>
+                </a:moveTo>
+                <a:lnTo>
+                  <a:pt x="120000" y="0"/>
+                </a:lnTo>
+                <a:lnTo>
+                  <a:pt x="120000" y="120000"/>
+                </a:lnTo>
+                <a:lnTo>
+                  <a:pt x="0" y="120000"/>
+                </a:lnTo>
+                <a:close/>
+              </a:path>
+            </a:pathLst>
+          </a:custGeom>
+          <a:noFill/>
+          <a:ln w="12700" cap="flat" cmpd="sng">
+            <a:solidFill>
+              <a:srgbClr val="000000"/>
+            </a:solidFill>
+            <a:prstDash val="solid"/>
+            <a:round/>
+            <a:headEnd type="none" w="sm" len="sm"/>
+            <a:tailEnd type="none" w="sm" len="sm"/>
+          </a:ln>
+        </p:spPr>
+      </p:sp>
+    </p:spTree>
+    <p:extLst>
+      <p:ext uri="{BB962C8B-B14F-4D97-AF65-F5344CB8AC3E}">
+        <p14:creationId xmlns:p14="http://schemas.microsoft.com/office/powerpoint/2010/main" val="1994718177"/>
+      </p:ext>
+    </p:extLst>
+  </p:cSld>
+  <p:clrMapOvr>
+    <a:masterClrMapping/>
+  </p:clrMapOvr>
+</p:notes>
+</file>
+
+<file path=ppt/notesSlides/notesSlide12.xml><?xml version="1.0" encoding="utf-8"?>
+<p:notes xmlns:a="http://schemas.openxmlformats.org/drawingml/2006/main" xmlns:r="http://schemas.openxmlformats.org/officeDocument/2006/relationships" xmlns:p="http://schemas.openxmlformats.org/presentationml/2006/main" showMasterSp="0" showMasterPhAnim="0">
+  <p:cSld>
+    <p:spTree>
+      <p:nvGrpSpPr>
         <p:cNvPr id="1" name="Shape 91"/>
         <p:cNvGrpSpPr/>
         <p:nvPr/>
@@ -2121,7 +2257,7 @@
 </p:notes>
 </file>
 
-<file path=ppt/notesSlides/notesSlide12.xml><?xml version="1.0" encoding="utf-8"?>
+<file path=ppt/notesSlides/notesSlide13.xml><?xml version="1.0" encoding="utf-8"?>
 <p:notes xmlns:a="http://schemas.openxmlformats.org/drawingml/2006/main" xmlns:r="http://schemas.openxmlformats.org/officeDocument/2006/relationships" xmlns:p="http://schemas.openxmlformats.org/presentationml/2006/main" showMasterSp="0" showMasterPhAnim="0">
   <p:cSld>
     <p:spTree>
@@ -2239,195 +2375,6 @@
     <p:extLst>
       <p:ext uri="{BB962C8B-B14F-4D97-AF65-F5344CB8AC3E}">
         <p14:creationId xmlns:p14="http://schemas.microsoft.com/office/powerpoint/2010/main" val="3934203769"/>
-      </p:ext>
-    </p:extLst>
-  </p:cSld>
-  <p:clrMapOvr>
-    <a:masterClrMapping/>
-  </p:clrMapOvr>
-</p:notes>
-</file>
-
-<file path=ppt/notesSlides/notesSlide13.xml><?xml version="1.0" encoding="utf-8"?>
-<p:notes xmlns:a="http://schemas.openxmlformats.org/drawingml/2006/main" xmlns:r="http://schemas.openxmlformats.org/officeDocument/2006/relationships" xmlns:p="http://schemas.openxmlformats.org/presentationml/2006/main" showMasterSp="0" showMasterPhAnim="0">
-  <p:cSld>
-    <p:spTree>
-      <p:nvGrpSpPr>
-        <p:cNvPr id="1" name="Shape 104"/>
-        <p:cNvGrpSpPr/>
-        <p:nvPr/>
-      </p:nvGrpSpPr>
-      <p:grpSpPr>
-        <a:xfrm>
-          <a:off x="0" y="0"/>
-          <a:ext cx="0" cy="0"/>
-          <a:chOff x="0" y="0"/>
-          <a:chExt cx="0" cy="0"/>
-        </a:xfrm>
-      </p:grpSpPr>
-      <p:sp>
-        <p:nvSpPr>
-          <p:cNvPr id="105" name="Google Shape;105;p3:notes"/>
-          <p:cNvSpPr>
-            <a:spLocks noGrp="1" noRot="1" noChangeAspect="1"/>
-          </p:cNvSpPr>
-          <p:nvPr>
-            <p:ph type="sldImg" idx="2"/>
-          </p:nvPr>
-        </p:nvSpPr>
-        <p:spPr>
-          <a:xfrm>
-            <a:off x="685800" y="1143000"/>
-            <a:ext cx="5486400" cy="3086100"/>
-          </a:xfrm>
-          <a:custGeom>
-            <a:avLst/>
-            <a:gdLst/>
-            <a:ahLst/>
-            <a:cxnLst/>
-            <a:rect l="l" t="t" r="r" b="b"/>
-            <a:pathLst>
-              <a:path w="120000" h="120000" extrusionOk="0">
-                <a:moveTo>
-                  <a:pt x="0" y="0"/>
-                </a:moveTo>
-                <a:lnTo>
-                  <a:pt x="120000" y="0"/>
-                </a:lnTo>
-                <a:lnTo>
-                  <a:pt x="120000" y="120000"/>
-                </a:lnTo>
-                <a:lnTo>
-                  <a:pt x="0" y="120000"/>
-                </a:lnTo>
-                <a:close/>
-              </a:path>
-            </a:pathLst>
-          </a:custGeom>
-          <a:noFill/>
-          <a:ln w="12700" cap="flat" cmpd="sng">
-            <a:solidFill>
-              <a:srgbClr val="000000"/>
-            </a:solidFill>
-            <a:prstDash val="solid"/>
-            <a:round/>
-            <a:headEnd type="none" w="sm" len="sm"/>
-            <a:tailEnd type="none" w="sm" len="sm"/>
-          </a:ln>
-        </p:spPr>
-      </p:sp>
-      <p:sp>
-        <p:nvSpPr>
-          <p:cNvPr id="106" name="Google Shape;106;p3:notes"/>
-          <p:cNvSpPr txBox="1">
-            <a:spLocks noGrp="1"/>
-          </p:cNvSpPr>
-          <p:nvPr>
-            <p:ph type="body" idx="1"/>
-          </p:nvPr>
-        </p:nvSpPr>
-        <p:spPr>
-          <a:xfrm>
-            <a:off x="685800" y="4400550"/>
-            <a:ext cx="5486400" cy="3600450"/>
-          </a:xfrm>
-          <a:prstGeom prst="rect">
-            <a:avLst/>
-          </a:prstGeom>
-          <a:noFill/>
-          <a:ln>
-            <a:noFill/>
-          </a:ln>
-        </p:spPr>
-        <p:txBody>
-          <a:bodyPr spcFirstLastPara="1" wrap="square" lIns="91425" tIns="45700" rIns="91425" bIns="45700" anchor="t" anchorCtr="0">
-            <a:noAutofit/>
-          </a:bodyPr>
-          <a:lstStyle/>
-          <a:p>
-            <a:pPr marL="0" marR="0" lvl="0" indent="0" algn="l" rtl="0">
-              <a:lnSpc>
-                <a:spcPct val="100000"/>
-              </a:lnSpc>
-              <a:spcBef>
-                <a:spcPts val="0"/>
-              </a:spcBef>
-              <a:spcAft>
-                <a:spcPts val="0"/>
-              </a:spcAft>
-              <a:buClr>
-                <a:schemeClr val="dk1"/>
-              </a:buClr>
-              <a:buSzPts val="1200"/>
-              <a:buFont typeface="Arial"/>
-              <a:buNone/>
-            </a:pPr>
-            <a:endParaRPr sz="1200" b="0" i="0">
-              <a:solidFill>
-                <a:schemeClr val="dk1"/>
-              </a:solidFill>
-              <a:latin typeface="Arial"/>
-              <a:ea typeface="Arial"/>
-              <a:cs typeface="Arial"/>
-              <a:sym typeface="Arial"/>
-            </a:endParaRPr>
-          </a:p>
-        </p:txBody>
-      </p:sp>
-      <p:sp>
-        <p:nvSpPr>
-          <p:cNvPr id="107" name="Google Shape;107;p3:notes"/>
-          <p:cNvSpPr txBox="1">
-            <a:spLocks noGrp="1"/>
-          </p:cNvSpPr>
-          <p:nvPr>
-            <p:ph type="sldNum" idx="12"/>
-          </p:nvPr>
-        </p:nvSpPr>
-        <p:spPr>
-          <a:xfrm>
-            <a:off x="3884613" y="8685213"/>
-            <a:ext cx="2971800" cy="458787"/>
-          </a:xfrm>
-          <a:prstGeom prst="rect">
-            <a:avLst/>
-          </a:prstGeom>
-          <a:noFill/>
-          <a:ln>
-            <a:noFill/>
-          </a:ln>
-        </p:spPr>
-        <p:txBody>
-          <a:bodyPr spcFirstLastPara="1" wrap="square" lIns="91425" tIns="45700" rIns="91425" bIns="45700" anchor="b" anchorCtr="0">
-            <a:noAutofit/>
-          </a:bodyPr>
-          <a:lstStyle/>
-          <a:p>
-            <a:pPr marL="0" lvl="0" indent="0" algn="r" rtl="0">
-              <a:lnSpc>
-                <a:spcPct val="100000"/>
-              </a:lnSpc>
-              <a:spcBef>
-                <a:spcPts val="0"/>
-              </a:spcBef>
-              <a:spcAft>
-                <a:spcPts val="0"/>
-              </a:spcAft>
-              <a:buSzPts val="1400"/>
-              <a:buNone/>
-            </a:pPr>
-            <a:fld id="{00000000-1234-1234-1234-123412341234}" type="slidenum">
-              <a:rPr lang="en-US"/>
-              <a:t>15</a:t>
-            </a:fld>
-            <a:endParaRPr/>
-          </a:p>
-        </p:txBody>
-      </p:sp>
-    </p:spTree>
-    <p:extLst>
-      <p:ext uri="{BB962C8B-B14F-4D97-AF65-F5344CB8AC3E}">
-        <p14:creationId xmlns:p14="http://schemas.microsoft.com/office/powerpoint/2010/main" val="3140103835"/>
       </p:ext>
     </p:extLst>
   </p:cSld>
@@ -2852,6 +2799,133 @@
     </p:spTree>
     <p:extLst>
       <p:ext uri="{BB962C8B-B14F-4D97-AF65-F5344CB8AC3E}">
+        <p14:creationId xmlns:p14="http://schemas.microsoft.com/office/powerpoint/2010/main" val="1949240935"/>
+      </p:ext>
+    </p:extLst>
+  </p:cSld>
+  <p:clrMapOvr>
+    <a:masterClrMapping/>
+  </p:clrMapOvr>
+</p:notes>
+</file>
+
+<file path=ppt/notesSlides/notesSlide17.xml><?xml version="1.0" encoding="utf-8"?>
+<p:notes xmlns:a="http://schemas.openxmlformats.org/drawingml/2006/main" xmlns:r="http://schemas.openxmlformats.org/officeDocument/2006/relationships" xmlns:p="http://schemas.openxmlformats.org/presentationml/2006/main" showMasterSp="0" showMasterPhAnim="0">
+  <p:cSld>
+    <p:spTree>
+      <p:nvGrpSpPr>
+        <p:cNvPr id="1" name="Shape 112"/>
+        <p:cNvGrpSpPr/>
+        <p:nvPr/>
+      </p:nvGrpSpPr>
+      <p:grpSpPr>
+        <a:xfrm>
+          <a:off x="0" y="0"/>
+          <a:ext cx="0" cy="0"/>
+          <a:chOff x="0" y="0"/>
+          <a:chExt cx="0" cy="0"/>
+        </a:xfrm>
+      </p:grpSpPr>
+      <p:sp>
+        <p:nvSpPr>
+          <p:cNvPr id="113" name="Google Shape;113;p4:notes"/>
+          <p:cNvSpPr txBox="1">
+            <a:spLocks noGrp="1"/>
+          </p:cNvSpPr>
+          <p:nvPr>
+            <p:ph type="body" idx="1"/>
+          </p:nvPr>
+        </p:nvSpPr>
+        <p:spPr>
+          <a:xfrm>
+            <a:off x="685800" y="4400550"/>
+            <a:ext cx="5486400" cy="3600450"/>
+          </a:xfrm>
+          <a:prstGeom prst="rect">
+            <a:avLst/>
+          </a:prstGeom>
+          <a:noFill/>
+          <a:ln>
+            <a:noFill/>
+          </a:ln>
+        </p:spPr>
+        <p:txBody>
+          <a:bodyPr spcFirstLastPara="1" wrap="square" lIns="91425" tIns="45700" rIns="91425" bIns="45700" anchor="t" anchorCtr="0">
+            <a:noAutofit/>
+          </a:bodyPr>
+          <a:lstStyle/>
+          <a:p>
+            <a:pPr marL="0" lvl="0" indent="0" algn="l" rtl="0">
+              <a:lnSpc>
+                <a:spcPct val="100000"/>
+              </a:lnSpc>
+              <a:spcBef>
+                <a:spcPts val="0"/>
+              </a:spcBef>
+              <a:spcAft>
+                <a:spcPts val="0"/>
+              </a:spcAft>
+              <a:buSzPts val="1400"/>
+              <a:buNone/>
+            </a:pPr>
+            <a:endParaRPr/>
+          </a:p>
+        </p:txBody>
+      </p:sp>
+      <p:sp>
+        <p:nvSpPr>
+          <p:cNvPr id="114" name="Google Shape;114;p4:notes"/>
+          <p:cNvSpPr>
+            <a:spLocks noGrp="1" noRot="1" noChangeAspect="1"/>
+          </p:cNvSpPr>
+          <p:nvPr>
+            <p:ph type="sldImg" idx="2"/>
+          </p:nvPr>
+        </p:nvSpPr>
+        <p:spPr>
+          <a:xfrm>
+            <a:off x="685800" y="1143000"/>
+            <a:ext cx="5486400" cy="3086100"/>
+          </a:xfrm>
+          <a:custGeom>
+            <a:avLst/>
+            <a:gdLst/>
+            <a:ahLst/>
+            <a:cxnLst/>
+            <a:rect l="l" t="t" r="r" b="b"/>
+            <a:pathLst>
+              <a:path w="120000" h="120000" extrusionOk="0">
+                <a:moveTo>
+                  <a:pt x="0" y="0"/>
+                </a:moveTo>
+                <a:lnTo>
+                  <a:pt x="120000" y="0"/>
+                </a:lnTo>
+                <a:lnTo>
+                  <a:pt x="120000" y="120000"/>
+                </a:lnTo>
+                <a:lnTo>
+                  <a:pt x="0" y="120000"/>
+                </a:lnTo>
+                <a:close/>
+              </a:path>
+            </a:pathLst>
+          </a:custGeom>
+          <a:noFill/>
+          <a:ln w="12700" cap="flat" cmpd="sng">
+            <a:solidFill>
+              <a:srgbClr val="000000"/>
+            </a:solidFill>
+            <a:prstDash val="solid"/>
+            <a:round/>
+            <a:headEnd type="none" w="sm" len="sm"/>
+            <a:tailEnd type="none" w="sm" len="sm"/>
+          </a:ln>
+        </p:spPr>
+      </p:sp>
+    </p:spTree>
+    <p:extLst>
+      <p:ext uri="{BB962C8B-B14F-4D97-AF65-F5344CB8AC3E}">
         <p14:creationId xmlns:p14="http://schemas.microsoft.com/office/powerpoint/2010/main" val="940966149"/>
       </p:ext>
     </p:extLst>
@@ -2862,7 +2936,7 @@
 </p:notes>
 </file>
 
-<file path=ppt/notesSlides/notesSlide17.xml><?xml version="1.0" encoding="utf-8"?>
+<file path=ppt/notesSlides/notesSlide18.xml><?xml version="1.0" encoding="utf-8"?>
 <p:notes xmlns:a="http://schemas.openxmlformats.org/drawingml/2006/main" xmlns:r="http://schemas.openxmlformats.org/officeDocument/2006/relationships" xmlns:p="http://schemas.openxmlformats.org/presentationml/2006/main" showMasterSp="0" showMasterPhAnim="0">
   <p:cSld>
     <p:spTree>
@@ -2989,7 +3063,1189 @@
 </p:notes>
 </file>
 
-<file path=ppt/notesSlides/notesSlide18.xml><?xml version="1.0" encoding="utf-8"?>
+<file path=ppt/notesSlides/notesSlide19.xml><?xml version="1.0" encoding="utf-8"?>
+<p:notes xmlns:a="http://schemas.openxmlformats.org/drawingml/2006/main" xmlns:r="http://schemas.openxmlformats.org/officeDocument/2006/relationships" xmlns:p="http://schemas.openxmlformats.org/presentationml/2006/main" showMasterSp="0" showMasterPhAnim="0">
+  <p:cSld>
+    <p:spTree>
+      <p:nvGrpSpPr>
+        <p:cNvPr id="1" name="Shape 91"/>
+        <p:cNvGrpSpPr/>
+        <p:nvPr/>
+      </p:nvGrpSpPr>
+      <p:grpSpPr>
+        <a:xfrm>
+          <a:off x="0" y="0"/>
+          <a:ext cx="0" cy="0"/>
+          <a:chOff x="0" y="0"/>
+          <a:chExt cx="0" cy="0"/>
+        </a:xfrm>
+      </p:grpSpPr>
+      <p:sp>
+        <p:nvSpPr>
+          <p:cNvPr id="92" name="Google Shape;92;p1:notes"/>
+          <p:cNvSpPr txBox="1">
+            <a:spLocks noGrp="1"/>
+          </p:cNvSpPr>
+          <p:nvPr>
+            <p:ph type="body" idx="1"/>
+          </p:nvPr>
+        </p:nvSpPr>
+        <p:spPr>
+          <a:xfrm>
+            <a:off x="685800" y="4400550"/>
+            <a:ext cx="5486400" cy="3600450"/>
+          </a:xfrm>
+          <a:prstGeom prst="rect">
+            <a:avLst/>
+          </a:prstGeom>
+          <a:noFill/>
+          <a:ln>
+            <a:noFill/>
+          </a:ln>
+        </p:spPr>
+        <p:txBody>
+          <a:bodyPr spcFirstLastPara="1" wrap="square" lIns="91425" tIns="45700" rIns="91425" bIns="45700" anchor="t" anchorCtr="0">
+            <a:noAutofit/>
+          </a:bodyPr>
+          <a:lstStyle/>
+          <a:p>
+            <a:pPr marL="0" lvl="0" indent="0" algn="l" rtl="0">
+              <a:lnSpc>
+                <a:spcPct val="100000"/>
+              </a:lnSpc>
+              <a:spcBef>
+                <a:spcPts val="0"/>
+              </a:spcBef>
+              <a:spcAft>
+                <a:spcPts val="0"/>
+              </a:spcAft>
+              <a:buSzPts val="1400"/>
+              <a:buNone/>
+            </a:pPr>
+            <a:endParaRPr/>
+          </a:p>
+        </p:txBody>
+      </p:sp>
+      <p:sp>
+        <p:nvSpPr>
+          <p:cNvPr id="93" name="Google Shape;93;p1:notes"/>
+          <p:cNvSpPr>
+            <a:spLocks noGrp="1" noRot="1" noChangeAspect="1"/>
+          </p:cNvSpPr>
+          <p:nvPr>
+            <p:ph type="sldImg" idx="2"/>
+          </p:nvPr>
+        </p:nvSpPr>
+        <p:spPr>
+          <a:xfrm>
+            <a:off x="685800" y="1143000"/>
+            <a:ext cx="5486400" cy="3086100"/>
+          </a:xfrm>
+          <a:custGeom>
+            <a:avLst/>
+            <a:gdLst/>
+            <a:ahLst/>
+            <a:cxnLst/>
+            <a:rect l="l" t="t" r="r" b="b"/>
+            <a:pathLst>
+              <a:path w="120000" h="120000" extrusionOk="0">
+                <a:moveTo>
+                  <a:pt x="0" y="0"/>
+                </a:moveTo>
+                <a:lnTo>
+                  <a:pt x="120000" y="0"/>
+                </a:lnTo>
+                <a:lnTo>
+                  <a:pt x="120000" y="120000"/>
+                </a:lnTo>
+                <a:lnTo>
+                  <a:pt x="0" y="120000"/>
+                </a:lnTo>
+                <a:close/>
+              </a:path>
+            </a:pathLst>
+          </a:custGeom>
+          <a:noFill/>
+          <a:ln w="12700" cap="flat" cmpd="sng">
+            <a:solidFill>
+              <a:srgbClr val="000000"/>
+            </a:solidFill>
+            <a:prstDash val="solid"/>
+            <a:round/>
+            <a:headEnd type="none" w="sm" len="sm"/>
+            <a:tailEnd type="none" w="sm" len="sm"/>
+          </a:ln>
+        </p:spPr>
+      </p:sp>
+    </p:spTree>
+    <p:extLst>
+      <p:ext uri="{BB962C8B-B14F-4D97-AF65-F5344CB8AC3E}">
+        <p14:creationId xmlns:p14="http://schemas.microsoft.com/office/powerpoint/2010/main" val="1561081078"/>
+      </p:ext>
+    </p:extLst>
+  </p:cSld>
+  <p:clrMapOvr>
+    <a:masterClrMapping/>
+  </p:clrMapOvr>
+</p:notes>
+</file>
+
+<file path=ppt/notesSlides/notesSlide2.xml><?xml version="1.0" encoding="utf-8"?>
+<p:notes xmlns:a="http://schemas.openxmlformats.org/drawingml/2006/main" xmlns:r="http://schemas.openxmlformats.org/officeDocument/2006/relationships" xmlns:p="http://schemas.openxmlformats.org/presentationml/2006/main" showMasterSp="0" showMasterPhAnim="0">
+  <p:cSld>
+    <p:spTree>
+      <p:nvGrpSpPr>
+        <p:cNvPr id="1" name="Shape 98"/>
+        <p:cNvGrpSpPr/>
+        <p:nvPr/>
+      </p:nvGrpSpPr>
+      <p:grpSpPr>
+        <a:xfrm>
+          <a:off x="0" y="0"/>
+          <a:ext cx="0" cy="0"/>
+          <a:chOff x="0" y="0"/>
+          <a:chExt cx="0" cy="0"/>
+        </a:xfrm>
+      </p:grpSpPr>
+      <p:sp>
+        <p:nvSpPr>
+          <p:cNvPr id="99" name="Google Shape;99;p2:notes"/>
+          <p:cNvSpPr txBox="1">
+            <a:spLocks noGrp="1"/>
+          </p:cNvSpPr>
+          <p:nvPr>
+            <p:ph type="body" idx="1"/>
+          </p:nvPr>
+        </p:nvSpPr>
+        <p:spPr>
+          <a:xfrm>
+            <a:off x="685800" y="4400550"/>
+            <a:ext cx="5486400" cy="3600450"/>
+          </a:xfrm>
+          <a:prstGeom prst="rect">
+            <a:avLst/>
+          </a:prstGeom>
+          <a:noFill/>
+          <a:ln>
+            <a:noFill/>
+          </a:ln>
+        </p:spPr>
+        <p:txBody>
+          <a:bodyPr spcFirstLastPara="1" wrap="square" lIns="91425" tIns="45700" rIns="91425" bIns="45700" anchor="t" anchorCtr="0">
+            <a:noAutofit/>
+          </a:bodyPr>
+          <a:lstStyle/>
+          <a:p>
+            <a:pPr marL="0" lvl="0" indent="0" algn="l" rtl="0">
+              <a:lnSpc>
+                <a:spcPct val="100000"/>
+              </a:lnSpc>
+              <a:spcBef>
+                <a:spcPts val="0"/>
+              </a:spcBef>
+              <a:spcAft>
+                <a:spcPts val="0"/>
+              </a:spcAft>
+              <a:buSzPts val="1400"/>
+              <a:buNone/>
+            </a:pPr>
+            <a:endParaRPr/>
+          </a:p>
+        </p:txBody>
+      </p:sp>
+      <p:sp>
+        <p:nvSpPr>
+          <p:cNvPr id="100" name="Google Shape;100;p2:notes"/>
+          <p:cNvSpPr>
+            <a:spLocks noGrp="1" noRot="1" noChangeAspect="1"/>
+          </p:cNvSpPr>
+          <p:nvPr>
+            <p:ph type="sldImg" idx="2"/>
+          </p:nvPr>
+        </p:nvSpPr>
+        <p:spPr>
+          <a:xfrm>
+            <a:off x="685800" y="1143000"/>
+            <a:ext cx="5486400" cy="3086100"/>
+          </a:xfrm>
+          <a:custGeom>
+            <a:avLst/>
+            <a:gdLst/>
+            <a:ahLst/>
+            <a:cxnLst/>
+            <a:rect l="l" t="t" r="r" b="b"/>
+            <a:pathLst>
+              <a:path w="120000" h="120000" extrusionOk="0">
+                <a:moveTo>
+                  <a:pt x="0" y="0"/>
+                </a:moveTo>
+                <a:lnTo>
+                  <a:pt x="120000" y="0"/>
+                </a:lnTo>
+                <a:lnTo>
+                  <a:pt x="120000" y="120000"/>
+                </a:lnTo>
+                <a:lnTo>
+                  <a:pt x="0" y="120000"/>
+                </a:lnTo>
+                <a:close/>
+              </a:path>
+            </a:pathLst>
+          </a:custGeom>
+          <a:noFill/>
+          <a:ln w="12700" cap="flat" cmpd="sng">
+            <a:solidFill>
+              <a:srgbClr val="000000"/>
+            </a:solidFill>
+            <a:prstDash val="solid"/>
+            <a:round/>
+            <a:headEnd type="none" w="sm" len="sm"/>
+            <a:tailEnd type="none" w="sm" len="sm"/>
+          </a:ln>
+        </p:spPr>
+      </p:sp>
+    </p:spTree>
+  </p:cSld>
+  <p:clrMapOvr>
+    <a:masterClrMapping/>
+  </p:clrMapOvr>
+</p:notes>
+</file>
+
+<file path=ppt/notesSlides/notesSlide20.xml><?xml version="1.0" encoding="utf-8"?>
+<p:notes xmlns:a="http://schemas.openxmlformats.org/drawingml/2006/main" xmlns:r="http://schemas.openxmlformats.org/officeDocument/2006/relationships" xmlns:p="http://schemas.openxmlformats.org/presentationml/2006/main" showMasterSp="0" showMasterPhAnim="0">
+  <p:cSld>
+    <p:spTree>
+      <p:nvGrpSpPr>
+        <p:cNvPr id="1" name="Shape 98"/>
+        <p:cNvGrpSpPr/>
+        <p:nvPr/>
+      </p:nvGrpSpPr>
+      <p:grpSpPr>
+        <a:xfrm>
+          <a:off x="0" y="0"/>
+          <a:ext cx="0" cy="0"/>
+          <a:chOff x="0" y="0"/>
+          <a:chExt cx="0" cy="0"/>
+        </a:xfrm>
+      </p:grpSpPr>
+      <p:sp>
+        <p:nvSpPr>
+          <p:cNvPr id="99" name="Google Shape;99;p2:notes"/>
+          <p:cNvSpPr txBox="1">
+            <a:spLocks noGrp="1"/>
+          </p:cNvSpPr>
+          <p:nvPr>
+            <p:ph type="body" idx="1"/>
+          </p:nvPr>
+        </p:nvSpPr>
+        <p:spPr>
+          <a:xfrm>
+            <a:off x="685800" y="4400550"/>
+            <a:ext cx="5486400" cy="3600450"/>
+          </a:xfrm>
+          <a:prstGeom prst="rect">
+            <a:avLst/>
+          </a:prstGeom>
+          <a:noFill/>
+          <a:ln>
+            <a:noFill/>
+          </a:ln>
+        </p:spPr>
+        <p:txBody>
+          <a:bodyPr spcFirstLastPara="1" wrap="square" lIns="91425" tIns="45700" rIns="91425" bIns="45700" anchor="t" anchorCtr="0">
+            <a:noAutofit/>
+          </a:bodyPr>
+          <a:lstStyle/>
+          <a:p>
+            <a:pPr marL="0" lvl="0" indent="0" algn="l" rtl="0">
+              <a:lnSpc>
+                <a:spcPct val="100000"/>
+              </a:lnSpc>
+              <a:spcBef>
+                <a:spcPts val="0"/>
+              </a:spcBef>
+              <a:spcAft>
+                <a:spcPts val="0"/>
+              </a:spcAft>
+              <a:buSzPts val="1400"/>
+              <a:buNone/>
+            </a:pPr>
+            <a:endParaRPr/>
+          </a:p>
+        </p:txBody>
+      </p:sp>
+      <p:sp>
+        <p:nvSpPr>
+          <p:cNvPr id="100" name="Google Shape;100;p2:notes"/>
+          <p:cNvSpPr>
+            <a:spLocks noGrp="1" noRot="1" noChangeAspect="1"/>
+          </p:cNvSpPr>
+          <p:nvPr>
+            <p:ph type="sldImg" idx="2"/>
+          </p:nvPr>
+        </p:nvSpPr>
+        <p:spPr>
+          <a:xfrm>
+            <a:off x="685800" y="1143000"/>
+            <a:ext cx="5486400" cy="3086100"/>
+          </a:xfrm>
+          <a:custGeom>
+            <a:avLst/>
+            <a:gdLst/>
+            <a:ahLst/>
+            <a:cxnLst/>
+            <a:rect l="l" t="t" r="r" b="b"/>
+            <a:pathLst>
+              <a:path w="120000" h="120000" extrusionOk="0">
+                <a:moveTo>
+                  <a:pt x="0" y="0"/>
+                </a:moveTo>
+                <a:lnTo>
+                  <a:pt x="120000" y="0"/>
+                </a:lnTo>
+                <a:lnTo>
+                  <a:pt x="120000" y="120000"/>
+                </a:lnTo>
+                <a:lnTo>
+                  <a:pt x="0" y="120000"/>
+                </a:lnTo>
+                <a:close/>
+              </a:path>
+            </a:pathLst>
+          </a:custGeom>
+          <a:noFill/>
+          <a:ln w="12700" cap="flat" cmpd="sng">
+            <a:solidFill>
+              <a:srgbClr val="000000"/>
+            </a:solidFill>
+            <a:prstDash val="solid"/>
+            <a:round/>
+            <a:headEnd type="none" w="sm" len="sm"/>
+            <a:tailEnd type="none" w="sm" len="sm"/>
+          </a:ln>
+        </p:spPr>
+      </p:sp>
+    </p:spTree>
+    <p:extLst>
+      <p:ext uri="{BB962C8B-B14F-4D97-AF65-F5344CB8AC3E}">
+        <p14:creationId xmlns:p14="http://schemas.microsoft.com/office/powerpoint/2010/main" val="2098879297"/>
+      </p:ext>
+    </p:extLst>
+  </p:cSld>
+  <p:clrMapOvr>
+    <a:masterClrMapping/>
+  </p:clrMapOvr>
+</p:notes>
+</file>
+
+<file path=ppt/notesSlides/notesSlide21.xml><?xml version="1.0" encoding="utf-8"?>
+<p:notes xmlns:a="http://schemas.openxmlformats.org/drawingml/2006/main" xmlns:r="http://schemas.openxmlformats.org/officeDocument/2006/relationships" xmlns:p="http://schemas.openxmlformats.org/presentationml/2006/main" showMasterSp="0" showMasterPhAnim="0">
+  <p:cSld>
+    <p:spTree>
+      <p:nvGrpSpPr>
+        <p:cNvPr id="1" name="Shape 104"/>
+        <p:cNvGrpSpPr/>
+        <p:nvPr/>
+      </p:nvGrpSpPr>
+      <p:grpSpPr>
+        <a:xfrm>
+          <a:off x="0" y="0"/>
+          <a:ext cx="0" cy="0"/>
+          <a:chOff x="0" y="0"/>
+          <a:chExt cx="0" cy="0"/>
+        </a:xfrm>
+      </p:grpSpPr>
+      <p:sp>
+        <p:nvSpPr>
+          <p:cNvPr id="105" name="Google Shape;105;p3:notes"/>
+          <p:cNvSpPr>
+            <a:spLocks noGrp="1" noRot="1" noChangeAspect="1"/>
+          </p:cNvSpPr>
+          <p:nvPr>
+            <p:ph type="sldImg" idx="2"/>
+          </p:nvPr>
+        </p:nvSpPr>
+        <p:spPr>
+          <a:xfrm>
+            <a:off x="685800" y="1143000"/>
+            <a:ext cx="5486400" cy="3086100"/>
+          </a:xfrm>
+          <a:custGeom>
+            <a:avLst/>
+            <a:gdLst/>
+            <a:ahLst/>
+            <a:cxnLst/>
+            <a:rect l="l" t="t" r="r" b="b"/>
+            <a:pathLst>
+              <a:path w="120000" h="120000" extrusionOk="0">
+                <a:moveTo>
+                  <a:pt x="0" y="0"/>
+                </a:moveTo>
+                <a:lnTo>
+                  <a:pt x="120000" y="0"/>
+                </a:lnTo>
+                <a:lnTo>
+                  <a:pt x="120000" y="120000"/>
+                </a:lnTo>
+                <a:lnTo>
+                  <a:pt x="0" y="120000"/>
+                </a:lnTo>
+                <a:close/>
+              </a:path>
+            </a:pathLst>
+          </a:custGeom>
+          <a:noFill/>
+          <a:ln w="12700" cap="flat" cmpd="sng">
+            <a:solidFill>
+              <a:srgbClr val="000000"/>
+            </a:solidFill>
+            <a:prstDash val="solid"/>
+            <a:round/>
+            <a:headEnd type="none" w="sm" len="sm"/>
+            <a:tailEnd type="none" w="sm" len="sm"/>
+          </a:ln>
+        </p:spPr>
+      </p:sp>
+      <p:sp>
+        <p:nvSpPr>
+          <p:cNvPr id="106" name="Google Shape;106;p3:notes"/>
+          <p:cNvSpPr txBox="1">
+            <a:spLocks noGrp="1"/>
+          </p:cNvSpPr>
+          <p:nvPr>
+            <p:ph type="body" idx="1"/>
+          </p:nvPr>
+        </p:nvSpPr>
+        <p:spPr>
+          <a:xfrm>
+            <a:off x="685800" y="4400550"/>
+            <a:ext cx="5486400" cy="3600450"/>
+          </a:xfrm>
+          <a:prstGeom prst="rect">
+            <a:avLst/>
+          </a:prstGeom>
+          <a:noFill/>
+          <a:ln>
+            <a:noFill/>
+          </a:ln>
+        </p:spPr>
+        <p:txBody>
+          <a:bodyPr spcFirstLastPara="1" wrap="square" lIns="91425" tIns="45700" rIns="91425" bIns="45700" anchor="t" anchorCtr="0">
+            <a:noAutofit/>
+          </a:bodyPr>
+          <a:lstStyle/>
+          <a:p>
+            <a:pPr marL="0" marR="0" lvl="0" indent="0" algn="l" rtl="0">
+              <a:lnSpc>
+                <a:spcPct val="100000"/>
+              </a:lnSpc>
+              <a:spcBef>
+                <a:spcPts val="0"/>
+              </a:spcBef>
+              <a:spcAft>
+                <a:spcPts val="0"/>
+              </a:spcAft>
+              <a:buClr>
+                <a:schemeClr val="dk1"/>
+              </a:buClr>
+              <a:buSzPts val="1200"/>
+              <a:buFont typeface="Arial"/>
+              <a:buNone/>
+            </a:pPr>
+            <a:endParaRPr sz="1200" b="0" i="0">
+              <a:solidFill>
+                <a:schemeClr val="dk1"/>
+              </a:solidFill>
+              <a:latin typeface="Arial"/>
+              <a:ea typeface="Arial"/>
+              <a:cs typeface="Arial"/>
+              <a:sym typeface="Arial"/>
+            </a:endParaRPr>
+          </a:p>
+        </p:txBody>
+      </p:sp>
+      <p:sp>
+        <p:nvSpPr>
+          <p:cNvPr id="107" name="Google Shape;107;p3:notes"/>
+          <p:cNvSpPr txBox="1">
+            <a:spLocks noGrp="1"/>
+          </p:cNvSpPr>
+          <p:nvPr>
+            <p:ph type="sldNum" idx="12"/>
+          </p:nvPr>
+        </p:nvSpPr>
+        <p:spPr>
+          <a:xfrm>
+            <a:off x="3884613" y="8685213"/>
+            <a:ext cx="2971800" cy="458787"/>
+          </a:xfrm>
+          <a:prstGeom prst="rect">
+            <a:avLst/>
+          </a:prstGeom>
+          <a:noFill/>
+          <a:ln>
+            <a:noFill/>
+          </a:ln>
+        </p:spPr>
+        <p:txBody>
+          <a:bodyPr spcFirstLastPara="1" wrap="square" lIns="91425" tIns="45700" rIns="91425" bIns="45700" anchor="b" anchorCtr="0">
+            <a:noAutofit/>
+          </a:bodyPr>
+          <a:lstStyle/>
+          <a:p>
+            <a:pPr marL="0" lvl="0" indent="0" algn="r" rtl="0">
+              <a:lnSpc>
+                <a:spcPct val="100000"/>
+              </a:lnSpc>
+              <a:spcBef>
+                <a:spcPts val="0"/>
+              </a:spcBef>
+              <a:spcAft>
+                <a:spcPts val="0"/>
+              </a:spcAft>
+              <a:buSzPts val="1400"/>
+              <a:buNone/>
+            </a:pPr>
+            <a:fld id="{00000000-1234-1234-1234-123412341234}" type="slidenum">
+              <a:rPr lang="en-US"/>
+              <a:t>23</a:t>
+            </a:fld>
+            <a:endParaRPr/>
+          </a:p>
+        </p:txBody>
+      </p:sp>
+    </p:spTree>
+    <p:extLst>
+      <p:ext uri="{BB962C8B-B14F-4D97-AF65-F5344CB8AC3E}">
+        <p14:creationId xmlns:p14="http://schemas.microsoft.com/office/powerpoint/2010/main" val="2336576309"/>
+      </p:ext>
+    </p:extLst>
+  </p:cSld>
+  <p:clrMapOvr>
+    <a:masterClrMapping/>
+  </p:clrMapOvr>
+</p:notes>
+</file>
+
+<file path=ppt/notesSlides/notesSlide22.xml><?xml version="1.0" encoding="utf-8"?>
+<p:notes xmlns:a="http://schemas.openxmlformats.org/drawingml/2006/main" xmlns:r="http://schemas.openxmlformats.org/officeDocument/2006/relationships" xmlns:p="http://schemas.openxmlformats.org/presentationml/2006/main" showMasterSp="0" showMasterPhAnim="0">
+  <p:cSld>
+    <p:spTree>
+      <p:nvGrpSpPr>
+        <p:cNvPr id="1" name="Shape 197"/>
+        <p:cNvGrpSpPr/>
+        <p:nvPr/>
+      </p:nvGrpSpPr>
+      <p:grpSpPr>
+        <a:xfrm>
+          <a:off x="0" y="0"/>
+          <a:ext cx="0" cy="0"/>
+          <a:chOff x="0" y="0"/>
+          <a:chExt cx="0" cy="0"/>
+        </a:xfrm>
+      </p:grpSpPr>
+      <p:sp>
+        <p:nvSpPr>
+          <p:cNvPr id="198" name="Google Shape;198;p31:notes"/>
+          <p:cNvSpPr txBox="1">
+            <a:spLocks noGrp="1"/>
+          </p:cNvSpPr>
+          <p:nvPr>
+            <p:ph type="body" idx="1"/>
+          </p:nvPr>
+        </p:nvSpPr>
+        <p:spPr>
+          <a:xfrm>
+            <a:off x="685800" y="4400550"/>
+            <a:ext cx="5486400" cy="3600450"/>
+          </a:xfrm>
+          <a:prstGeom prst="rect">
+            <a:avLst/>
+          </a:prstGeom>
+        </p:spPr>
+        <p:txBody>
+          <a:bodyPr spcFirstLastPara="1" wrap="square" lIns="91425" tIns="45700" rIns="91425" bIns="45700" anchor="t" anchorCtr="0">
+            <a:noAutofit/>
+          </a:bodyPr>
+          <a:lstStyle/>
+          <a:p>
+            <a:pPr marL="0" lvl="0" indent="0" algn="l" rtl="0">
+              <a:spcBef>
+                <a:spcPts val="0"/>
+              </a:spcBef>
+              <a:spcAft>
+                <a:spcPts val="0"/>
+              </a:spcAft>
+              <a:buNone/>
+            </a:pPr>
+            <a:endParaRPr/>
+          </a:p>
+        </p:txBody>
+      </p:sp>
+      <p:sp>
+        <p:nvSpPr>
+          <p:cNvPr id="199" name="Google Shape;199;p31:notes"/>
+          <p:cNvSpPr>
+            <a:spLocks noGrp="1" noRot="1" noChangeAspect="1"/>
+          </p:cNvSpPr>
+          <p:nvPr>
+            <p:ph type="sldImg" idx="2"/>
+          </p:nvPr>
+        </p:nvSpPr>
+        <p:spPr>
+          <a:xfrm>
+            <a:off x="685800" y="1143000"/>
+            <a:ext cx="5486400" cy="3086100"/>
+          </a:xfrm>
+          <a:custGeom>
+            <a:avLst/>
+            <a:gdLst/>
+            <a:ahLst/>
+            <a:cxnLst/>
+            <a:rect l="l" t="t" r="r" b="b"/>
+            <a:pathLst>
+              <a:path w="120000" h="120000" extrusionOk="0">
+                <a:moveTo>
+                  <a:pt x="0" y="0"/>
+                </a:moveTo>
+                <a:lnTo>
+                  <a:pt x="120000" y="0"/>
+                </a:lnTo>
+                <a:lnTo>
+                  <a:pt x="120000" y="120000"/>
+                </a:lnTo>
+                <a:lnTo>
+                  <a:pt x="0" y="120000"/>
+                </a:lnTo>
+                <a:close/>
+              </a:path>
+            </a:pathLst>
+          </a:custGeom>
+        </p:spPr>
+      </p:sp>
+    </p:spTree>
+    <p:extLst>
+      <p:ext uri="{BB962C8B-B14F-4D97-AF65-F5344CB8AC3E}">
+        <p14:creationId xmlns:p14="http://schemas.microsoft.com/office/powerpoint/2010/main" val="2764922916"/>
+      </p:ext>
+    </p:extLst>
+  </p:cSld>
+  <p:clrMapOvr>
+    <a:masterClrMapping/>
+  </p:clrMapOvr>
+</p:notes>
+</file>
+
+<file path=ppt/notesSlides/notesSlide23.xml><?xml version="1.0" encoding="utf-8"?>
+<p:notes xmlns:a="http://schemas.openxmlformats.org/drawingml/2006/main" xmlns:r="http://schemas.openxmlformats.org/officeDocument/2006/relationships" xmlns:p="http://schemas.openxmlformats.org/presentationml/2006/main" showMasterSp="0" showMasterPhAnim="0">
+  <p:cSld>
+    <p:spTree>
+      <p:nvGrpSpPr>
+        <p:cNvPr id="1" name="Shape 112"/>
+        <p:cNvGrpSpPr/>
+        <p:nvPr/>
+      </p:nvGrpSpPr>
+      <p:grpSpPr>
+        <a:xfrm>
+          <a:off x="0" y="0"/>
+          <a:ext cx="0" cy="0"/>
+          <a:chOff x="0" y="0"/>
+          <a:chExt cx="0" cy="0"/>
+        </a:xfrm>
+      </p:grpSpPr>
+      <p:sp>
+        <p:nvSpPr>
+          <p:cNvPr id="113" name="Google Shape;113;p4:notes"/>
+          <p:cNvSpPr txBox="1">
+            <a:spLocks noGrp="1"/>
+          </p:cNvSpPr>
+          <p:nvPr>
+            <p:ph type="body" idx="1"/>
+          </p:nvPr>
+        </p:nvSpPr>
+        <p:spPr>
+          <a:xfrm>
+            <a:off x="685800" y="4400550"/>
+            <a:ext cx="5486400" cy="3600450"/>
+          </a:xfrm>
+          <a:prstGeom prst="rect">
+            <a:avLst/>
+          </a:prstGeom>
+          <a:noFill/>
+          <a:ln>
+            <a:noFill/>
+          </a:ln>
+        </p:spPr>
+        <p:txBody>
+          <a:bodyPr spcFirstLastPara="1" wrap="square" lIns="91425" tIns="45700" rIns="91425" bIns="45700" anchor="t" anchorCtr="0">
+            <a:noAutofit/>
+          </a:bodyPr>
+          <a:lstStyle/>
+          <a:p>
+            <a:pPr marL="0" lvl="0" indent="0" algn="l" rtl="0">
+              <a:lnSpc>
+                <a:spcPct val="100000"/>
+              </a:lnSpc>
+              <a:spcBef>
+                <a:spcPts val="0"/>
+              </a:spcBef>
+              <a:spcAft>
+                <a:spcPts val="0"/>
+              </a:spcAft>
+              <a:buSzPts val="1400"/>
+              <a:buNone/>
+            </a:pPr>
+            <a:endParaRPr/>
+          </a:p>
+        </p:txBody>
+      </p:sp>
+      <p:sp>
+        <p:nvSpPr>
+          <p:cNvPr id="114" name="Google Shape;114;p4:notes"/>
+          <p:cNvSpPr>
+            <a:spLocks noGrp="1" noRot="1" noChangeAspect="1"/>
+          </p:cNvSpPr>
+          <p:nvPr>
+            <p:ph type="sldImg" idx="2"/>
+          </p:nvPr>
+        </p:nvSpPr>
+        <p:spPr>
+          <a:xfrm>
+            <a:off x="685800" y="1143000"/>
+            <a:ext cx="5486400" cy="3086100"/>
+          </a:xfrm>
+          <a:custGeom>
+            <a:avLst/>
+            <a:gdLst/>
+            <a:ahLst/>
+            <a:cxnLst/>
+            <a:rect l="l" t="t" r="r" b="b"/>
+            <a:pathLst>
+              <a:path w="120000" h="120000" extrusionOk="0">
+                <a:moveTo>
+                  <a:pt x="0" y="0"/>
+                </a:moveTo>
+                <a:lnTo>
+                  <a:pt x="120000" y="0"/>
+                </a:lnTo>
+                <a:lnTo>
+                  <a:pt x="120000" y="120000"/>
+                </a:lnTo>
+                <a:lnTo>
+                  <a:pt x="0" y="120000"/>
+                </a:lnTo>
+                <a:close/>
+              </a:path>
+            </a:pathLst>
+          </a:custGeom>
+          <a:noFill/>
+          <a:ln w="12700" cap="flat" cmpd="sng">
+            <a:solidFill>
+              <a:srgbClr val="000000"/>
+            </a:solidFill>
+            <a:prstDash val="solid"/>
+            <a:round/>
+            <a:headEnd type="none" w="sm" len="sm"/>
+            <a:tailEnd type="none" w="sm" len="sm"/>
+          </a:ln>
+        </p:spPr>
+      </p:sp>
+    </p:spTree>
+    <p:extLst>
+      <p:ext uri="{BB962C8B-B14F-4D97-AF65-F5344CB8AC3E}">
+        <p14:creationId xmlns:p14="http://schemas.microsoft.com/office/powerpoint/2010/main" val="1178402957"/>
+      </p:ext>
+    </p:extLst>
+  </p:cSld>
+  <p:clrMapOvr>
+    <a:masterClrMapping/>
+  </p:clrMapOvr>
+</p:notes>
+</file>
+
+<file path=ppt/notesSlides/notesSlide24.xml><?xml version="1.0" encoding="utf-8"?>
+<p:notes xmlns:a="http://schemas.openxmlformats.org/drawingml/2006/main" xmlns:r="http://schemas.openxmlformats.org/officeDocument/2006/relationships" xmlns:p="http://schemas.openxmlformats.org/presentationml/2006/main" showMasterSp="0" showMasterPhAnim="0">
+  <p:cSld>
+    <p:spTree>
+      <p:nvGrpSpPr>
+        <p:cNvPr id="1" name="Shape 112"/>
+        <p:cNvGrpSpPr/>
+        <p:nvPr/>
+      </p:nvGrpSpPr>
+      <p:grpSpPr>
+        <a:xfrm>
+          <a:off x="0" y="0"/>
+          <a:ext cx="0" cy="0"/>
+          <a:chOff x="0" y="0"/>
+          <a:chExt cx="0" cy="0"/>
+        </a:xfrm>
+      </p:grpSpPr>
+      <p:sp>
+        <p:nvSpPr>
+          <p:cNvPr id="113" name="Google Shape;113;p4:notes"/>
+          <p:cNvSpPr txBox="1">
+            <a:spLocks noGrp="1"/>
+          </p:cNvSpPr>
+          <p:nvPr>
+            <p:ph type="body" idx="1"/>
+          </p:nvPr>
+        </p:nvSpPr>
+        <p:spPr>
+          <a:xfrm>
+            <a:off x="685800" y="4400550"/>
+            <a:ext cx="5486400" cy="3600450"/>
+          </a:xfrm>
+          <a:prstGeom prst="rect">
+            <a:avLst/>
+          </a:prstGeom>
+          <a:noFill/>
+          <a:ln>
+            <a:noFill/>
+          </a:ln>
+        </p:spPr>
+        <p:txBody>
+          <a:bodyPr spcFirstLastPara="1" wrap="square" lIns="91425" tIns="45700" rIns="91425" bIns="45700" anchor="t" anchorCtr="0">
+            <a:noAutofit/>
+          </a:bodyPr>
+          <a:lstStyle/>
+          <a:p>
+            <a:pPr marL="0" lvl="0" indent="0" algn="l" rtl="0">
+              <a:lnSpc>
+                <a:spcPct val="100000"/>
+              </a:lnSpc>
+              <a:spcBef>
+                <a:spcPts val="0"/>
+              </a:spcBef>
+              <a:spcAft>
+                <a:spcPts val="0"/>
+              </a:spcAft>
+              <a:buSzPts val="1400"/>
+              <a:buNone/>
+            </a:pPr>
+            <a:endParaRPr/>
+          </a:p>
+        </p:txBody>
+      </p:sp>
+      <p:sp>
+        <p:nvSpPr>
+          <p:cNvPr id="114" name="Google Shape;114;p4:notes"/>
+          <p:cNvSpPr>
+            <a:spLocks noGrp="1" noRot="1" noChangeAspect="1"/>
+          </p:cNvSpPr>
+          <p:nvPr>
+            <p:ph type="sldImg" idx="2"/>
+          </p:nvPr>
+        </p:nvSpPr>
+        <p:spPr>
+          <a:xfrm>
+            <a:off x="685800" y="1143000"/>
+            <a:ext cx="5486400" cy="3086100"/>
+          </a:xfrm>
+          <a:custGeom>
+            <a:avLst/>
+            <a:gdLst/>
+            <a:ahLst/>
+            <a:cxnLst/>
+            <a:rect l="l" t="t" r="r" b="b"/>
+            <a:pathLst>
+              <a:path w="120000" h="120000" extrusionOk="0">
+                <a:moveTo>
+                  <a:pt x="0" y="0"/>
+                </a:moveTo>
+                <a:lnTo>
+                  <a:pt x="120000" y="0"/>
+                </a:lnTo>
+                <a:lnTo>
+                  <a:pt x="120000" y="120000"/>
+                </a:lnTo>
+                <a:lnTo>
+                  <a:pt x="0" y="120000"/>
+                </a:lnTo>
+                <a:close/>
+              </a:path>
+            </a:pathLst>
+          </a:custGeom>
+          <a:noFill/>
+          <a:ln w="12700" cap="flat" cmpd="sng">
+            <a:solidFill>
+              <a:srgbClr val="000000"/>
+            </a:solidFill>
+            <a:prstDash val="solid"/>
+            <a:round/>
+            <a:headEnd type="none" w="sm" len="sm"/>
+            <a:tailEnd type="none" w="sm" len="sm"/>
+          </a:ln>
+        </p:spPr>
+      </p:sp>
+    </p:spTree>
+    <p:extLst>
+      <p:ext uri="{BB962C8B-B14F-4D97-AF65-F5344CB8AC3E}">
+        <p14:creationId xmlns:p14="http://schemas.microsoft.com/office/powerpoint/2010/main" val="3032761662"/>
+      </p:ext>
+    </p:extLst>
+  </p:cSld>
+  <p:clrMapOvr>
+    <a:masterClrMapping/>
+  </p:clrMapOvr>
+</p:notes>
+</file>
+
+<file path=ppt/notesSlides/notesSlide25.xml><?xml version="1.0" encoding="utf-8"?>
+<p:notes xmlns:a="http://schemas.openxmlformats.org/drawingml/2006/main" xmlns:r="http://schemas.openxmlformats.org/officeDocument/2006/relationships" xmlns:p="http://schemas.openxmlformats.org/presentationml/2006/main" showMasterSp="0" showMasterPhAnim="0">
+  <p:cSld>
+    <p:spTree>
+      <p:nvGrpSpPr>
+        <p:cNvPr id="1" name="Shape 112"/>
+        <p:cNvGrpSpPr/>
+        <p:nvPr/>
+      </p:nvGrpSpPr>
+      <p:grpSpPr>
+        <a:xfrm>
+          <a:off x="0" y="0"/>
+          <a:ext cx="0" cy="0"/>
+          <a:chOff x="0" y="0"/>
+          <a:chExt cx="0" cy="0"/>
+        </a:xfrm>
+      </p:grpSpPr>
+      <p:sp>
+        <p:nvSpPr>
+          <p:cNvPr id="113" name="Google Shape;113;p4:notes"/>
+          <p:cNvSpPr txBox="1">
+            <a:spLocks noGrp="1"/>
+          </p:cNvSpPr>
+          <p:nvPr>
+            <p:ph type="body" idx="1"/>
+          </p:nvPr>
+        </p:nvSpPr>
+        <p:spPr>
+          <a:xfrm>
+            <a:off x="685800" y="4400550"/>
+            <a:ext cx="5486400" cy="3600450"/>
+          </a:xfrm>
+          <a:prstGeom prst="rect">
+            <a:avLst/>
+          </a:prstGeom>
+          <a:noFill/>
+          <a:ln>
+            <a:noFill/>
+          </a:ln>
+        </p:spPr>
+        <p:txBody>
+          <a:bodyPr spcFirstLastPara="1" wrap="square" lIns="91425" tIns="45700" rIns="91425" bIns="45700" anchor="t" anchorCtr="0">
+            <a:noAutofit/>
+          </a:bodyPr>
+          <a:lstStyle/>
+          <a:p>
+            <a:pPr marL="0" lvl="0" indent="0" algn="l" rtl="0">
+              <a:lnSpc>
+                <a:spcPct val="100000"/>
+              </a:lnSpc>
+              <a:spcBef>
+                <a:spcPts val="0"/>
+              </a:spcBef>
+              <a:spcAft>
+                <a:spcPts val="0"/>
+              </a:spcAft>
+              <a:buSzPts val="1400"/>
+              <a:buNone/>
+            </a:pPr>
+            <a:endParaRPr/>
+          </a:p>
+        </p:txBody>
+      </p:sp>
+      <p:sp>
+        <p:nvSpPr>
+          <p:cNvPr id="114" name="Google Shape;114;p4:notes"/>
+          <p:cNvSpPr>
+            <a:spLocks noGrp="1" noRot="1" noChangeAspect="1"/>
+          </p:cNvSpPr>
+          <p:nvPr>
+            <p:ph type="sldImg" idx="2"/>
+          </p:nvPr>
+        </p:nvSpPr>
+        <p:spPr>
+          <a:xfrm>
+            <a:off x="685800" y="1143000"/>
+            <a:ext cx="5486400" cy="3086100"/>
+          </a:xfrm>
+          <a:custGeom>
+            <a:avLst/>
+            <a:gdLst/>
+            <a:ahLst/>
+            <a:cxnLst/>
+            <a:rect l="l" t="t" r="r" b="b"/>
+            <a:pathLst>
+              <a:path w="120000" h="120000" extrusionOk="0">
+                <a:moveTo>
+                  <a:pt x="0" y="0"/>
+                </a:moveTo>
+                <a:lnTo>
+                  <a:pt x="120000" y="0"/>
+                </a:lnTo>
+                <a:lnTo>
+                  <a:pt x="120000" y="120000"/>
+                </a:lnTo>
+                <a:lnTo>
+                  <a:pt x="0" y="120000"/>
+                </a:lnTo>
+                <a:close/>
+              </a:path>
+            </a:pathLst>
+          </a:custGeom>
+          <a:noFill/>
+          <a:ln w="12700" cap="flat" cmpd="sng">
+            <a:solidFill>
+              <a:srgbClr val="000000"/>
+            </a:solidFill>
+            <a:prstDash val="solid"/>
+            <a:round/>
+            <a:headEnd type="none" w="sm" len="sm"/>
+            <a:tailEnd type="none" w="sm" len="sm"/>
+          </a:ln>
+        </p:spPr>
+      </p:sp>
+    </p:spTree>
+    <p:extLst>
+      <p:ext uri="{BB962C8B-B14F-4D97-AF65-F5344CB8AC3E}">
+        <p14:creationId xmlns:p14="http://schemas.microsoft.com/office/powerpoint/2010/main" val="4284947337"/>
+      </p:ext>
+    </p:extLst>
+  </p:cSld>
+  <p:clrMapOvr>
+    <a:masterClrMapping/>
+  </p:clrMapOvr>
+</p:notes>
+</file>
+
+<file path=ppt/notesSlides/notesSlide26.xml><?xml version="1.0" encoding="utf-8"?>
+<p:notes xmlns:a="http://schemas.openxmlformats.org/drawingml/2006/main" xmlns:r="http://schemas.openxmlformats.org/officeDocument/2006/relationships" xmlns:p="http://schemas.openxmlformats.org/presentationml/2006/main" showMasterSp="0" showMasterPhAnim="0">
+  <p:cSld>
+    <p:spTree>
+      <p:nvGrpSpPr>
+        <p:cNvPr id="1" name="Shape 112"/>
+        <p:cNvGrpSpPr/>
+        <p:nvPr/>
+      </p:nvGrpSpPr>
+      <p:grpSpPr>
+        <a:xfrm>
+          <a:off x="0" y="0"/>
+          <a:ext cx="0" cy="0"/>
+          <a:chOff x="0" y="0"/>
+          <a:chExt cx="0" cy="0"/>
+        </a:xfrm>
+      </p:grpSpPr>
+      <p:sp>
+        <p:nvSpPr>
+          <p:cNvPr id="113" name="Google Shape;113;p4:notes"/>
+          <p:cNvSpPr txBox="1">
+            <a:spLocks noGrp="1"/>
+          </p:cNvSpPr>
+          <p:nvPr>
+            <p:ph type="body" idx="1"/>
+          </p:nvPr>
+        </p:nvSpPr>
+        <p:spPr>
+          <a:xfrm>
+            <a:off x="685800" y="4400550"/>
+            <a:ext cx="5486400" cy="3600450"/>
+          </a:xfrm>
+          <a:prstGeom prst="rect">
+            <a:avLst/>
+          </a:prstGeom>
+          <a:noFill/>
+          <a:ln>
+            <a:noFill/>
+          </a:ln>
+        </p:spPr>
+        <p:txBody>
+          <a:bodyPr spcFirstLastPara="1" wrap="square" lIns="91425" tIns="45700" rIns="91425" bIns="45700" anchor="t" anchorCtr="0">
+            <a:noAutofit/>
+          </a:bodyPr>
+          <a:lstStyle/>
+          <a:p>
+            <a:pPr marL="0" lvl="0" indent="0" algn="l" rtl="0">
+              <a:lnSpc>
+                <a:spcPct val="100000"/>
+              </a:lnSpc>
+              <a:spcBef>
+                <a:spcPts val="0"/>
+              </a:spcBef>
+              <a:spcAft>
+                <a:spcPts val="0"/>
+              </a:spcAft>
+              <a:buSzPts val="1400"/>
+              <a:buNone/>
+            </a:pPr>
+            <a:endParaRPr/>
+          </a:p>
+        </p:txBody>
+      </p:sp>
+      <p:sp>
+        <p:nvSpPr>
+          <p:cNvPr id="114" name="Google Shape;114;p4:notes"/>
+          <p:cNvSpPr>
+            <a:spLocks noGrp="1" noRot="1" noChangeAspect="1"/>
+          </p:cNvSpPr>
+          <p:nvPr>
+            <p:ph type="sldImg" idx="2"/>
+          </p:nvPr>
+        </p:nvSpPr>
+        <p:spPr>
+          <a:xfrm>
+            <a:off x="685800" y="1143000"/>
+            <a:ext cx="5486400" cy="3086100"/>
+          </a:xfrm>
+          <a:custGeom>
+            <a:avLst/>
+            <a:gdLst/>
+            <a:ahLst/>
+            <a:cxnLst/>
+            <a:rect l="l" t="t" r="r" b="b"/>
+            <a:pathLst>
+              <a:path w="120000" h="120000" extrusionOk="0">
+                <a:moveTo>
+                  <a:pt x="0" y="0"/>
+                </a:moveTo>
+                <a:lnTo>
+                  <a:pt x="120000" y="0"/>
+                </a:lnTo>
+                <a:lnTo>
+                  <a:pt x="120000" y="120000"/>
+                </a:lnTo>
+                <a:lnTo>
+                  <a:pt x="0" y="120000"/>
+                </a:lnTo>
+                <a:close/>
+              </a:path>
+            </a:pathLst>
+          </a:custGeom>
+          <a:noFill/>
+          <a:ln w="12700" cap="flat" cmpd="sng">
+            <a:solidFill>
+              <a:srgbClr val="000000"/>
+            </a:solidFill>
+            <a:prstDash val="solid"/>
+            <a:round/>
+            <a:headEnd type="none" w="sm" len="sm"/>
+            <a:tailEnd type="none" w="sm" len="sm"/>
+          </a:ln>
+        </p:spPr>
+      </p:sp>
+    </p:spTree>
+    <p:extLst>
+      <p:ext uri="{BB962C8B-B14F-4D97-AF65-F5344CB8AC3E}">
+        <p14:creationId xmlns:p14="http://schemas.microsoft.com/office/powerpoint/2010/main" val="4078942398"/>
+      </p:ext>
+    </p:extLst>
+  </p:cSld>
+  <p:clrMapOvr>
+    <a:masterClrMapping/>
+  </p:clrMapOvr>
+</p:notes>
+</file>
+
+<file path=ppt/notesSlides/notesSlide27.xml><?xml version="1.0" encoding="utf-8"?>
 <p:notes xmlns:a="http://schemas.openxmlformats.org/drawingml/2006/main" xmlns:r="http://schemas.openxmlformats.org/officeDocument/2006/relationships" xmlns:p="http://schemas.openxmlformats.org/presentationml/2006/main" showMasterSp="0" showMasterPhAnim="0">
   <p:cSld>
     <p:spTree>
@@ -3116,7 +4372,7 @@
 </p:notes>
 </file>
 
-<file path=ppt/notesSlides/notesSlide19.xml><?xml version="1.0" encoding="utf-8"?>
+<file path=ppt/notesSlides/notesSlide28.xml><?xml version="1.0" encoding="utf-8"?>
 <p:notes xmlns:a="http://schemas.openxmlformats.org/drawingml/2006/main" xmlns:r="http://schemas.openxmlformats.org/officeDocument/2006/relationships" xmlns:p="http://schemas.openxmlformats.org/presentationml/2006/main" showMasterSp="0" showMasterPhAnim="0">
   <p:cSld>
     <p:spTree>
@@ -3243,7 +4499,196 @@
 </p:notes>
 </file>
 
-<file path=ppt/notesSlides/notesSlide2.xml><?xml version="1.0" encoding="utf-8"?>
+<file path=ppt/notesSlides/notesSlide29.xml><?xml version="1.0" encoding="utf-8"?>
+<p:notes xmlns:a="http://schemas.openxmlformats.org/drawingml/2006/main" xmlns:r="http://schemas.openxmlformats.org/officeDocument/2006/relationships" xmlns:p="http://schemas.openxmlformats.org/presentationml/2006/main" showMasterSp="0" showMasterPhAnim="0">
+  <p:cSld>
+    <p:spTree>
+      <p:nvGrpSpPr>
+        <p:cNvPr id="1" name="Shape 104"/>
+        <p:cNvGrpSpPr/>
+        <p:nvPr/>
+      </p:nvGrpSpPr>
+      <p:grpSpPr>
+        <a:xfrm>
+          <a:off x="0" y="0"/>
+          <a:ext cx="0" cy="0"/>
+          <a:chOff x="0" y="0"/>
+          <a:chExt cx="0" cy="0"/>
+        </a:xfrm>
+      </p:grpSpPr>
+      <p:sp>
+        <p:nvSpPr>
+          <p:cNvPr id="105" name="Google Shape;105;p3:notes"/>
+          <p:cNvSpPr>
+            <a:spLocks noGrp="1" noRot="1" noChangeAspect="1"/>
+          </p:cNvSpPr>
+          <p:nvPr>
+            <p:ph type="sldImg" idx="2"/>
+          </p:nvPr>
+        </p:nvSpPr>
+        <p:spPr>
+          <a:xfrm>
+            <a:off x="685800" y="1143000"/>
+            <a:ext cx="5486400" cy="3086100"/>
+          </a:xfrm>
+          <a:custGeom>
+            <a:avLst/>
+            <a:gdLst/>
+            <a:ahLst/>
+            <a:cxnLst/>
+            <a:rect l="l" t="t" r="r" b="b"/>
+            <a:pathLst>
+              <a:path w="120000" h="120000" extrusionOk="0">
+                <a:moveTo>
+                  <a:pt x="0" y="0"/>
+                </a:moveTo>
+                <a:lnTo>
+                  <a:pt x="120000" y="0"/>
+                </a:lnTo>
+                <a:lnTo>
+                  <a:pt x="120000" y="120000"/>
+                </a:lnTo>
+                <a:lnTo>
+                  <a:pt x="0" y="120000"/>
+                </a:lnTo>
+                <a:close/>
+              </a:path>
+            </a:pathLst>
+          </a:custGeom>
+          <a:noFill/>
+          <a:ln w="12700" cap="flat" cmpd="sng">
+            <a:solidFill>
+              <a:srgbClr val="000000"/>
+            </a:solidFill>
+            <a:prstDash val="solid"/>
+            <a:round/>
+            <a:headEnd type="none" w="sm" len="sm"/>
+            <a:tailEnd type="none" w="sm" len="sm"/>
+          </a:ln>
+        </p:spPr>
+      </p:sp>
+      <p:sp>
+        <p:nvSpPr>
+          <p:cNvPr id="106" name="Google Shape;106;p3:notes"/>
+          <p:cNvSpPr txBox="1">
+            <a:spLocks noGrp="1"/>
+          </p:cNvSpPr>
+          <p:nvPr>
+            <p:ph type="body" idx="1"/>
+          </p:nvPr>
+        </p:nvSpPr>
+        <p:spPr>
+          <a:xfrm>
+            <a:off x="685800" y="4400550"/>
+            <a:ext cx="5486400" cy="3600450"/>
+          </a:xfrm>
+          <a:prstGeom prst="rect">
+            <a:avLst/>
+          </a:prstGeom>
+          <a:noFill/>
+          <a:ln>
+            <a:noFill/>
+          </a:ln>
+        </p:spPr>
+        <p:txBody>
+          <a:bodyPr spcFirstLastPara="1" wrap="square" lIns="91425" tIns="45700" rIns="91425" bIns="45700" anchor="t" anchorCtr="0">
+            <a:noAutofit/>
+          </a:bodyPr>
+          <a:lstStyle/>
+          <a:p>
+            <a:pPr marL="0" marR="0" lvl="0" indent="0" algn="l" rtl="0">
+              <a:lnSpc>
+                <a:spcPct val="100000"/>
+              </a:lnSpc>
+              <a:spcBef>
+                <a:spcPts val="0"/>
+              </a:spcBef>
+              <a:spcAft>
+                <a:spcPts val="0"/>
+              </a:spcAft>
+              <a:buClr>
+                <a:schemeClr val="dk1"/>
+              </a:buClr>
+              <a:buSzPts val="1200"/>
+              <a:buFont typeface="Arial"/>
+              <a:buNone/>
+            </a:pPr>
+            <a:endParaRPr sz="1200" b="0" i="0">
+              <a:solidFill>
+                <a:schemeClr val="dk1"/>
+              </a:solidFill>
+              <a:latin typeface="Arial"/>
+              <a:ea typeface="Arial"/>
+              <a:cs typeface="Arial"/>
+              <a:sym typeface="Arial"/>
+            </a:endParaRPr>
+          </a:p>
+        </p:txBody>
+      </p:sp>
+      <p:sp>
+        <p:nvSpPr>
+          <p:cNvPr id="107" name="Google Shape;107;p3:notes"/>
+          <p:cNvSpPr txBox="1">
+            <a:spLocks noGrp="1"/>
+          </p:cNvSpPr>
+          <p:nvPr>
+            <p:ph type="sldNum" idx="12"/>
+          </p:nvPr>
+        </p:nvSpPr>
+        <p:spPr>
+          <a:xfrm>
+            <a:off x="3884613" y="8685213"/>
+            <a:ext cx="2971800" cy="458787"/>
+          </a:xfrm>
+          <a:prstGeom prst="rect">
+            <a:avLst/>
+          </a:prstGeom>
+          <a:noFill/>
+          <a:ln>
+            <a:noFill/>
+          </a:ln>
+        </p:spPr>
+        <p:txBody>
+          <a:bodyPr spcFirstLastPara="1" wrap="square" lIns="91425" tIns="45700" rIns="91425" bIns="45700" anchor="b" anchorCtr="0">
+            <a:noAutofit/>
+          </a:bodyPr>
+          <a:lstStyle/>
+          <a:p>
+            <a:pPr marL="0" lvl="0" indent="0" algn="r" rtl="0">
+              <a:lnSpc>
+                <a:spcPct val="100000"/>
+              </a:lnSpc>
+              <a:spcBef>
+                <a:spcPts val="0"/>
+              </a:spcBef>
+              <a:spcAft>
+                <a:spcPts val="0"/>
+              </a:spcAft>
+              <a:buSzPts val="1400"/>
+              <a:buNone/>
+            </a:pPr>
+            <a:fld id="{00000000-1234-1234-1234-123412341234}" type="slidenum">
+              <a:rPr lang="en-US"/>
+              <a:t>31</a:t>
+            </a:fld>
+            <a:endParaRPr/>
+          </a:p>
+        </p:txBody>
+      </p:sp>
+    </p:spTree>
+    <p:extLst>
+      <p:ext uri="{BB962C8B-B14F-4D97-AF65-F5344CB8AC3E}">
+        <p14:creationId xmlns:p14="http://schemas.microsoft.com/office/powerpoint/2010/main" val="573704370"/>
+      </p:ext>
+    </p:extLst>
+  </p:cSld>
+  <p:clrMapOvr>
+    <a:masterClrMapping/>
+  </p:clrMapOvr>
+</p:notes>
+</file>
+
+<file path=ppt/notesSlides/notesSlide3.xml><?xml version="1.0" encoding="utf-8"?>
 <p:notes xmlns:a="http://schemas.openxmlformats.org/drawingml/2006/main" xmlns:r="http://schemas.openxmlformats.org/officeDocument/2006/relationships" xmlns:p="http://schemas.openxmlformats.org/presentationml/2006/main" showMasterSp="0" showMasterPhAnim="0">
   <p:cSld>
     <p:spTree>
@@ -3358,6 +4803,11 @@
         </p:spPr>
       </p:sp>
     </p:spTree>
+    <p:extLst>
+      <p:ext uri="{BB962C8B-B14F-4D97-AF65-F5344CB8AC3E}">
+        <p14:creationId xmlns:p14="http://schemas.microsoft.com/office/powerpoint/2010/main" val="3835409006"/>
+      </p:ext>
+    </p:extLst>
   </p:cSld>
   <p:clrMapOvr>
     <a:masterClrMapping/>
@@ -3365,7 +4815,7 @@
 </p:notes>
 </file>
 
-<file path=ppt/notesSlides/notesSlide20.xml><?xml version="1.0" encoding="utf-8"?>
+<file path=ppt/notesSlides/notesSlide30.xml><?xml version="1.0" encoding="utf-8"?>
 <p:notes xmlns:a="http://schemas.openxmlformats.org/drawingml/2006/main" xmlns:r="http://schemas.openxmlformats.org/officeDocument/2006/relationships" xmlns:p="http://schemas.openxmlformats.org/presentationml/2006/main" showMasterSp="0" showMasterPhAnim="0">
   <p:cSld>
     <p:spTree>
@@ -3474,12 +4924,12 @@
 </p:notes>
 </file>
 
-<file path=ppt/notesSlides/notesSlide21.xml><?xml version="1.0" encoding="utf-8"?>
+<file path=ppt/notesSlides/notesSlide31.xml><?xml version="1.0" encoding="utf-8"?>
 <p:notes xmlns:a="http://schemas.openxmlformats.org/drawingml/2006/main" xmlns:r="http://schemas.openxmlformats.org/officeDocument/2006/relationships" xmlns:p="http://schemas.openxmlformats.org/presentationml/2006/main" showMasterSp="0" showMasterPhAnim="0">
   <p:cSld>
     <p:spTree>
       <p:nvGrpSpPr>
-        <p:cNvPr id="1" name="Shape 91"/>
+        <p:cNvPr id="1" name="Shape 112"/>
         <p:cNvGrpSpPr/>
         <p:nvPr/>
       </p:nvGrpSpPr>
@@ -3493,7 +4943,7 @@
       </p:grpSpPr>
       <p:sp>
         <p:nvSpPr>
-          <p:cNvPr id="92" name="Google Shape;92;p1:notes"/>
+          <p:cNvPr id="113" name="Google Shape;113;p4:notes"/>
           <p:cNvSpPr txBox="1">
             <a:spLocks noGrp="1"/>
           </p:cNvSpPr>
@@ -3539,7 +4989,7 @@
       </p:sp>
       <p:sp>
         <p:nvSpPr>
-          <p:cNvPr id="93" name="Google Shape;93;p1:notes"/>
+          <p:cNvPr id="114" name="Google Shape;114;p4:notes"/>
           <p:cNvSpPr>
             <a:spLocks noGrp="1" noRot="1" noChangeAspect="1"/>
           </p:cNvSpPr>
@@ -3591,7 +5041,7 @@
     </p:spTree>
     <p:extLst>
       <p:ext uri="{BB962C8B-B14F-4D97-AF65-F5344CB8AC3E}">
-        <p14:creationId xmlns:p14="http://schemas.microsoft.com/office/powerpoint/2010/main" val="1561081078"/>
+        <p14:creationId xmlns:p14="http://schemas.microsoft.com/office/powerpoint/2010/main" val="3752083810"/>
       </p:ext>
     </p:extLst>
   </p:cSld>
@@ -3601,12 +5051,12 @@
 </p:notes>
 </file>
 
-<file path=ppt/notesSlides/notesSlide22.xml><?xml version="1.0" encoding="utf-8"?>
+<file path=ppt/notesSlides/notesSlide32.xml><?xml version="1.0" encoding="utf-8"?>
 <p:notes xmlns:a="http://schemas.openxmlformats.org/drawingml/2006/main" xmlns:r="http://schemas.openxmlformats.org/officeDocument/2006/relationships" xmlns:p="http://schemas.openxmlformats.org/presentationml/2006/main" showMasterSp="0" showMasterPhAnim="0">
   <p:cSld>
     <p:spTree>
       <p:nvGrpSpPr>
-        <p:cNvPr id="1" name="Shape 98"/>
+        <p:cNvPr id="1" name="Shape 112"/>
         <p:cNvGrpSpPr/>
         <p:nvPr/>
       </p:nvGrpSpPr>
@@ -3620,7 +5070,7 @@
       </p:grpSpPr>
       <p:sp>
         <p:nvSpPr>
-          <p:cNvPr id="99" name="Google Shape;99;p2:notes"/>
+          <p:cNvPr id="113" name="Google Shape;113;p4:notes"/>
           <p:cNvSpPr txBox="1">
             <a:spLocks noGrp="1"/>
           </p:cNvSpPr>
@@ -3666,7 +5116,7 @@
       </p:sp>
       <p:sp>
         <p:nvSpPr>
-          <p:cNvPr id="100" name="Google Shape;100;p2:notes"/>
+          <p:cNvPr id="114" name="Google Shape;114;p4:notes"/>
           <p:cNvSpPr>
             <a:spLocks noGrp="1" noRot="1" noChangeAspect="1"/>
           </p:cNvSpPr>
@@ -3718,7 +5168,7 @@
     </p:spTree>
     <p:extLst>
       <p:ext uri="{BB962C8B-B14F-4D97-AF65-F5344CB8AC3E}">
-        <p14:creationId xmlns:p14="http://schemas.microsoft.com/office/powerpoint/2010/main" val="702161048"/>
+        <p14:creationId xmlns:p14="http://schemas.microsoft.com/office/powerpoint/2010/main" val="3536687664"/>
       </p:ext>
     </p:extLst>
   </p:cSld>
@@ -3728,12 +5178,12 @@
 </p:notes>
 </file>
 
-<file path=ppt/notesSlides/notesSlide23.xml><?xml version="1.0" encoding="utf-8"?>
+<file path=ppt/notesSlides/notesSlide33.xml><?xml version="1.0" encoding="utf-8"?>
 <p:notes xmlns:a="http://schemas.openxmlformats.org/drawingml/2006/main" xmlns:r="http://schemas.openxmlformats.org/officeDocument/2006/relationships" xmlns:p="http://schemas.openxmlformats.org/presentationml/2006/main" showMasterSp="0" showMasterPhAnim="0">
   <p:cSld>
     <p:spTree>
       <p:nvGrpSpPr>
-        <p:cNvPr id="1" name="Shape 197"/>
+        <p:cNvPr id="1" name="Shape 112"/>
         <p:cNvGrpSpPr/>
         <p:nvPr/>
       </p:nvGrpSpPr>
@@ -3747,7 +5197,7 @@
       </p:grpSpPr>
       <p:sp>
         <p:nvSpPr>
-          <p:cNvPr id="198" name="Google Shape;198;p31:notes"/>
+          <p:cNvPr id="113" name="Google Shape;113;p4:notes"/>
           <p:cNvSpPr txBox="1">
             <a:spLocks noGrp="1"/>
           </p:cNvSpPr>
@@ -3763,6 +5213,10 @@
           <a:prstGeom prst="rect">
             <a:avLst/>
           </a:prstGeom>
+          <a:noFill/>
+          <a:ln>
+            <a:noFill/>
+          </a:ln>
         </p:spPr>
         <p:txBody>
           <a:bodyPr spcFirstLastPara="1" wrap="square" lIns="91425" tIns="45700" rIns="91425" bIns="45700" anchor="t" anchorCtr="0">
@@ -3771,12 +5225,16 @@
           <a:lstStyle/>
           <a:p>
             <a:pPr marL="0" lvl="0" indent="0" algn="l" rtl="0">
-              <a:spcBef>
-                <a:spcPts val="0"/>
-              </a:spcBef>
-              <a:spcAft>
-                <a:spcPts val="0"/>
-              </a:spcAft>
+              <a:lnSpc>
+                <a:spcPct val="100000"/>
+              </a:lnSpc>
+              <a:spcBef>
+                <a:spcPts val="0"/>
+              </a:spcBef>
+              <a:spcAft>
+                <a:spcPts val="0"/>
+              </a:spcAft>
+              <a:buSzPts val="1400"/>
               <a:buNone/>
             </a:pPr>
             <a:endParaRPr/>
@@ -3785,7 +5243,7 @@
       </p:sp>
       <p:sp>
         <p:nvSpPr>
-          <p:cNvPr id="199" name="Google Shape;199;p31:notes"/>
+          <p:cNvPr id="114" name="Google Shape;114;p4:notes"/>
           <p:cNvSpPr>
             <a:spLocks noGrp="1" noRot="1" noChangeAspect="1"/>
           </p:cNvSpPr>
@@ -3822,12 +5280,22 @@
               </a:path>
             </a:pathLst>
           </a:custGeom>
+          <a:noFill/>
+          <a:ln w="12700" cap="flat" cmpd="sng">
+            <a:solidFill>
+              <a:srgbClr val="000000"/>
+            </a:solidFill>
+            <a:prstDash val="solid"/>
+            <a:round/>
+            <a:headEnd type="none" w="sm" len="sm"/>
+            <a:tailEnd type="none" w="sm" len="sm"/>
+          </a:ln>
         </p:spPr>
       </p:sp>
     </p:spTree>
     <p:extLst>
       <p:ext uri="{BB962C8B-B14F-4D97-AF65-F5344CB8AC3E}">
-        <p14:creationId xmlns:p14="http://schemas.microsoft.com/office/powerpoint/2010/main" val="2764922916"/>
+        <p14:creationId xmlns:p14="http://schemas.microsoft.com/office/powerpoint/2010/main" val="2040971346"/>
       </p:ext>
     </p:extLst>
   </p:cSld>
@@ -3837,7 +5305,7 @@
 </p:notes>
 </file>
 
-<file path=ppt/notesSlides/notesSlide24.xml><?xml version="1.0" encoding="utf-8"?>
+<file path=ppt/notesSlides/notesSlide34.xml><?xml version="1.0" encoding="utf-8"?>
 <p:notes xmlns:a="http://schemas.openxmlformats.org/drawingml/2006/main" xmlns:r="http://schemas.openxmlformats.org/officeDocument/2006/relationships" xmlns:p="http://schemas.openxmlformats.org/presentationml/2006/main" showMasterSp="0" showMasterPhAnim="0">
   <p:cSld>
     <p:spTree>
@@ -3964,116 +5432,7 @@
 </p:notes>
 </file>
 
-<file path=ppt/notesSlides/notesSlide25.xml><?xml version="1.0" encoding="utf-8"?>
-<p:notes xmlns:a="http://schemas.openxmlformats.org/drawingml/2006/main" xmlns:r="http://schemas.openxmlformats.org/officeDocument/2006/relationships" xmlns:p="http://schemas.openxmlformats.org/presentationml/2006/main" showMasterSp="0" showMasterPhAnim="0">
-  <p:cSld>
-    <p:spTree>
-      <p:nvGrpSpPr>
-        <p:cNvPr id="1" name="Shape 184"/>
-        <p:cNvGrpSpPr/>
-        <p:nvPr/>
-      </p:nvGrpSpPr>
-      <p:grpSpPr>
-        <a:xfrm>
-          <a:off x="0" y="0"/>
-          <a:ext cx="0" cy="0"/>
-          <a:chOff x="0" y="0"/>
-          <a:chExt cx="0" cy="0"/>
-        </a:xfrm>
-      </p:grpSpPr>
-      <p:sp>
-        <p:nvSpPr>
-          <p:cNvPr id="185" name="Google Shape;185;p29:notes"/>
-          <p:cNvSpPr txBox="1">
-            <a:spLocks noGrp="1"/>
-          </p:cNvSpPr>
-          <p:nvPr>
-            <p:ph type="body" idx="1"/>
-          </p:nvPr>
-        </p:nvSpPr>
-        <p:spPr>
-          <a:xfrm>
-            <a:off x="685800" y="4400550"/>
-            <a:ext cx="5486400" cy="3600450"/>
-          </a:xfrm>
-          <a:prstGeom prst="rect">
-            <a:avLst/>
-          </a:prstGeom>
-        </p:spPr>
-        <p:txBody>
-          <a:bodyPr spcFirstLastPara="1" wrap="square" lIns="91425" tIns="45700" rIns="91425" bIns="45700" anchor="t" anchorCtr="0">
-            <a:noAutofit/>
-          </a:bodyPr>
-          <a:lstStyle/>
-          <a:p>
-            <a:pPr marL="0" lvl="0" indent="0" algn="l" rtl="0">
-              <a:spcBef>
-                <a:spcPts val="0"/>
-              </a:spcBef>
-              <a:spcAft>
-                <a:spcPts val="0"/>
-              </a:spcAft>
-              <a:buNone/>
-            </a:pPr>
-            <a:endParaRPr/>
-          </a:p>
-        </p:txBody>
-      </p:sp>
-      <p:sp>
-        <p:nvSpPr>
-          <p:cNvPr id="186" name="Google Shape;186;p29:notes"/>
-          <p:cNvSpPr>
-            <a:spLocks noGrp="1" noRot="1" noChangeAspect="1"/>
-          </p:cNvSpPr>
-          <p:nvPr>
-            <p:ph type="sldImg" idx="2"/>
-          </p:nvPr>
-        </p:nvSpPr>
-        <p:spPr>
-          <a:xfrm>
-            <a:off x="685800" y="1143000"/>
-            <a:ext cx="5486400" cy="3086100"/>
-          </a:xfrm>
-          <a:custGeom>
-            <a:avLst/>
-            <a:gdLst/>
-            <a:ahLst/>
-            <a:cxnLst/>
-            <a:rect l="l" t="t" r="r" b="b"/>
-            <a:pathLst>
-              <a:path w="120000" h="120000" extrusionOk="0">
-                <a:moveTo>
-                  <a:pt x="0" y="0"/>
-                </a:moveTo>
-                <a:lnTo>
-                  <a:pt x="120000" y="0"/>
-                </a:lnTo>
-                <a:lnTo>
-                  <a:pt x="120000" y="120000"/>
-                </a:lnTo>
-                <a:lnTo>
-                  <a:pt x="0" y="120000"/>
-                </a:lnTo>
-                <a:close/>
-              </a:path>
-            </a:pathLst>
-          </a:custGeom>
-        </p:spPr>
-      </p:sp>
-    </p:spTree>
-    <p:extLst>
-      <p:ext uri="{BB962C8B-B14F-4D97-AF65-F5344CB8AC3E}">
-        <p14:creationId xmlns:p14="http://schemas.microsoft.com/office/powerpoint/2010/main" val="2899529074"/>
-      </p:ext>
-    </p:extLst>
-  </p:cSld>
-  <p:clrMapOvr>
-    <a:masterClrMapping/>
-  </p:clrMapOvr>
-</p:notes>
-</file>
-
-<file path=ppt/notesSlides/notesSlide26.xml><?xml version="1.0" encoding="utf-8"?>
+<file path=ppt/notesSlides/notesSlide35.xml><?xml version="1.0" encoding="utf-8"?>
 <p:notes xmlns:a="http://schemas.openxmlformats.org/drawingml/2006/main" xmlns:r="http://schemas.openxmlformats.org/officeDocument/2006/relationships" xmlns:p="http://schemas.openxmlformats.org/presentationml/2006/main" showMasterSp="0" showMasterPhAnim="0">
   <p:cSld>
     <p:spTree>
@@ -4177,7 +5536,7 @@
 </p:notes>
 </file>
 
-<file path=ppt/notesSlides/notesSlide27.xml><?xml version="1.0" encoding="utf-8"?>
+<file path=ppt/notesSlides/notesSlide36.xml><?xml version="1.0" encoding="utf-8"?>
 <p:notes xmlns:a="http://schemas.openxmlformats.org/drawingml/2006/main" xmlns:r="http://schemas.openxmlformats.org/officeDocument/2006/relationships" xmlns:p="http://schemas.openxmlformats.org/presentationml/2006/main" showMasterSp="0" showMasterPhAnim="0">
   <p:cSld>
     <p:spTree>
@@ -4281,7 +5640,7 @@
 </p:notes>
 </file>
 
-<file path=ppt/notesSlides/notesSlide28.xml><?xml version="1.0" encoding="utf-8"?>
+<file path=ppt/notesSlides/notesSlide37.xml><?xml version="1.0" encoding="utf-8"?>
 <p:notes xmlns:a="http://schemas.openxmlformats.org/drawingml/2006/main" xmlns:r="http://schemas.openxmlformats.org/officeDocument/2006/relationships" xmlns:p="http://schemas.openxmlformats.org/presentationml/2006/main" showMasterSp="0" showMasterPhAnim="0">
   <p:cSld>
     <p:spTree>
@@ -4399,133 +5758,6 @@
     <p:extLst>
       <p:ext uri="{BB962C8B-B14F-4D97-AF65-F5344CB8AC3E}">
         <p14:creationId xmlns:p14="http://schemas.microsoft.com/office/powerpoint/2010/main" val="3546986153"/>
-      </p:ext>
-    </p:extLst>
-  </p:cSld>
-  <p:clrMapOvr>
-    <a:masterClrMapping/>
-  </p:clrMapOvr>
-</p:notes>
-</file>
-
-<file path=ppt/notesSlides/notesSlide3.xml><?xml version="1.0" encoding="utf-8"?>
-<p:notes xmlns:a="http://schemas.openxmlformats.org/drawingml/2006/main" xmlns:r="http://schemas.openxmlformats.org/officeDocument/2006/relationships" xmlns:p="http://schemas.openxmlformats.org/presentationml/2006/main" showMasterSp="0" showMasterPhAnim="0">
-  <p:cSld>
-    <p:spTree>
-      <p:nvGrpSpPr>
-        <p:cNvPr id="1" name="Shape 98"/>
-        <p:cNvGrpSpPr/>
-        <p:nvPr/>
-      </p:nvGrpSpPr>
-      <p:grpSpPr>
-        <a:xfrm>
-          <a:off x="0" y="0"/>
-          <a:ext cx="0" cy="0"/>
-          <a:chOff x="0" y="0"/>
-          <a:chExt cx="0" cy="0"/>
-        </a:xfrm>
-      </p:grpSpPr>
-      <p:sp>
-        <p:nvSpPr>
-          <p:cNvPr id="99" name="Google Shape;99;p2:notes"/>
-          <p:cNvSpPr txBox="1">
-            <a:spLocks noGrp="1"/>
-          </p:cNvSpPr>
-          <p:nvPr>
-            <p:ph type="body" idx="1"/>
-          </p:nvPr>
-        </p:nvSpPr>
-        <p:spPr>
-          <a:xfrm>
-            <a:off x="685800" y="4400550"/>
-            <a:ext cx="5486400" cy="3600450"/>
-          </a:xfrm>
-          <a:prstGeom prst="rect">
-            <a:avLst/>
-          </a:prstGeom>
-          <a:noFill/>
-          <a:ln>
-            <a:noFill/>
-          </a:ln>
-        </p:spPr>
-        <p:txBody>
-          <a:bodyPr spcFirstLastPara="1" wrap="square" lIns="91425" tIns="45700" rIns="91425" bIns="45700" anchor="t" anchorCtr="0">
-            <a:noAutofit/>
-          </a:bodyPr>
-          <a:lstStyle/>
-          <a:p>
-            <a:pPr marL="0" lvl="0" indent="0" algn="l" rtl="0">
-              <a:lnSpc>
-                <a:spcPct val="100000"/>
-              </a:lnSpc>
-              <a:spcBef>
-                <a:spcPts val="0"/>
-              </a:spcBef>
-              <a:spcAft>
-                <a:spcPts val="0"/>
-              </a:spcAft>
-              <a:buSzPts val="1400"/>
-              <a:buNone/>
-            </a:pPr>
-            <a:endParaRPr/>
-          </a:p>
-        </p:txBody>
-      </p:sp>
-      <p:sp>
-        <p:nvSpPr>
-          <p:cNvPr id="100" name="Google Shape;100;p2:notes"/>
-          <p:cNvSpPr>
-            <a:spLocks noGrp="1" noRot="1" noChangeAspect="1"/>
-          </p:cNvSpPr>
-          <p:nvPr>
-            <p:ph type="sldImg" idx="2"/>
-          </p:nvPr>
-        </p:nvSpPr>
-        <p:spPr>
-          <a:xfrm>
-            <a:off x="685800" y="1143000"/>
-            <a:ext cx="5486400" cy="3086100"/>
-          </a:xfrm>
-          <a:custGeom>
-            <a:avLst/>
-            <a:gdLst/>
-            <a:ahLst/>
-            <a:cxnLst/>
-            <a:rect l="l" t="t" r="r" b="b"/>
-            <a:pathLst>
-              <a:path w="120000" h="120000" extrusionOk="0">
-                <a:moveTo>
-                  <a:pt x="0" y="0"/>
-                </a:moveTo>
-                <a:lnTo>
-                  <a:pt x="120000" y="0"/>
-                </a:lnTo>
-                <a:lnTo>
-                  <a:pt x="120000" y="120000"/>
-                </a:lnTo>
-                <a:lnTo>
-                  <a:pt x="0" y="120000"/>
-                </a:lnTo>
-                <a:close/>
-              </a:path>
-            </a:pathLst>
-          </a:custGeom>
-          <a:noFill/>
-          <a:ln w="12700" cap="flat" cmpd="sng">
-            <a:solidFill>
-              <a:srgbClr val="000000"/>
-            </a:solidFill>
-            <a:prstDash val="solid"/>
-            <a:round/>
-            <a:headEnd type="none" w="sm" len="sm"/>
-            <a:tailEnd type="none" w="sm" len="sm"/>
-          </a:ln>
-        </p:spPr>
-      </p:sp>
-    </p:spTree>
-    <p:extLst>
-      <p:ext uri="{BB962C8B-B14F-4D97-AF65-F5344CB8AC3E}">
-        <p14:creationId xmlns:p14="http://schemas.microsoft.com/office/powerpoint/2010/main" val="3835409006"/>
       </p:ext>
     </p:extLst>
   </p:cSld>
@@ -16917,8 +18149,8 @@
         </p:nvSpPr>
         <p:spPr>
           <a:xfrm>
-            <a:off x="673721" y="2425552"/>
-            <a:ext cx="7465727" cy="2970696"/>
+            <a:off x="0" y="2290559"/>
+            <a:ext cx="4595246" cy="5020910"/>
           </a:xfrm>
           <a:prstGeom prst="rect">
             <a:avLst/>
@@ -16963,6 +18195,53 @@
           </a:p>
         </p:txBody>
       </p:sp>
+      <p:pic>
+        <p:nvPicPr>
+          <p:cNvPr id="3074" name="Picture 2" descr="Không có mô tả.">
+            <a:extLst>
+              <a:ext uri="{FF2B5EF4-FFF2-40B4-BE49-F238E27FC236}">
+                <a16:creationId xmlns:a16="http://schemas.microsoft.com/office/drawing/2014/main" id="{BBCF548A-F3B3-7C48-A98A-B61BB135F59E}"/>
+              </a:ext>
+            </a:extLst>
+          </p:cNvPr>
+          <p:cNvPicPr>
+            <a:picLocks noChangeAspect="1" noChangeArrowheads="1"/>
+          </p:cNvPicPr>
+          <p:nvPr/>
+        </p:nvPicPr>
+        <p:blipFill>
+          <a:blip r:embed="rId3">
+            <a:extLst>
+              <a:ext uri="{28A0092B-C50C-407E-A947-70E740481C1C}">
+                <a14:useLocalDpi xmlns:a14="http://schemas.microsoft.com/office/drawing/2010/main" val="0"/>
+              </a:ext>
+            </a:extLst>
+          </a:blip>
+          <a:srcRect/>
+          <a:stretch>
+            <a:fillRect/>
+          </a:stretch>
+        </p:blipFill>
+        <p:spPr bwMode="auto">
+          <a:xfrm>
+            <a:off x="843928" y="3052117"/>
+            <a:ext cx="9763226" cy="1309356"/>
+          </a:xfrm>
+          <a:prstGeom prst="rect">
+            <a:avLst/>
+          </a:prstGeom>
+          <a:noFill/>
+          <a:extLst>
+            <a:ext uri="{909E8E84-426E-40DD-AFC4-6F175D3DCCD1}">
+              <a14:hiddenFill xmlns:a14="http://schemas.microsoft.com/office/drawing/2010/main">
+                <a:solidFill>
+                  <a:srgbClr val="FFFFFF"/>
+                </a:solidFill>
+              </a14:hiddenFill>
+            </a:ext>
+          </a:extLst>
+        </p:spPr>
+      </p:pic>
     </p:spTree>
     <p:extLst>
       <p:ext uri="{BB962C8B-B14F-4D97-AF65-F5344CB8AC3E}">
@@ -16979,7 +18258,7 @@
         <p:fade/>
       </p:transition>
     </mc:Choice>
-    <mc:Fallback xmlns:ahyp="http://schemas.microsoft.com/office/drawing/2018/hyperlinkcolor" xmlns:p15="http://schemas.microsoft.com/office/powerpoint/2012/main" xmlns:com="http://schemas.openxmlformats.org/drawingml/2006/compatibility" xmlns:pvml="urn:schemas-microsoft-com:office:powerpoint" xmlns:v="urn:schemas-microsoft-com:vml" xmlns:o="urn:schemas-microsoft-com:office:office" xmlns:dgm="http://schemas.openxmlformats.org/drawingml/2006/diagram" xmlns:c="http://schemas.openxmlformats.org/drawingml/2006/chart" xmlns:mv="urn:schemas-microsoft-com:mac:vml" xmlns="">
+    <mc:Fallback xmlns="" xmlns:mv="urn:schemas-microsoft-com:mac:vml" xmlns:c="http://schemas.openxmlformats.org/drawingml/2006/chart" xmlns:dgm="http://schemas.openxmlformats.org/drawingml/2006/diagram" xmlns:o="urn:schemas-microsoft-com:office:office" xmlns:v="urn:schemas-microsoft-com:vml" xmlns:pvml="urn:schemas-microsoft-com:office:powerpoint" xmlns:com="http://schemas.openxmlformats.org/drawingml/2006/compatibility" xmlns:p15="http://schemas.microsoft.com/office/powerpoint/2012/main" xmlns:ahyp="http://schemas.microsoft.com/office/drawing/2018/hyperlinkcolor">
       <p:transition spd="slow">
         <p:fade/>
       </p:transition>
@@ -17122,7 +18401,7 @@
         <p:fade/>
       </p:transition>
     </mc:Choice>
-    <mc:Fallback xmlns:ahyp="http://schemas.microsoft.com/office/drawing/2018/hyperlinkcolor" xmlns:p15="http://schemas.microsoft.com/office/powerpoint/2012/main" xmlns:com="http://schemas.openxmlformats.org/drawingml/2006/compatibility" xmlns:pvml="urn:schemas-microsoft-com:office:powerpoint" xmlns:v="urn:schemas-microsoft-com:vml" xmlns:o="urn:schemas-microsoft-com:office:office" xmlns:dgm="http://schemas.openxmlformats.org/drawingml/2006/diagram" xmlns:c="http://schemas.openxmlformats.org/drawingml/2006/chart" xmlns:mv="urn:schemas-microsoft-com:mac:vml" xmlns="">
+    <mc:Fallback xmlns="" xmlns:mv="urn:schemas-microsoft-com:mac:vml" xmlns:c="http://schemas.openxmlformats.org/drawingml/2006/chart" xmlns:dgm="http://schemas.openxmlformats.org/drawingml/2006/diagram" xmlns:o="urn:schemas-microsoft-com:office:office" xmlns:v="urn:schemas-microsoft-com:vml" xmlns:pvml="urn:schemas-microsoft-com:office:powerpoint" xmlns:com="http://schemas.openxmlformats.org/drawingml/2006/compatibility" xmlns:p15="http://schemas.microsoft.com/office/powerpoint/2012/main" xmlns:ahyp="http://schemas.microsoft.com/office/drawing/2018/hyperlinkcolor">
       <p:transition spd="slow">
         <p:fade/>
       </p:transition>
@@ -17380,6 +18659,200 @@
   <p:cSld>
     <p:spTree>
       <p:nvGrpSpPr>
+        <p:cNvPr id="1" name="Shape 115"/>
+        <p:cNvGrpSpPr/>
+        <p:nvPr/>
+      </p:nvGrpSpPr>
+      <p:grpSpPr>
+        <a:xfrm>
+          <a:off x="0" y="0"/>
+          <a:ext cx="0" cy="0"/>
+          <a:chOff x="0" y="0"/>
+          <a:chExt cx="0" cy="0"/>
+        </a:xfrm>
+      </p:grpSpPr>
+      <p:sp>
+        <p:nvSpPr>
+          <p:cNvPr id="116" name="Google Shape;116;p4"/>
+          <p:cNvSpPr txBox="1">
+            <a:spLocks noGrp="1"/>
+          </p:cNvSpPr>
+          <p:nvPr>
+            <p:ph type="body" idx="1"/>
+          </p:nvPr>
+        </p:nvSpPr>
+        <p:spPr>
+          <a:xfrm>
+            <a:off x="451028" y="2045970"/>
+            <a:ext cx="6951600" cy="4190406"/>
+          </a:xfrm>
+          <a:prstGeom prst="rect">
+            <a:avLst/>
+          </a:prstGeom>
+          <a:noFill/>
+          <a:ln>
+            <a:noFill/>
+          </a:ln>
+        </p:spPr>
+        <p:txBody>
+          <a:bodyPr spcFirstLastPara="1" wrap="square" lIns="91425" tIns="45700" rIns="91425" bIns="45700" anchor="t" anchorCtr="0">
+            <a:noAutofit/>
+          </a:bodyPr>
+          <a:lstStyle/>
+          <a:p>
+            <a:pPr marL="0" lvl="0" indent="0" algn="l" rtl="0">
+              <a:lnSpc>
+                <a:spcPct val="130000"/>
+              </a:lnSpc>
+              <a:spcBef>
+                <a:spcPts val="600"/>
+              </a:spcBef>
+              <a:spcAft>
+                <a:spcPts val="0"/>
+              </a:spcAft>
+              <a:buNone/>
+            </a:pPr>
+            <a:endParaRPr dirty="0">
+              <a:solidFill>
+                <a:srgbClr val="000000"/>
+              </a:solidFill>
+            </a:endParaRPr>
+          </a:p>
+          <a:p>
+            <a:pPr marL="228600" lvl="0" indent="-91440" algn="l" rtl="0">
+              <a:lnSpc>
+                <a:spcPct val="130000"/>
+              </a:lnSpc>
+              <a:spcBef>
+                <a:spcPts val="600"/>
+              </a:spcBef>
+              <a:spcAft>
+                <a:spcPts val="0"/>
+              </a:spcAft>
+              <a:buSzPts val="2160"/>
+              <a:buNone/>
+            </a:pPr>
+            <a:endParaRPr dirty="0">
+              <a:solidFill>
+                <a:srgbClr val="000000"/>
+              </a:solidFill>
+            </a:endParaRPr>
+          </a:p>
+        </p:txBody>
+      </p:sp>
+      <p:sp>
+        <p:nvSpPr>
+          <p:cNvPr id="117" name="Google Shape;117;p4"/>
+          <p:cNvSpPr txBox="1">
+            <a:spLocks noGrp="1"/>
+          </p:cNvSpPr>
+          <p:nvPr>
+            <p:ph type="title"/>
+          </p:nvPr>
+        </p:nvSpPr>
+        <p:spPr>
+          <a:xfrm>
+            <a:off x="145095" y="931300"/>
+            <a:ext cx="6951472" cy="590931"/>
+          </a:xfrm>
+          <a:prstGeom prst="rect">
+            <a:avLst/>
+          </a:prstGeom>
+          <a:noFill/>
+          <a:ln>
+            <a:noFill/>
+          </a:ln>
+        </p:spPr>
+        <p:txBody>
+          <a:bodyPr spcFirstLastPara="1" wrap="square" lIns="91425" tIns="45700" rIns="91425" bIns="45700" anchor="t" anchorCtr="0">
+            <a:noAutofit/>
+          </a:bodyPr>
+          <a:lstStyle/>
+          <a:p>
+            <a:pPr marL="0" lvl="0" indent="0" algn="l" rtl="0">
+              <a:lnSpc>
+                <a:spcPct val="100000"/>
+              </a:lnSpc>
+              <a:spcBef>
+                <a:spcPts val="0"/>
+              </a:spcBef>
+              <a:spcAft>
+                <a:spcPts val="0"/>
+              </a:spcAft>
+              <a:buClr>
+                <a:schemeClr val="dk2"/>
+              </a:buClr>
+              <a:buSzPts val="2800"/>
+              <a:buFont typeface="Arial"/>
+              <a:buNone/>
+            </a:pPr>
+            <a:r>
+              <a:rPr lang="en-US" sz="2800" dirty="0" err="1"/>
+              <a:t>Kết</a:t>
+            </a:r>
+            <a:r>
+              <a:rPr lang="en-US" sz="2800" dirty="0"/>
+              <a:t> </a:t>
+            </a:r>
+            <a:r>
+              <a:rPr lang="en-US" sz="2800" dirty="0" err="1"/>
+              <a:t>quả</a:t>
+            </a:r>
+            <a:r>
+              <a:rPr lang="en-US" sz="2800" dirty="0"/>
+              <a:t> FFT</a:t>
+            </a:r>
+            <a:endParaRPr sz="2800" dirty="0"/>
+          </a:p>
+        </p:txBody>
+      </p:sp>
+      <p:pic>
+        <p:nvPicPr>
+          <p:cNvPr id="10" name="Picture 9">
+            <a:extLst>
+              <a:ext uri="{FF2B5EF4-FFF2-40B4-BE49-F238E27FC236}">
+                <a16:creationId xmlns:a16="http://schemas.microsoft.com/office/drawing/2014/main" id="{BEC930A0-041B-D649-9022-6ECCCBF12084}"/>
+              </a:ext>
+            </a:extLst>
+          </p:cNvPr>
+          <p:cNvPicPr>
+            <a:picLocks noChangeAspect="1"/>
+          </p:cNvPicPr>
+          <p:nvPr/>
+        </p:nvPicPr>
+        <p:blipFill rotWithShape="1">
+          <a:blip r:embed="rId3"/>
+          <a:srcRect l="24955" t="61352" r="34639" b="12054"/>
+          <a:stretch/>
+        </p:blipFill>
+        <p:spPr>
+          <a:xfrm>
+            <a:off x="1443324" y="1845276"/>
+            <a:ext cx="10186437" cy="4190406"/>
+          </a:xfrm>
+          <a:prstGeom prst="rect">
+            <a:avLst/>
+          </a:prstGeom>
+        </p:spPr>
+      </p:pic>
+    </p:spTree>
+    <p:extLst>
+      <p:ext uri="{BB962C8B-B14F-4D97-AF65-F5344CB8AC3E}">
+        <p14:creationId xmlns:p14="http://schemas.microsoft.com/office/powerpoint/2010/main" val="2063999432"/>
+      </p:ext>
+    </p:extLst>
+  </p:cSld>
+  <p:clrMapOvr>
+    <a:masterClrMapping/>
+  </p:clrMapOvr>
+</p:sld>
+</file>
+
+<file path=ppt/slides/slide14.xml><?xml version="1.0" encoding="utf-8"?>
+<p:sld xmlns:a="http://schemas.openxmlformats.org/drawingml/2006/main" xmlns:r="http://schemas.openxmlformats.org/officeDocument/2006/relationships" xmlns:p="http://schemas.openxmlformats.org/presentationml/2006/main">
+  <p:cSld>
+    <p:spTree>
+      <p:nvGrpSpPr>
         <p:cNvPr id="1" name="Shape 94"/>
         <p:cNvGrpSpPr/>
         <p:nvPr/>
@@ -17551,7 +19024,7 @@
 </p:sld>
 </file>
 
-<file path=ppt/slides/slide14.xml><?xml version="1.0" encoding="utf-8"?>
+<file path=ppt/slides/slide15.xml><?xml version="1.0" encoding="utf-8"?>
 <p:sld xmlns:a="http://schemas.openxmlformats.org/drawingml/2006/main" xmlns:r="http://schemas.openxmlformats.org/officeDocument/2006/relationships" xmlns:p="http://schemas.openxmlformats.org/presentationml/2006/main">
   <p:cSld>
     <p:spTree>
@@ -17690,246 +19163,7 @@
         <p:fade/>
       </p:transition>
     </mc:Choice>
-    <mc:Fallback xmlns:ahyp="http://schemas.microsoft.com/office/drawing/2018/hyperlinkcolor" xmlns:p15="http://schemas.microsoft.com/office/powerpoint/2012/main" xmlns:com="http://schemas.openxmlformats.org/drawingml/2006/compatibility" xmlns:pvml="urn:schemas-microsoft-com:office:powerpoint" xmlns:v="urn:schemas-microsoft-com:vml" xmlns:o="urn:schemas-microsoft-com:office:office" xmlns:dgm="http://schemas.openxmlformats.org/drawingml/2006/diagram" xmlns:c="http://schemas.openxmlformats.org/drawingml/2006/chart" xmlns:mv="urn:schemas-microsoft-com:mac:vml" xmlns="">
-      <p:transition spd="slow">
-        <p:fade/>
-      </p:transition>
-    </mc:Fallback>
-  </mc:AlternateContent>
-</p:sld>
-</file>
-
-<file path=ppt/slides/slide15.xml><?xml version="1.0" encoding="utf-8"?>
-<p:sld xmlns:a="http://schemas.openxmlformats.org/drawingml/2006/main" xmlns:r="http://schemas.openxmlformats.org/officeDocument/2006/relationships" xmlns:p="http://schemas.openxmlformats.org/presentationml/2006/main">
-  <p:cSld>
-    <p:spTree>
-      <p:nvGrpSpPr>
-        <p:cNvPr id="1" name="Shape 108"/>
-        <p:cNvGrpSpPr/>
-        <p:nvPr/>
-      </p:nvGrpSpPr>
-      <p:grpSpPr>
-        <a:xfrm>
-          <a:off x="0" y="0"/>
-          <a:ext cx="0" cy="0"/>
-          <a:chOff x="0" y="0"/>
-          <a:chExt cx="0" cy="0"/>
-        </a:xfrm>
-      </p:grpSpPr>
-      <p:sp>
-        <p:nvSpPr>
-          <p:cNvPr id="109" name="Google Shape;109;p3"/>
-          <p:cNvSpPr txBox="1">
-            <a:spLocks noGrp="1"/>
-          </p:cNvSpPr>
-          <p:nvPr>
-            <p:ph type="title"/>
-          </p:nvPr>
-        </p:nvSpPr>
-        <p:spPr>
-          <a:xfrm>
-            <a:off x="415080" y="1048120"/>
-            <a:ext cx="10972389" cy="966493"/>
-          </a:xfrm>
-          <a:prstGeom prst="rect">
-            <a:avLst/>
-          </a:prstGeom>
-          <a:noFill/>
-          <a:ln>
-            <a:noFill/>
-          </a:ln>
-        </p:spPr>
-        <p:txBody>
-          <a:bodyPr spcFirstLastPara="1" wrap="square" lIns="91425" tIns="45700" rIns="91425" bIns="45700" anchor="t" anchorCtr="0">
-            <a:noAutofit/>
-          </a:bodyPr>
-          <a:lstStyle/>
-          <a:p>
-            <a:pPr marL="0" lvl="0" indent="0" algn="l" rtl="0">
-              <a:lnSpc>
-                <a:spcPct val="100000"/>
-              </a:lnSpc>
-              <a:spcBef>
-                <a:spcPts val="0"/>
-              </a:spcBef>
-              <a:spcAft>
-                <a:spcPts val="0"/>
-              </a:spcAft>
-              <a:buClr>
-                <a:schemeClr val="dk2"/>
-              </a:buClr>
-              <a:buSzPts val="2800"/>
-              <a:buFont typeface="Arial"/>
-              <a:buNone/>
-            </a:pPr>
-            <a:r>
-              <a:rPr lang="en-US" sz="2800" dirty="0" err="1"/>
-              <a:t>Thuật</a:t>
-            </a:r>
-            <a:r>
-              <a:rPr lang="en-US" sz="2800" dirty="0"/>
-              <a:t> </a:t>
-            </a:r>
-            <a:r>
-              <a:rPr lang="en-US" sz="2800" dirty="0" err="1"/>
-              <a:t>toán</a:t>
-            </a:r>
-            <a:r>
-              <a:rPr lang="en-US" sz="2800" dirty="0"/>
-              <a:t> </a:t>
-            </a:r>
-            <a:r>
-              <a:rPr lang="en-US" sz="2800" dirty="0" err="1"/>
-              <a:t>chọn</a:t>
-            </a:r>
-            <a:r>
-              <a:rPr lang="en-US" sz="2800" dirty="0"/>
-              <a:t> </a:t>
-            </a:r>
-            <a:r>
-              <a:rPr lang="en-US" sz="2800" dirty="0" err="1"/>
-              <a:t>khung</a:t>
-            </a:r>
-            <a:r>
-              <a:rPr lang="en-US" sz="2800" dirty="0"/>
-              <a:t> </a:t>
-            </a:r>
-            <a:r>
-              <a:rPr lang="en-US" sz="2800" dirty="0" err="1"/>
-              <a:t>tín</a:t>
-            </a:r>
-            <a:r>
-              <a:rPr lang="en-US" sz="2800" dirty="0"/>
-              <a:t> </a:t>
-            </a:r>
-            <a:r>
-              <a:rPr lang="en-US" sz="2800" dirty="0" err="1"/>
-              <a:t>hiệu</a:t>
-            </a:r>
-            <a:r>
-              <a:rPr lang="en-US" sz="2800" dirty="0"/>
-              <a:t> </a:t>
-            </a:r>
-            <a:r>
-              <a:rPr lang="en-US" sz="2800" dirty="0" err="1"/>
-              <a:t>ổn</a:t>
-            </a:r>
-            <a:r>
-              <a:rPr lang="en-US" sz="2800" dirty="0"/>
-              <a:t> </a:t>
-            </a:r>
-            <a:r>
-              <a:rPr lang="en-US" sz="2800" dirty="0" err="1"/>
-              <a:t>định</a:t>
-            </a:r>
-            <a:br>
-              <a:rPr lang="en-US" sz="2800" dirty="0"/>
-            </a:br>
-            <a:endParaRPr sz="2800" dirty="0"/>
-          </a:p>
-        </p:txBody>
-      </p:sp>
-      <p:sp>
-        <p:nvSpPr>
-          <p:cNvPr id="110" name="Google Shape;110;p3"/>
-          <p:cNvSpPr txBox="1"/>
-          <p:nvPr/>
-        </p:nvSpPr>
-        <p:spPr>
-          <a:xfrm>
-            <a:off x="673721" y="2425552"/>
-            <a:ext cx="7465727" cy="2970696"/>
-          </a:xfrm>
-          <a:prstGeom prst="rect">
-            <a:avLst/>
-          </a:prstGeom>
-          <a:noFill/>
-          <a:ln>
-            <a:noFill/>
-          </a:ln>
-        </p:spPr>
-        <p:txBody>
-          <a:bodyPr spcFirstLastPara="1" wrap="square" lIns="91425" tIns="45700" rIns="91425" bIns="45700" anchor="t" anchorCtr="0">
-            <a:noAutofit/>
-          </a:bodyPr>
-          <a:lstStyle/>
-          <a:p>
-            <a:pPr marL="0" marR="0" lvl="0" indent="0" algn="l" rtl="0">
-              <a:lnSpc>
-                <a:spcPct val="100000"/>
-              </a:lnSpc>
-              <a:spcBef>
-                <a:spcPts val="0"/>
-              </a:spcBef>
-              <a:spcAft>
-                <a:spcPts val="0"/>
-              </a:spcAft>
-              <a:buClr>
-                <a:schemeClr val="dk2"/>
-              </a:buClr>
-              <a:buSzPts val="5400"/>
-              <a:buFont typeface="Arial"/>
-              <a:buNone/>
-            </a:pPr>
-            <a:endParaRPr sz="5400" b="1" i="0" u="none" strike="noStrike" cap="none">
-              <a:solidFill>
-                <a:schemeClr val="dk2"/>
-              </a:solidFill>
-              <a:latin typeface="Arial"/>
-              <a:ea typeface="Arial"/>
-              <a:cs typeface="Arial"/>
-              <a:sym typeface="Arial"/>
-            </a:endParaRPr>
-          </a:p>
-        </p:txBody>
-      </p:sp>
-      <p:pic>
-        <p:nvPicPr>
-          <p:cNvPr id="6" name="Picture 5">
-            <a:extLst>
-              <a:ext uri="{FF2B5EF4-FFF2-40B4-BE49-F238E27FC236}">
-                <a16:creationId xmlns:a16="http://schemas.microsoft.com/office/drawing/2014/main" id="{FCCDFD81-022E-7249-9148-FC87A59343F9}"/>
-              </a:ext>
-            </a:extLst>
-          </p:cNvPr>
-          <p:cNvPicPr>
-            <a:picLocks noChangeAspect="1"/>
-          </p:cNvPicPr>
-          <p:nvPr/>
-        </p:nvPicPr>
-        <p:blipFill>
-          <a:blip r:embed="rId3"/>
-          <a:stretch>
-            <a:fillRect/>
-          </a:stretch>
-        </p:blipFill>
-        <p:spPr>
-          <a:xfrm>
-            <a:off x="415080" y="3011856"/>
-            <a:ext cx="10578636" cy="2384392"/>
-          </a:xfrm>
-          <a:prstGeom prst="rect">
-            <a:avLst/>
-          </a:prstGeom>
-        </p:spPr>
-      </p:pic>
-    </p:spTree>
-    <p:extLst>
-      <p:ext uri="{BB962C8B-B14F-4D97-AF65-F5344CB8AC3E}">
-        <p14:creationId xmlns:p14="http://schemas.microsoft.com/office/powerpoint/2010/main" val="3557595200"/>
-      </p:ext>
-    </p:extLst>
-  </p:cSld>
-  <p:clrMapOvr>
-    <a:masterClrMapping/>
-  </p:clrMapOvr>
-  <mc:AlternateContent xmlns:mc="http://schemas.openxmlformats.org/markup-compatibility/2006" xmlns:p14="http://schemas.microsoft.com/office/powerpoint/2010/main">
-    <mc:Choice Requires="p14">
-      <p:transition spd="med" p14:dur="700">
-        <p:fade/>
-      </p:transition>
-    </mc:Choice>
-    <mc:Fallback xmlns:ahyp="http://schemas.microsoft.com/office/drawing/2018/hyperlinkcolor" xmlns:p15="http://schemas.microsoft.com/office/powerpoint/2012/main" xmlns:com="http://schemas.openxmlformats.org/drawingml/2006/compatibility" xmlns:pvml="urn:schemas-microsoft-com:office:powerpoint" xmlns:v="urn:schemas-microsoft-com:vml" xmlns:o="urn:schemas-microsoft-com:office:office" xmlns:dgm="http://schemas.openxmlformats.org/drawingml/2006/diagram" xmlns:c="http://schemas.openxmlformats.org/drawingml/2006/chart" xmlns:mv="urn:schemas-microsoft-com:mac:vml" xmlns="">
+    <mc:Fallback xmlns="" xmlns:mv="urn:schemas-microsoft-com:mac:vml" xmlns:c="http://schemas.openxmlformats.org/drawingml/2006/chart" xmlns:dgm="http://schemas.openxmlformats.org/drawingml/2006/diagram" xmlns:o="urn:schemas-microsoft-com:office:office" xmlns:v="urn:schemas-microsoft-com:vml" xmlns:pvml="urn:schemas-microsoft-com:office:powerpoint" xmlns:com="http://schemas.openxmlformats.org/drawingml/2006/compatibility" xmlns:p15="http://schemas.microsoft.com/office/powerpoint/2012/main" xmlns:ahyp="http://schemas.microsoft.com/office/drawing/2018/hyperlinkcolor">
       <p:transition spd="slow">
         <p:fade/>
       </p:transition>
@@ -18153,7 +19387,7 @@
         <p:fade/>
       </p:transition>
     </mc:Choice>
-    <mc:Fallback xmlns:ahyp="http://schemas.microsoft.com/office/drawing/2018/hyperlinkcolor" xmlns:p15="http://schemas.microsoft.com/office/powerpoint/2012/main" xmlns:com="http://schemas.openxmlformats.org/drawingml/2006/compatibility" xmlns:pvml="urn:schemas-microsoft-com:office:powerpoint" xmlns:v="urn:schemas-microsoft-com:vml" xmlns:o="urn:schemas-microsoft-com:office:office" xmlns:dgm="http://schemas.openxmlformats.org/drawingml/2006/diagram" xmlns:c="http://schemas.openxmlformats.org/drawingml/2006/chart" xmlns:mv="urn:schemas-microsoft-com:mac:vml" xmlns="">
+    <mc:Fallback xmlns="" xmlns:mv="urn:schemas-microsoft-com:mac:vml" xmlns:c="http://schemas.openxmlformats.org/drawingml/2006/chart" xmlns:dgm="http://schemas.openxmlformats.org/drawingml/2006/diagram" xmlns:o="urn:schemas-microsoft-com:office:office" xmlns:v="urn:schemas-microsoft-com:vml" xmlns:pvml="urn:schemas-microsoft-com:office:powerpoint" xmlns:com="http://schemas.openxmlformats.org/drawingml/2006/compatibility" xmlns:p15="http://schemas.microsoft.com/office/powerpoint/2012/main" xmlns:ahyp="http://schemas.microsoft.com/office/drawing/2018/hyperlinkcolor">
       <p:transition spd="slow">
         <p:fade/>
       </p:transition>
@@ -18296,7 +19530,7 @@
         <p:fade/>
       </p:transition>
     </mc:Choice>
-    <mc:Fallback xmlns:ahyp="http://schemas.microsoft.com/office/drawing/2018/hyperlinkcolor" xmlns:p15="http://schemas.microsoft.com/office/powerpoint/2012/main" xmlns:com="http://schemas.openxmlformats.org/drawingml/2006/compatibility" xmlns:pvml="urn:schemas-microsoft-com:office:powerpoint" xmlns:v="urn:schemas-microsoft-com:vml" xmlns:o="urn:schemas-microsoft-com:office:office" xmlns:dgm="http://schemas.openxmlformats.org/drawingml/2006/diagram" xmlns:c="http://schemas.openxmlformats.org/drawingml/2006/chart" xmlns:mv="urn:schemas-microsoft-com:mac:vml" xmlns="">
+    <mc:Fallback xmlns="" xmlns:mv="urn:schemas-microsoft-com:mac:vml" xmlns:c="http://schemas.openxmlformats.org/drawingml/2006/chart" xmlns:dgm="http://schemas.openxmlformats.org/drawingml/2006/diagram" xmlns:o="urn:schemas-microsoft-com:office:office" xmlns:v="urn:schemas-microsoft-com:vml" xmlns:pvml="urn:schemas-microsoft-com:office:powerpoint" xmlns:com="http://schemas.openxmlformats.org/drawingml/2006/compatibility" xmlns:p15="http://schemas.microsoft.com/office/powerpoint/2012/main" xmlns:ahyp="http://schemas.microsoft.com/office/drawing/2018/hyperlinkcolor">
       <p:transition spd="slow">
         <p:fade/>
       </p:transition>
@@ -18306,6 +19540,221 @@
 </file>
 
 <file path=ppt/slides/slide18.xml><?xml version="1.0" encoding="utf-8"?>
+<p:sld xmlns:a="http://schemas.openxmlformats.org/drawingml/2006/main" xmlns:r="http://schemas.openxmlformats.org/officeDocument/2006/relationships" xmlns:p="http://schemas.openxmlformats.org/presentationml/2006/main">
+  <p:cSld>
+    <p:spTree>
+      <p:nvGrpSpPr>
+        <p:cNvPr id="1" name="Shape 115"/>
+        <p:cNvGrpSpPr/>
+        <p:nvPr/>
+      </p:nvGrpSpPr>
+      <p:grpSpPr>
+        <a:xfrm>
+          <a:off x="0" y="0"/>
+          <a:ext cx="0" cy="0"/>
+          <a:chOff x="0" y="0"/>
+          <a:chExt cx="0" cy="0"/>
+        </a:xfrm>
+      </p:grpSpPr>
+      <p:sp>
+        <p:nvSpPr>
+          <p:cNvPr id="116" name="Google Shape;116;p4"/>
+          <p:cNvSpPr txBox="1">
+            <a:spLocks noGrp="1"/>
+          </p:cNvSpPr>
+          <p:nvPr>
+            <p:ph type="body" idx="1"/>
+          </p:nvPr>
+        </p:nvSpPr>
+        <p:spPr>
+          <a:xfrm>
+            <a:off x="451028" y="2045970"/>
+            <a:ext cx="6951600" cy="4190406"/>
+          </a:xfrm>
+          <a:prstGeom prst="rect">
+            <a:avLst/>
+          </a:prstGeom>
+          <a:noFill/>
+          <a:ln>
+            <a:noFill/>
+          </a:ln>
+        </p:spPr>
+        <p:txBody>
+          <a:bodyPr spcFirstLastPara="1" wrap="square" lIns="91425" tIns="45700" rIns="91425" bIns="45700" anchor="t" anchorCtr="0">
+            <a:noAutofit/>
+          </a:bodyPr>
+          <a:lstStyle/>
+          <a:p>
+            <a:pPr marL="0" lvl="0" indent="0" algn="l" rtl="0">
+              <a:lnSpc>
+                <a:spcPct val="130000"/>
+              </a:lnSpc>
+              <a:spcBef>
+                <a:spcPts val="600"/>
+              </a:spcBef>
+              <a:spcAft>
+                <a:spcPts val="0"/>
+              </a:spcAft>
+              <a:buNone/>
+            </a:pPr>
+            <a:endParaRPr dirty="0">
+              <a:solidFill>
+                <a:srgbClr val="000000"/>
+              </a:solidFill>
+            </a:endParaRPr>
+          </a:p>
+          <a:p>
+            <a:pPr marL="228600" lvl="0" indent="-91440" algn="l" rtl="0">
+              <a:lnSpc>
+                <a:spcPct val="130000"/>
+              </a:lnSpc>
+              <a:spcBef>
+                <a:spcPts val="600"/>
+              </a:spcBef>
+              <a:spcAft>
+                <a:spcPts val="0"/>
+              </a:spcAft>
+              <a:buSzPts val="2160"/>
+              <a:buNone/>
+            </a:pPr>
+            <a:endParaRPr dirty="0">
+              <a:solidFill>
+                <a:srgbClr val="000000"/>
+              </a:solidFill>
+            </a:endParaRPr>
+          </a:p>
+        </p:txBody>
+      </p:sp>
+      <p:sp>
+        <p:nvSpPr>
+          <p:cNvPr id="117" name="Google Shape;117;p4"/>
+          <p:cNvSpPr txBox="1">
+            <a:spLocks noGrp="1"/>
+          </p:cNvSpPr>
+          <p:nvPr>
+            <p:ph type="title"/>
+          </p:nvPr>
+        </p:nvSpPr>
+        <p:spPr>
+          <a:xfrm>
+            <a:off x="145095" y="931300"/>
+            <a:ext cx="6951472" cy="590931"/>
+          </a:xfrm>
+          <a:prstGeom prst="rect">
+            <a:avLst/>
+          </a:prstGeom>
+          <a:noFill/>
+          <a:ln>
+            <a:noFill/>
+          </a:ln>
+        </p:spPr>
+        <p:txBody>
+          <a:bodyPr spcFirstLastPara="1" wrap="square" lIns="91425" tIns="45700" rIns="91425" bIns="45700" anchor="t" anchorCtr="0">
+            <a:noAutofit/>
+          </a:bodyPr>
+          <a:lstStyle/>
+          <a:p>
+            <a:pPr marL="0" lvl="0" indent="0" algn="l" rtl="0">
+              <a:lnSpc>
+                <a:spcPct val="100000"/>
+              </a:lnSpc>
+              <a:spcBef>
+                <a:spcPts val="0"/>
+              </a:spcBef>
+              <a:spcAft>
+                <a:spcPts val="0"/>
+              </a:spcAft>
+              <a:buClr>
+                <a:schemeClr val="dk2"/>
+              </a:buClr>
+              <a:buSzPts val="2800"/>
+              <a:buFont typeface="Arial"/>
+              <a:buNone/>
+            </a:pPr>
+            <a:r>
+              <a:rPr lang="en-US" sz="2800" dirty="0" err="1"/>
+              <a:t>Khung</a:t>
+            </a:r>
+            <a:r>
+              <a:rPr lang="en-US" sz="2800" dirty="0"/>
+              <a:t> </a:t>
+            </a:r>
+            <a:r>
+              <a:rPr lang="en-US" sz="2800" dirty="0" err="1"/>
+              <a:t>tín</a:t>
+            </a:r>
+            <a:r>
+              <a:rPr lang="en-US" sz="2800" dirty="0"/>
+              <a:t> </a:t>
+            </a:r>
+            <a:r>
+              <a:rPr lang="en-US" sz="2800" dirty="0" err="1"/>
+              <a:t>hiệu</a:t>
+            </a:r>
+            <a:r>
+              <a:rPr lang="en-US" sz="2800" dirty="0"/>
+              <a:t> </a:t>
+            </a:r>
+            <a:r>
+              <a:rPr lang="en-US" sz="2800" dirty="0" err="1"/>
+              <a:t>ổn</a:t>
+            </a:r>
+            <a:r>
+              <a:rPr lang="en-US" sz="2800" dirty="0"/>
+              <a:t> </a:t>
+            </a:r>
+            <a:r>
+              <a:rPr lang="en-US" sz="2800" dirty="0" err="1"/>
+              <a:t>định</a:t>
+            </a:r>
+            <a:endParaRPr sz="2800" dirty="0"/>
+          </a:p>
+        </p:txBody>
+      </p:sp>
+      <p:pic>
+        <p:nvPicPr>
+          <p:cNvPr id="2" name="Picture 1">
+            <a:extLst>
+              <a:ext uri="{FF2B5EF4-FFF2-40B4-BE49-F238E27FC236}">
+                <a16:creationId xmlns:a16="http://schemas.microsoft.com/office/drawing/2014/main" id="{FABD3E51-0735-964D-A1D3-4C30FE87FDD5}"/>
+              </a:ext>
+            </a:extLst>
+          </p:cNvPr>
+          <p:cNvPicPr>
+            <a:picLocks noChangeAspect="1"/>
+          </p:cNvPicPr>
+          <p:nvPr/>
+        </p:nvPicPr>
+        <p:blipFill>
+          <a:blip r:embed="rId3"/>
+          <a:stretch>
+            <a:fillRect/>
+          </a:stretch>
+        </p:blipFill>
+        <p:spPr>
+          <a:xfrm>
+            <a:off x="643584" y="1386306"/>
+            <a:ext cx="10904831" cy="5298699"/>
+          </a:xfrm>
+          <a:prstGeom prst="rect">
+            <a:avLst/>
+          </a:prstGeom>
+        </p:spPr>
+      </p:pic>
+    </p:spTree>
+    <p:extLst>
+      <p:ext uri="{BB962C8B-B14F-4D97-AF65-F5344CB8AC3E}">
+        <p14:creationId xmlns:p14="http://schemas.microsoft.com/office/powerpoint/2010/main" val="3297299364"/>
+      </p:ext>
+    </p:extLst>
+  </p:cSld>
+  <p:clrMapOvr>
+    <a:masterClrMapping/>
+  </p:clrMapOvr>
+</p:sld>
+</file>
+
+<file path=ppt/slides/slide19.xml><?xml version="1.0" encoding="utf-8"?>
 <p:sld xmlns:a="http://schemas.openxmlformats.org/drawingml/2006/main" xmlns:r="http://schemas.openxmlformats.org/officeDocument/2006/relationships" xmlns:p="http://schemas.openxmlformats.org/presentationml/2006/main">
   <p:cSld>
     <p:spTree>
@@ -18518,7 +19967,166 @@
 </p:sld>
 </file>
 
-<file path=ppt/slides/slide19.xml><?xml version="1.0" encoding="utf-8"?>
+<file path=ppt/slides/slide2.xml><?xml version="1.0" encoding="utf-8"?>
+<p:sld xmlns:a="http://schemas.openxmlformats.org/drawingml/2006/main" xmlns:r="http://schemas.openxmlformats.org/officeDocument/2006/relationships" xmlns:p="http://schemas.openxmlformats.org/presentationml/2006/main">
+  <p:cSld>
+    <p:spTree>
+      <p:nvGrpSpPr>
+        <p:cNvPr id="1" name="Shape 101"/>
+        <p:cNvGrpSpPr/>
+        <p:nvPr/>
+      </p:nvGrpSpPr>
+      <p:grpSpPr>
+        <a:xfrm>
+          <a:off x="0" y="0"/>
+          <a:ext cx="0" cy="0"/>
+          <a:chOff x="0" y="0"/>
+          <a:chExt cx="0" cy="0"/>
+        </a:xfrm>
+      </p:grpSpPr>
+      <p:sp>
+        <p:nvSpPr>
+          <p:cNvPr id="102" name="Google Shape;102;p2"/>
+          <p:cNvSpPr txBox="1">
+            <a:spLocks noGrp="1"/>
+          </p:cNvSpPr>
+          <p:nvPr>
+            <p:ph type="ctrTitle"/>
+          </p:nvPr>
+        </p:nvSpPr>
+        <p:spPr>
+          <a:xfrm>
+            <a:off x="616295" y="2771115"/>
+            <a:ext cx="7727700" cy="974400"/>
+          </a:xfrm>
+          <a:prstGeom prst="rect">
+            <a:avLst/>
+          </a:prstGeom>
+          <a:noFill/>
+          <a:ln>
+            <a:noFill/>
+          </a:ln>
+        </p:spPr>
+        <p:txBody>
+          <a:bodyPr spcFirstLastPara="1" wrap="square" lIns="0" tIns="45700" rIns="91425" bIns="45700" anchor="b" anchorCtr="0">
+            <a:noAutofit/>
+          </a:bodyPr>
+          <a:lstStyle/>
+          <a:p>
+            <a:pPr marL="457200" lvl="0" indent="-571500" algn="l" rtl="0">
+              <a:lnSpc>
+                <a:spcPct val="100000"/>
+              </a:lnSpc>
+              <a:spcBef>
+                <a:spcPts val="0"/>
+              </a:spcBef>
+              <a:spcAft>
+                <a:spcPts val="0"/>
+              </a:spcAft>
+              <a:buSzPts val="5400"/>
+              <a:buAutoNum type="arabicPeriod"/>
+            </a:pPr>
+            <a:r>
+              <a:rPr lang="en-US" sz="5400" dirty="0" err="1"/>
+              <a:t>Phân</a:t>
+            </a:r>
+            <a:r>
+              <a:rPr lang="en-US" sz="5400" dirty="0"/>
+              <a:t> chia </a:t>
+            </a:r>
+            <a:r>
+              <a:rPr lang="en-US" sz="5400" dirty="0" err="1"/>
+              <a:t>công</a:t>
+            </a:r>
+            <a:r>
+              <a:rPr lang="en-US" sz="5400" dirty="0"/>
+              <a:t> </a:t>
+            </a:r>
+            <a:r>
+              <a:rPr lang="en-US" sz="5400" dirty="0" err="1"/>
+              <a:t>việc</a:t>
+            </a:r>
+            <a:endParaRPr sz="5400" dirty="0"/>
+          </a:p>
+        </p:txBody>
+      </p:sp>
+      <p:sp>
+        <p:nvSpPr>
+          <p:cNvPr id="103" name="Google Shape;103;p2"/>
+          <p:cNvSpPr/>
+          <p:nvPr/>
+        </p:nvSpPr>
+        <p:spPr>
+          <a:xfrm>
+            <a:off x="492369" y="4454769"/>
+            <a:ext cx="5158154" cy="1406769"/>
+          </a:xfrm>
+          <a:prstGeom prst="rect">
+            <a:avLst/>
+          </a:prstGeom>
+          <a:solidFill>
+            <a:schemeClr val="lt1"/>
+          </a:solidFill>
+          <a:ln>
+            <a:noFill/>
+          </a:ln>
+        </p:spPr>
+        <p:txBody>
+          <a:bodyPr spcFirstLastPara="1" wrap="square" lIns="91425" tIns="45700" rIns="91425" bIns="45700" anchor="ctr" anchorCtr="0">
+            <a:noAutofit/>
+          </a:bodyPr>
+          <a:lstStyle/>
+          <a:p>
+            <a:pPr marL="0" marR="0" lvl="0" indent="0" algn="ctr" rtl="0">
+              <a:lnSpc>
+                <a:spcPct val="100000"/>
+              </a:lnSpc>
+              <a:spcBef>
+                <a:spcPts val="0"/>
+              </a:spcBef>
+              <a:spcAft>
+                <a:spcPts val="0"/>
+              </a:spcAft>
+              <a:buClr>
+                <a:srgbClr val="000000"/>
+              </a:buClr>
+              <a:buSzPts val="1800"/>
+              <a:buFont typeface="Arial"/>
+              <a:buNone/>
+            </a:pPr>
+            <a:endParaRPr sz="1800" b="0" i="0" u="none" strike="noStrike" cap="none">
+              <a:solidFill>
+                <a:schemeClr val="lt1"/>
+              </a:solidFill>
+              <a:latin typeface="Arial"/>
+              <a:ea typeface="Arial"/>
+              <a:cs typeface="Arial"/>
+              <a:sym typeface="Arial"/>
+            </a:endParaRPr>
+          </a:p>
+        </p:txBody>
+      </p:sp>
+    </p:spTree>
+  </p:cSld>
+  <p:clrMapOvr>
+    <a:masterClrMapping/>
+  </p:clrMapOvr>
+  <mc:AlternateContent xmlns:mc="http://schemas.openxmlformats.org/markup-compatibility/2006" xmlns:p14="http://schemas.microsoft.com/office/powerpoint/2010/main">
+    <mc:Choice Requires="p14">
+      <p:transition spd="med" p14:dur="700">
+        <p:fade/>
+      </p:transition>
+    </mc:Choice>
+    <mc:Fallback xmlns="" xmlns:mv="urn:schemas-microsoft-com:mac:vml" xmlns:c="http://schemas.openxmlformats.org/drawingml/2006/chart" xmlns:dgm="http://schemas.openxmlformats.org/drawingml/2006/diagram" xmlns:o="urn:schemas-microsoft-com:office:office" xmlns:v="urn:schemas-microsoft-com:vml" xmlns:pvml="urn:schemas-microsoft-com:office:powerpoint" xmlns:com="http://schemas.openxmlformats.org/drawingml/2006/compatibility" xmlns:p15="http://schemas.microsoft.com/office/powerpoint/2012/main" xmlns:ahyp="http://schemas.microsoft.com/office/drawing/2018/hyperlinkcolor">
+      <p:transition spd="slow">
+        <p:fade/>
+      </p:transition>
+    </mc:Fallback>
+  </mc:AlternateContent>
+</p:sld>
+</file>
+
+<file path=ppt/slides/slide20.xml><?xml version="1.0" encoding="utf-8"?>
 <p:sld xmlns:a="http://schemas.openxmlformats.org/drawingml/2006/main" xmlns:r="http://schemas.openxmlformats.org/officeDocument/2006/relationships" xmlns:p="http://schemas.openxmlformats.org/presentationml/2006/main">
   <p:cSld>
     <p:spTree>
@@ -18735,7 +20343,223 @@
 </p:sld>
 </file>
 
-<file path=ppt/slides/slide2.xml><?xml version="1.0" encoding="utf-8"?>
+<file path=ppt/slides/slide21.xml><?xml version="1.0" encoding="utf-8"?>
+<p:sld xmlns:a="http://schemas.openxmlformats.org/drawingml/2006/main" xmlns:r="http://schemas.openxmlformats.org/officeDocument/2006/relationships" xmlns:p="http://schemas.openxmlformats.org/presentationml/2006/main">
+  <p:cSld>
+    <p:spTree>
+      <p:nvGrpSpPr>
+        <p:cNvPr id="1" name="Shape 94"/>
+        <p:cNvGrpSpPr/>
+        <p:nvPr/>
+      </p:nvGrpSpPr>
+      <p:grpSpPr>
+        <a:xfrm>
+          <a:off x="0" y="0"/>
+          <a:ext cx="0" cy="0"/>
+          <a:chOff x="0" y="0"/>
+          <a:chExt cx="0" cy="0"/>
+        </a:xfrm>
+      </p:grpSpPr>
+      <p:sp>
+        <p:nvSpPr>
+          <p:cNvPr id="95" name="Google Shape;95;p1"/>
+          <p:cNvSpPr txBox="1">
+            <a:spLocks noGrp="1"/>
+          </p:cNvSpPr>
+          <p:nvPr>
+            <p:ph type="ctrTitle"/>
+          </p:nvPr>
+        </p:nvSpPr>
+        <p:spPr>
+          <a:xfrm>
+            <a:off x="125620" y="1131455"/>
+            <a:ext cx="10192272" cy="3701073"/>
+          </a:xfrm>
+          <a:prstGeom prst="rect">
+            <a:avLst/>
+          </a:prstGeom>
+          <a:noFill/>
+          <a:ln>
+            <a:noFill/>
+          </a:ln>
+        </p:spPr>
+        <p:txBody>
+          <a:bodyPr spcFirstLastPara="1" wrap="square" lIns="0" tIns="45700" rIns="91425" bIns="45700" anchor="b" anchorCtr="0">
+            <a:noAutofit/>
+          </a:bodyPr>
+          <a:lstStyle/>
+          <a:p>
+            <a:pPr marL="0" lvl="0" indent="0" algn="l" rtl="0">
+              <a:lnSpc>
+                <a:spcPct val="150000"/>
+              </a:lnSpc>
+              <a:spcBef>
+                <a:spcPts val="0"/>
+              </a:spcBef>
+              <a:spcAft>
+                <a:spcPts val="0"/>
+              </a:spcAft>
+              <a:buClr>
+                <a:schemeClr val="lt1"/>
+              </a:buClr>
+              <a:buSzPts val="3600"/>
+              <a:buFont typeface="Arial"/>
+              <a:buNone/>
+            </a:pPr>
+            <a:r>
+              <a:rPr lang="en-US" sz="5000" dirty="0" err="1"/>
+              <a:t>Phần</a:t>
+            </a:r>
+            <a:r>
+              <a:rPr lang="en-US" sz="5000" dirty="0"/>
+              <a:t> 3: </a:t>
+            </a:r>
+            <a:r>
+              <a:rPr lang="en-US" sz="5000" dirty="0" err="1"/>
+              <a:t>Kmeans</a:t>
+            </a:r>
+            <a:r>
+              <a:rPr lang="en-US" sz="5000" dirty="0"/>
+              <a:t>, </a:t>
+            </a:r>
+            <a:r>
+              <a:rPr lang="en-US" sz="5000" dirty="0" err="1"/>
+              <a:t>lập</a:t>
+            </a:r>
+            <a:r>
+              <a:rPr lang="en-US" sz="5000" dirty="0"/>
+              <a:t> </a:t>
+            </a:r>
+            <a:r>
+              <a:rPr lang="en-US" sz="5000" dirty="0" err="1"/>
+              <a:t>bảng</a:t>
+            </a:r>
+            <a:r>
+              <a:rPr lang="en-US" sz="5000" dirty="0"/>
+              <a:t> </a:t>
+            </a:r>
+            <a:r>
+              <a:rPr lang="en-US" sz="5000" dirty="0" err="1"/>
+              <a:t>báo</a:t>
+            </a:r>
+            <a:r>
+              <a:rPr lang="en-US" sz="5000" dirty="0"/>
+              <a:t> </a:t>
+            </a:r>
+            <a:r>
+              <a:rPr lang="en-US" sz="5000" dirty="0" err="1"/>
+              <a:t>cáo</a:t>
+            </a:r>
+            <a:r>
+              <a:rPr lang="en-US" sz="5000" dirty="0"/>
+              <a:t> </a:t>
+            </a:r>
+            <a:r>
+              <a:rPr lang="en-US" sz="5000" dirty="0" err="1"/>
+              <a:t>độ</a:t>
+            </a:r>
+            <a:r>
+              <a:rPr lang="en-US" sz="5000" dirty="0"/>
+              <a:t> </a:t>
+            </a:r>
+            <a:r>
+              <a:rPr lang="en-US" sz="5000" dirty="0" err="1"/>
+              <a:t>chính</a:t>
+            </a:r>
+            <a:r>
+              <a:rPr lang="en-US" sz="5000" dirty="0"/>
+              <a:t> </a:t>
+            </a:r>
+            <a:r>
+              <a:rPr lang="en-US" sz="5000" dirty="0" err="1"/>
+              <a:t>xác</a:t>
+            </a:r>
+            <a:r>
+              <a:rPr lang="en-US" sz="5000" dirty="0"/>
+              <a:t> </a:t>
+            </a:r>
+            <a:r>
+              <a:rPr lang="en-US" sz="5000" dirty="0" err="1"/>
+              <a:t>theo</a:t>
+            </a:r>
+            <a:r>
+              <a:rPr lang="en-US" sz="5000" dirty="0"/>
+              <a:t> K,N</a:t>
+            </a:r>
+            <a:endParaRPr sz="5000" dirty="0"/>
+          </a:p>
+        </p:txBody>
+      </p:sp>
+      <p:sp>
+        <p:nvSpPr>
+          <p:cNvPr id="96" name="Google Shape;96;p1"/>
+          <p:cNvSpPr/>
+          <p:nvPr/>
+        </p:nvSpPr>
+        <p:spPr>
+          <a:xfrm>
+            <a:off x="394070" y="4832528"/>
+            <a:ext cx="5766585" cy="894017"/>
+          </a:xfrm>
+          <a:prstGeom prst="rect">
+            <a:avLst/>
+          </a:prstGeom>
+          <a:solidFill>
+            <a:schemeClr val="accent1"/>
+          </a:solidFill>
+          <a:ln>
+            <a:noFill/>
+          </a:ln>
+        </p:spPr>
+        <p:txBody>
+          <a:bodyPr spcFirstLastPara="1" wrap="square" lIns="91425" tIns="45700" rIns="91425" bIns="45700" anchor="ctr" anchorCtr="0">
+            <a:noAutofit/>
+          </a:bodyPr>
+          <a:lstStyle/>
+          <a:p>
+            <a:pPr marL="0" marR="0" lvl="0" indent="0" algn="ctr" rtl="0">
+              <a:lnSpc>
+                <a:spcPct val="100000"/>
+              </a:lnSpc>
+              <a:spcBef>
+                <a:spcPts val="0"/>
+              </a:spcBef>
+              <a:spcAft>
+                <a:spcPts val="0"/>
+              </a:spcAft>
+              <a:buClr>
+                <a:srgbClr val="000000"/>
+              </a:buClr>
+              <a:buSzPts val="1800"/>
+              <a:buFont typeface="Arial"/>
+              <a:buNone/>
+            </a:pPr>
+            <a:endParaRPr sz="1800" b="0" i="0" u="none" strike="noStrike" cap="none">
+              <a:solidFill>
+                <a:schemeClr val="lt1"/>
+              </a:solidFill>
+              <a:latin typeface="Arial"/>
+              <a:ea typeface="Arial"/>
+              <a:cs typeface="Arial"/>
+              <a:sym typeface="Arial"/>
+            </a:endParaRPr>
+          </a:p>
+        </p:txBody>
+      </p:sp>
+    </p:spTree>
+    <p:extLst>
+      <p:ext uri="{BB962C8B-B14F-4D97-AF65-F5344CB8AC3E}">
+        <p14:creationId xmlns:p14="http://schemas.microsoft.com/office/powerpoint/2010/main" val="99378892"/>
+      </p:ext>
+    </p:extLst>
+  </p:cSld>
+  <p:clrMapOvr>
+    <a:masterClrMapping/>
+  </p:clrMapOvr>
+</p:sld>
+</file>
+
+<file path=ppt/slides/slide22.xml><?xml version="1.0" encoding="utf-8"?>
 <p:sld xmlns:a="http://schemas.openxmlformats.org/drawingml/2006/main" xmlns:r="http://schemas.openxmlformats.org/officeDocument/2006/relationships" xmlns:p="http://schemas.openxmlformats.org/presentationml/2006/main">
   <p:cSld>
     <p:spTree>
@@ -18795,24 +20619,8 @@
               <a:buAutoNum type="arabicPeriod"/>
             </a:pPr>
             <a:r>
-              <a:rPr lang="en-US" sz="5400" dirty="0" err="1"/>
-              <a:t>Phân</a:t>
-            </a:r>
-            <a:r>
               <a:rPr lang="en-US" sz="5400" dirty="0"/>
-              <a:t> chia </a:t>
-            </a:r>
-            <a:r>
-              <a:rPr lang="en-US" sz="5400" dirty="0" err="1"/>
-              <a:t>công</a:t>
-            </a:r>
-            <a:r>
-              <a:rPr lang="en-US" sz="5400" dirty="0"/>
-              <a:t> </a:t>
-            </a:r>
-            <a:r>
-              <a:rPr lang="en-US" sz="5400" dirty="0" err="1"/>
-              <a:t>việc</a:t>
+              <a:t>SƠ ĐỒ KHỐI</a:t>
             </a:r>
             <a:endParaRPr sz="5400" dirty="0"/>
           </a:p>
@@ -18875,6 +20683,11 @@
         </p:txBody>
       </p:sp>
     </p:spTree>
+    <p:extLst>
+      <p:ext uri="{BB962C8B-B14F-4D97-AF65-F5344CB8AC3E}">
+        <p14:creationId xmlns:p14="http://schemas.microsoft.com/office/powerpoint/2010/main" val="1394884940"/>
+      </p:ext>
+    </p:extLst>
   </p:cSld>
   <p:clrMapOvr>
     <a:masterClrMapping/>
@@ -18885,7 +20698,7 @@
         <p:fade/>
       </p:transition>
     </mc:Choice>
-    <mc:Fallback xmlns:ahyp="http://schemas.microsoft.com/office/drawing/2018/hyperlinkcolor" xmlns:p15="http://schemas.microsoft.com/office/powerpoint/2012/main" xmlns:com="http://schemas.openxmlformats.org/drawingml/2006/compatibility" xmlns:pvml="urn:schemas-microsoft-com:office:powerpoint" xmlns:v="urn:schemas-microsoft-com:vml" xmlns:o="urn:schemas-microsoft-com:office:office" xmlns:dgm="http://schemas.openxmlformats.org/drawingml/2006/diagram" xmlns:c="http://schemas.openxmlformats.org/drawingml/2006/chart" xmlns:mv="urn:schemas-microsoft-com:mac:vml" xmlns="">
+    <mc:Fallback xmlns="" xmlns:mv="urn:schemas-microsoft-com:mac:vml" xmlns:c="http://schemas.openxmlformats.org/drawingml/2006/chart" xmlns:dgm="http://schemas.openxmlformats.org/drawingml/2006/diagram" xmlns:o="urn:schemas-microsoft-com:office:office" xmlns:v="urn:schemas-microsoft-com:vml" xmlns:pvml="urn:schemas-microsoft-com:office:powerpoint" xmlns:com="http://schemas.openxmlformats.org/drawingml/2006/compatibility" xmlns:p15="http://schemas.microsoft.com/office/powerpoint/2012/main" xmlns:ahyp="http://schemas.microsoft.com/office/drawing/2018/hyperlinkcolor">
       <p:transition spd="slow">
         <p:fade/>
       </p:transition>
@@ -18894,12 +20707,12 @@
 </p:sld>
 </file>
 
-<file path=ppt/slides/slide20.xml><?xml version="1.0" encoding="utf-8"?>
+<file path=ppt/slides/slide23.xml><?xml version="1.0" encoding="utf-8"?>
 <p:sld xmlns:a="http://schemas.openxmlformats.org/drawingml/2006/main" xmlns:r="http://schemas.openxmlformats.org/officeDocument/2006/relationships" xmlns:p="http://schemas.openxmlformats.org/presentationml/2006/main">
   <p:cSld>
     <p:spTree>
       <p:nvGrpSpPr>
-        <p:cNvPr id="1" name="Shape 94"/>
+        <p:cNvPr id="1" name="Shape 108"/>
         <p:cNvGrpSpPr/>
         <p:nvPr/>
       </p:nvGrpSpPr>
@@ -18913,18 +20726,18 @@
       </p:grpSpPr>
       <p:sp>
         <p:nvSpPr>
-          <p:cNvPr id="95" name="Google Shape;95;p1"/>
+          <p:cNvPr id="109" name="Google Shape;109;p3"/>
           <p:cNvSpPr txBox="1">
             <a:spLocks noGrp="1"/>
           </p:cNvSpPr>
           <p:nvPr>
-            <p:ph type="ctrTitle"/>
+            <p:ph type="title"/>
           </p:nvPr>
         </p:nvSpPr>
         <p:spPr>
           <a:xfrm>
-            <a:off x="187403" y="1853514"/>
-            <a:ext cx="7659137" cy="2656702"/>
+            <a:off x="415080" y="1048120"/>
+            <a:ext cx="10972389" cy="966493"/>
           </a:xfrm>
           <a:prstGeom prst="rect">
             <a:avLst/>
@@ -18935,184 +20748,62 @@
           </a:ln>
         </p:spPr>
         <p:txBody>
-          <a:bodyPr spcFirstLastPara="1" wrap="square" lIns="0" tIns="45700" rIns="91425" bIns="45700" anchor="b" anchorCtr="0">
+          <a:bodyPr spcFirstLastPara="1" wrap="square" lIns="91425" tIns="45700" rIns="91425" bIns="45700" anchor="t" anchorCtr="0">
             <a:noAutofit/>
           </a:bodyPr>
           <a:lstStyle/>
           <a:p>
             <a:pPr marL="0" lvl="0" indent="0" algn="l" rtl="0">
               <a:lnSpc>
-                <a:spcPct val="150000"/>
-              </a:lnSpc>
-              <a:spcBef>
-                <a:spcPts val="0"/>
-              </a:spcBef>
-              <a:spcAft>
-                <a:spcPts val="0"/>
-              </a:spcAft>
-              <a:buClr>
-                <a:schemeClr val="lt1"/>
-              </a:buClr>
-              <a:buSzPts val="3600"/>
+                <a:spcPct val="100000"/>
+              </a:lnSpc>
+              <a:spcBef>
+                <a:spcPts val="0"/>
+              </a:spcBef>
+              <a:spcAft>
+                <a:spcPts val="0"/>
+              </a:spcAft>
+              <a:buClr>
+                <a:schemeClr val="dk2"/>
+              </a:buClr>
+              <a:buSzPts val="2800"/>
               <a:buFont typeface="Arial"/>
               <a:buNone/>
             </a:pPr>
             <a:r>
-              <a:rPr lang="en-US" sz="5000" dirty="0" err="1"/>
-              <a:t>Phần</a:t>
-            </a:r>
-            <a:r>
-              <a:rPr lang="en-US" sz="5000" dirty="0"/>
-              <a:t> 3: So </a:t>
-            </a:r>
-            <a:r>
-              <a:rPr lang="en-US" sz="5000" dirty="0" err="1"/>
-              <a:t>khớp</a:t>
-            </a:r>
-            <a:r>
-              <a:rPr lang="en-US" sz="5000" dirty="0"/>
+              <a:rPr lang="en-US" sz="2800" dirty="0" err="1"/>
+              <a:t>Thuật</a:t>
+            </a:r>
+            <a:r>
+              <a:rPr lang="en-US" sz="2800" dirty="0"/>
               <a:t> </a:t>
             </a:r>
             <a:r>
-              <a:rPr lang="en-US" sz="5000" dirty="0" err="1"/>
-              <a:t>và</a:t>
-            </a:r>
-            <a:r>
-              <a:rPr lang="en-US" sz="5000" dirty="0"/>
+              <a:rPr lang="en-US" sz="2800" dirty="0" err="1"/>
+              <a:t>toán</a:t>
+            </a:r>
+            <a:r>
+              <a:rPr lang="en-US" sz="2800" dirty="0"/>
               <a:t> </a:t>
             </a:r>
             <a:r>
-              <a:rPr lang="en-US" sz="5000" dirty="0" err="1"/>
-              <a:t>nhận</a:t>
-            </a:r>
-            <a:r>
-              <a:rPr lang="en-US" sz="5000" dirty="0"/>
-              <a:t> </a:t>
-            </a:r>
-            <a:r>
-              <a:rPr lang="en-US" sz="5000" dirty="0" err="1"/>
-              <a:t>dạng</a:t>
-            </a:r>
-            <a:r>
-              <a:rPr lang="en-US" sz="5000" dirty="0"/>
-              <a:t> </a:t>
-            </a:r>
-            <a:r>
-              <a:rPr lang="en-US" sz="5000" dirty="0" err="1"/>
-              <a:t>nguyên</a:t>
-            </a:r>
-            <a:r>
-              <a:rPr lang="en-US" sz="5000" dirty="0"/>
-              <a:t> </a:t>
-            </a:r>
-            <a:r>
-              <a:rPr lang="en-US" sz="5000" dirty="0" err="1"/>
-              <a:t>âm</a:t>
-            </a:r>
-            <a:endParaRPr sz="5000" dirty="0"/>
+              <a:rPr lang="en-US" sz="2800" dirty="0" err="1"/>
+              <a:t>Kmeans</a:t>
+            </a:r>
+            <a:endParaRPr sz="2800" dirty="0"/>
           </a:p>
         </p:txBody>
       </p:sp>
       <p:sp>
         <p:nvSpPr>
-          <p:cNvPr id="96" name="Google Shape;96;p1"/>
-          <p:cNvSpPr/>
+          <p:cNvPr id="110" name="Google Shape;110;p3"/>
+          <p:cNvSpPr txBox="1"/>
           <p:nvPr/>
         </p:nvSpPr>
         <p:spPr>
           <a:xfrm>
-            <a:off x="394070" y="4832528"/>
-            <a:ext cx="5766585" cy="894017"/>
-          </a:xfrm>
-          <a:prstGeom prst="rect">
-            <a:avLst/>
-          </a:prstGeom>
-          <a:solidFill>
-            <a:schemeClr val="accent1"/>
-          </a:solidFill>
-          <a:ln>
-            <a:noFill/>
-          </a:ln>
-        </p:spPr>
-        <p:txBody>
-          <a:bodyPr spcFirstLastPara="1" wrap="square" lIns="91425" tIns="45700" rIns="91425" bIns="45700" anchor="ctr" anchorCtr="0">
-            <a:noAutofit/>
-          </a:bodyPr>
-          <a:lstStyle/>
-          <a:p>
-            <a:pPr marL="0" marR="0" lvl="0" indent="0" algn="ctr" rtl="0">
-              <a:lnSpc>
-                <a:spcPct val="100000"/>
-              </a:lnSpc>
-              <a:spcBef>
-                <a:spcPts val="0"/>
-              </a:spcBef>
-              <a:spcAft>
-                <a:spcPts val="0"/>
-              </a:spcAft>
-              <a:buClr>
-                <a:srgbClr val="000000"/>
-              </a:buClr>
-              <a:buSzPts val="1800"/>
-              <a:buFont typeface="Arial"/>
-              <a:buNone/>
-            </a:pPr>
-            <a:endParaRPr sz="1800" b="0" i="0" u="none" strike="noStrike" cap="none">
-              <a:solidFill>
-                <a:schemeClr val="lt1"/>
-              </a:solidFill>
-              <a:latin typeface="Arial"/>
-              <a:ea typeface="Arial"/>
-              <a:cs typeface="Arial"/>
-              <a:sym typeface="Arial"/>
-            </a:endParaRPr>
-          </a:p>
-        </p:txBody>
-      </p:sp>
-    </p:spTree>
-    <p:extLst>
-      <p:ext uri="{BB962C8B-B14F-4D97-AF65-F5344CB8AC3E}">
-        <p14:creationId xmlns:p14="http://schemas.microsoft.com/office/powerpoint/2010/main" val="1542622170"/>
-      </p:ext>
-    </p:extLst>
-  </p:cSld>
-  <p:clrMapOvr>
-    <a:masterClrMapping/>
-  </p:clrMapOvr>
-</p:sld>
-</file>
-
-<file path=ppt/slides/slide21.xml><?xml version="1.0" encoding="utf-8"?>
-<p:sld xmlns:a="http://schemas.openxmlformats.org/drawingml/2006/main" xmlns:r="http://schemas.openxmlformats.org/officeDocument/2006/relationships" xmlns:p="http://schemas.openxmlformats.org/presentationml/2006/main">
-  <p:cSld>
-    <p:spTree>
-      <p:nvGrpSpPr>
-        <p:cNvPr id="1" name="Shape 101"/>
-        <p:cNvGrpSpPr/>
-        <p:nvPr/>
-      </p:nvGrpSpPr>
-      <p:grpSpPr>
-        <a:xfrm>
-          <a:off x="0" y="0"/>
-          <a:ext cx="0" cy="0"/>
-          <a:chOff x="0" y="0"/>
-          <a:chExt cx="0" cy="0"/>
-        </a:xfrm>
-      </p:grpSpPr>
-      <p:sp>
-        <p:nvSpPr>
-          <p:cNvPr id="102" name="Google Shape;102;p2"/>
-          <p:cNvSpPr txBox="1">
-            <a:spLocks noGrp="1"/>
-          </p:cNvSpPr>
-          <p:nvPr>
-            <p:ph type="ctrTitle"/>
-          </p:nvPr>
-        </p:nvSpPr>
-        <p:spPr>
-          <a:xfrm>
-            <a:off x="616295" y="2771115"/>
-            <a:ext cx="7727700" cy="974400"/>
+            <a:off x="673721" y="2425552"/>
+            <a:ext cx="7465727" cy="2970696"/>
           </a:xfrm>
           <a:prstGeom prst="rect">
             <a:avLst/>
@@ -19123,12 +20814,12 @@
           </a:ln>
         </p:spPr>
         <p:txBody>
-          <a:bodyPr spcFirstLastPara="1" wrap="square" lIns="0" tIns="45700" rIns="91425" bIns="45700" anchor="b" anchorCtr="0">
+          <a:bodyPr spcFirstLastPara="1" wrap="square" lIns="91425" tIns="45700" rIns="91425" bIns="45700" anchor="t" anchorCtr="0">
             <a:noAutofit/>
           </a:bodyPr>
           <a:lstStyle/>
           <a:p>
-            <a:pPr marL="457200" lvl="0" indent="-571500" algn="l" rtl="0">
+            <a:pPr marL="0" marR="0" lvl="0" indent="0" algn="l" rtl="0">
               <a:lnSpc>
                 <a:spcPct val="100000"/>
               </a:lnSpc>
@@ -19138,64 +20829,16 @@
               <a:spcAft>
                 <a:spcPts val="0"/>
               </a:spcAft>
+              <a:buClr>
+                <a:schemeClr val="dk2"/>
+              </a:buClr>
               <a:buSzPts val="5400"/>
-              <a:buAutoNum type="arabicPeriod"/>
+              <a:buFont typeface="Arial"/>
+              <a:buNone/>
             </a:pPr>
-            <a:r>
-              <a:rPr lang="en-US" sz="5400" dirty="0"/>
-              <a:t>SƠ ĐỒ KHỐI</a:t>
-            </a:r>
-            <a:endParaRPr sz="5400" dirty="0"/>
-          </a:p>
-        </p:txBody>
-      </p:sp>
-      <p:sp>
-        <p:nvSpPr>
-          <p:cNvPr id="103" name="Google Shape;103;p2"/>
-          <p:cNvSpPr/>
-          <p:nvPr/>
-        </p:nvSpPr>
-        <p:spPr>
-          <a:xfrm>
-            <a:off x="492369" y="4454769"/>
-            <a:ext cx="5158154" cy="1406769"/>
-          </a:xfrm>
-          <a:prstGeom prst="rect">
-            <a:avLst/>
-          </a:prstGeom>
-          <a:solidFill>
-            <a:schemeClr val="lt1"/>
-          </a:solidFill>
-          <a:ln>
-            <a:noFill/>
-          </a:ln>
-        </p:spPr>
-        <p:txBody>
-          <a:bodyPr spcFirstLastPara="1" wrap="square" lIns="91425" tIns="45700" rIns="91425" bIns="45700" anchor="ctr" anchorCtr="0">
-            <a:noAutofit/>
-          </a:bodyPr>
-          <a:lstStyle/>
-          <a:p>
-            <a:pPr marL="0" marR="0" lvl="0" indent="0" algn="ctr" rtl="0">
-              <a:lnSpc>
-                <a:spcPct val="100000"/>
-              </a:lnSpc>
-              <a:spcBef>
-                <a:spcPts val="0"/>
-              </a:spcBef>
-              <a:spcAft>
-                <a:spcPts val="0"/>
-              </a:spcAft>
-              <a:buClr>
-                <a:srgbClr val="000000"/>
-              </a:buClr>
-              <a:buSzPts val="1800"/>
-              <a:buFont typeface="Arial"/>
-              <a:buNone/>
-            </a:pPr>
-            <a:endParaRPr sz="1800" b="0" i="0" u="none" strike="noStrike" cap="none">
+            <a:endParaRPr sz="5400" b="1" i="0" u="none" strike="noStrike" cap="none">
               <a:solidFill>
-                <a:schemeClr val="lt1"/>
+                <a:schemeClr val="dk2"/>
               </a:solidFill>
               <a:latin typeface="Arial"/>
               <a:ea typeface="Arial"/>
@@ -19205,10 +20848,40 @@
           </a:p>
         </p:txBody>
       </p:sp>
+      <p:pic>
+        <p:nvPicPr>
+          <p:cNvPr id="3" name="Picture 2">
+            <a:extLst>
+              <a:ext uri="{FF2B5EF4-FFF2-40B4-BE49-F238E27FC236}">
+                <a16:creationId xmlns:a16="http://schemas.microsoft.com/office/drawing/2014/main" id="{EDDE95B9-B422-B94C-AD56-CF44819F4906}"/>
+              </a:ext>
+            </a:extLst>
+          </p:cNvPr>
+          <p:cNvPicPr>
+            <a:picLocks noChangeAspect="1"/>
+          </p:cNvPicPr>
+          <p:nvPr/>
+        </p:nvPicPr>
+        <p:blipFill>
+          <a:blip r:embed="rId3"/>
+          <a:stretch>
+            <a:fillRect/>
+          </a:stretch>
+        </p:blipFill>
+        <p:spPr>
+          <a:xfrm>
+            <a:off x="673721" y="2468601"/>
+            <a:ext cx="10671094" cy="1920797"/>
+          </a:xfrm>
+          <a:prstGeom prst="rect">
+            <a:avLst/>
+          </a:prstGeom>
+        </p:spPr>
+      </p:pic>
     </p:spTree>
     <p:extLst>
       <p:ext uri="{BB962C8B-B14F-4D97-AF65-F5344CB8AC3E}">
-        <p14:creationId xmlns:p14="http://schemas.microsoft.com/office/powerpoint/2010/main" val="4149430127"/>
+        <p14:creationId xmlns:p14="http://schemas.microsoft.com/office/powerpoint/2010/main" val="899707814"/>
       </p:ext>
     </p:extLst>
   </p:cSld>
@@ -19221,7 +20894,7 @@
         <p:fade/>
       </p:transition>
     </mc:Choice>
-    <mc:Fallback xmlns:ahyp="http://schemas.microsoft.com/office/drawing/2018/hyperlinkcolor" xmlns:p15="http://schemas.microsoft.com/office/powerpoint/2012/main" xmlns:com="http://schemas.openxmlformats.org/drawingml/2006/compatibility" xmlns:pvml="urn:schemas-microsoft-com:office:powerpoint" xmlns:v="urn:schemas-microsoft-com:vml" xmlns:o="urn:schemas-microsoft-com:office:office" xmlns:dgm="http://schemas.openxmlformats.org/drawingml/2006/diagram" xmlns:c="http://schemas.openxmlformats.org/drawingml/2006/chart" xmlns:mv="urn:schemas-microsoft-com:mac:vml" xmlns="">
+    <mc:Fallback xmlns="" xmlns:mv="urn:schemas-microsoft-com:mac:vml" xmlns:c="http://schemas.openxmlformats.org/drawingml/2006/chart" xmlns:dgm="http://schemas.openxmlformats.org/drawingml/2006/diagram" xmlns:o="urn:schemas-microsoft-com:office:office" xmlns:v="urn:schemas-microsoft-com:vml" xmlns:pvml="urn:schemas-microsoft-com:office:powerpoint" xmlns:com="http://schemas.openxmlformats.org/drawingml/2006/compatibility" xmlns:p15="http://schemas.microsoft.com/office/powerpoint/2012/main" xmlns:ahyp="http://schemas.microsoft.com/office/drawing/2018/hyperlinkcolor">
       <p:transition spd="slow">
         <p:fade/>
       </p:transition>
@@ -19230,7 +20903,7 @@
 </p:sld>
 </file>
 
-<file path=ppt/slides/slide22.xml><?xml version="1.0" encoding="utf-8"?>
+<file path=ppt/slides/slide24.xml><?xml version="1.0" encoding="utf-8"?>
 <p:sld xmlns:a="http://schemas.openxmlformats.org/drawingml/2006/main" xmlns:r="http://schemas.openxmlformats.org/officeDocument/2006/relationships" xmlns:p="http://schemas.openxmlformats.org/presentationml/2006/main">
   <p:cSld>
     <p:spTree>
@@ -19351,7 +21024,7 @@
     </p:spTree>
     <p:extLst>
       <p:ext uri="{BB962C8B-B14F-4D97-AF65-F5344CB8AC3E}">
-        <p14:creationId xmlns:p14="http://schemas.microsoft.com/office/powerpoint/2010/main" val="2485771623"/>
+        <p14:creationId xmlns:p14="http://schemas.microsoft.com/office/powerpoint/2010/main" val="3394278685"/>
       </p:ext>
     </p:extLst>
   </p:cSld>
@@ -19364,7 +21037,7 @@
         <p:fade/>
       </p:transition>
     </mc:Choice>
-    <mc:Fallback xmlns:ahyp="http://schemas.microsoft.com/office/drawing/2018/hyperlinkcolor" xmlns:p15="http://schemas.microsoft.com/office/powerpoint/2012/main" xmlns:com="http://schemas.openxmlformats.org/drawingml/2006/compatibility" xmlns:pvml="urn:schemas-microsoft-com:office:powerpoint" xmlns:v="urn:schemas-microsoft-com:vml" xmlns:o="urn:schemas-microsoft-com:office:office" xmlns:dgm="http://schemas.openxmlformats.org/drawingml/2006/diagram" xmlns:c="http://schemas.openxmlformats.org/drawingml/2006/chart" xmlns:mv="urn:schemas-microsoft-com:mac:vml" xmlns="">
+    <mc:Fallback xmlns="" xmlns:mv="urn:schemas-microsoft-com:mac:vml" xmlns:c="http://schemas.openxmlformats.org/drawingml/2006/chart" xmlns:dgm="http://schemas.openxmlformats.org/drawingml/2006/diagram" xmlns:o="urn:schemas-microsoft-com:office:office" xmlns:v="urn:schemas-microsoft-com:vml" xmlns:pvml="urn:schemas-microsoft-com:office:powerpoint" xmlns:com="http://schemas.openxmlformats.org/drawingml/2006/compatibility" xmlns:p15="http://schemas.microsoft.com/office/powerpoint/2012/main" xmlns:ahyp="http://schemas.microsoft.com/office/drawing/2018/hyperlinkcolor">
       <p:transition spd="slow">
         <p:fade/>
       </p:transition>
@@ -19373,7 +21046,1016 @@
 </p:sld>
 </file>
 
-<file path=ppt/slides/slide23.xml><?xml version="1.0" encoding="utf-8"?>
+<file path=ppt/slides/slide25.xml><?xml version="1.0" encoding="utf-8"?>
+<p:sld xmlns:a="http://schemas.openxmlformats.org/drawingml/2006/main" xmlns:r="http://schemas.openxmlformats.org/officeDocument/2006/relationships" xmlns:p="http://schemas.openxmlformats.org/presentationml/2006/main">
+  <p:cSld>
+    <p:spTree>
+      <p:nvGrpSpPr>
+        <p:cNvPr id="1" name="Shape 115"/>
+        <p:cNvGrpSpPr/>
+        <p:nvPr/>
+      </p:nvGrpSpPr>
+      <p:grpSpPr>
+        <a:xfrm>
+          <a:off x="0" y="0"/>
+          <a:ext cx="0" cy="0"/>
+          <a:chOff x="0" y="0"/>
+          <a:chExt cx="0" cy="0"/>
+        </a:xfrm>
+      </p:grpSpPr>
+      <p:sp>
+        <p:nvSpPr>
+          <p:cNvPr id="116" name="Google Shape;116;p4"/>
+          <p:cNvSpPr txBox="1">
+            <a:spLocks noGrp="1"/>
+          </p:cNvSpPr>
+          <p:nvPr>
+            <p:ph type="body" idx="1"/>
+          </p:nvPr>
+        </p:nvSpPr>
+        <p:spPr>
+          <a:xfrm>
+            <a:off x="451028" y="2045970"/>
+            <a:ext cx="6951600" cy="4190406"/>
+          </a:xfrm>
+          <a:prstGeom prst="rect">
+            <a:avLst/>
+          </a:prstGeom>
+          <a:noFill/>
+          <a:ln>
+            <a:noFill/>
+          </a:ln>
+        </p:spPr>
+        <p:txBody>
+          <a:bodyPr spcFirstLastPara="1" wrap="square" lIns="91425" tIns="45700" rIns="91425" bIns="45700" anchor="t" anchorCtr="0">
+            <a:noAutofit/>
+          </a:bodyPr>
+          <a:lstStyle/>
+          <a:p>
+            <a:pPr marL="0" lvl="0" indent="0" algn="l" rtl="0">
+              <a:lnSpc>
+                <a:spcPct val="130000"/>
+              </a:lnSpc>
+              <a:spcBef>
+                <a:spcPts val="600"/>
+              </a:spcBef>
+              <a:spcAft>
+                <a:spcPts val="0"/>
+              </a:spcAft>
+              <a:buNone/>
+            </a:pPr>
+            <a:endParaRPr dirty="0">
+              <a:solidFill>
+                <a:srgbClr val="000000"/>
+              </a:solidFill>
+            </a:endParaRPr>
+          </a:p>
+          <a:p>
+            <a:pPr marL="228600" lvl="0" indent="-91440" algn="l" rtl="0">
+              <a:lnSpc>
+                <a:spcPct val="130000"/>
+              </a:lnSpc>
+              <a:spcBef>
+                <a:spcPts val="600"/>
+              </a:spcBef>
+              <a:spcAft>
+                <a:spcPts val="0"/>
+              </a:spcAft>
+              <a:buSzPts val="2160"/>
+              <a:buNone/>
+            </a:pPr>
+            <a:endParaRPr dirty="0">
+              <a:solidFill>
+                <a:srgbClr val="000000"/>
+              </a:solidFill>
+            </a:endParaRPr>
+          </a:p>
+        </p:txBody>
+      </p:sp>
+      <p:sp>
+        <p:nvSpPr>
+          <p:cNvPr id="117" name="Google Shape;117;p4"/>
+          <p:cNvSpPr txBox="1">
+            <a:spLocks noGrp="1"/>
+          </p:cNvSpPr>
+          <p:nvPr>
+            <p:ph type="title"/>
+          </p:nvPr>
+        </p:nvSpPr>
+        <p:spPr>
+          <a:xfrm>
+            <a:off x="145095" y="931300"/>
+            <a:ext cx="7874440" cy="590931"/>
+          </a:xfrm>
+          <a:prstGeom prst="rect">
+            <a:avLst/>
+          </a:prstGeom>
+          <a:noFill/>
+          <a:ln>
+            <a:noFill/>
+          </a:ln>
+        </p:spPr>
+        <p:txBody>
+          <a:bodyPr spcFirstLastPara="1" wrap="square" lIns="91425" tIns="45700" rIns="91425" bIns="45700" anchor="t" anchorCtr="0">
+            <a:noAutofit/>
+          </a:bodyPr>
+          <a:lstStyle/>
+          <a:p>
+            <a:pPr marL="0" lvl="0" indent="0" algn="l" rtl="0">
+              <a:lnSpc>
+                <a:spcPct val="100000"/>
+              </a:lnSpc>
+              <a:spcBef>
+                <a:spcPts val="0"/>
+              </a:spcBef>
+              <a:spcAft>
+                <a:spcPts val="0"/>
+              </a:spcAft>
+              <a:buClr>
+                <a:schemeClr val="dk2"/>
+              </a:buClr>
+              <a:buSzPts val="2800"/>
+              <a:buFont typeface="Arial"/>
+              <a:buNone/>
+            </a:pPr>
+            <a:r>
+              <a:rPr lang="en-US" sz="2800" dirty="0"/>
+              <a:t>5 vector </a:t>
+            </a:r>
+            <a:r>
+              <a:rPr lang="en-US" sz="2800" dirty="0" err="1"/>
+              <a:t>đặc</a:t>
+            </a:r>
+            <a:r>
+              <a:rPr lang="en-US" sz="2800" dirty="0"/>
+              <a:t> </a:t>
+            </a:r>
+            <a:r>
+              <a:rPr lang="en-US" sz="2800" dirty="0" err="1"/>
+              <a:t>trưng</a:t>
+            </a:r>
+            <a:r>
+              <a:rPr lang="en-US" sz="2800" dirty="0"/>
+              <a:t> </a:t>
+            </a:r>
+            <a:r>
+              <a:rPr lang="en-US" sz="2800" dirty="0" err="1"/>
+              <a:t>của</a:t>
+            </a:r>
+            <a:r>
+              <a:rPr lang="en-US" sz="2800" dirty="0"/>
+              <a:t> 5 </a:t>
+            </a:r>
+            <a:r>
+              <a:rPr lang="en-US" sz="2800" dirty="0" err="1"/>
+              <a:t>nguyên</a:t>
+            </a:r>
+            <a:r>
+              <a:rPr lang="en-US" sz="2800" dirty="0"/>
+              <a:t> </a:t>
+            </a:r>
+            <a:r>
+              <a:rPr lang="en-US" sz="2800" dirty="0" err="1"/>
+              <a:t>âm</a:t>
+            </a:r>
+            <a:r>
+              <a:rPr lang="en-US" sz="2800" dirty="0"/>
+              <a:t> N=13</a:t>
+            </a:r>
+            <a:endParaRPr sz="2800" dirty="0"/>
+          </a:p>
+        </p:txBody>
+      </p:sp>
+      <p:sp>
+        <p:nvSpPr>
+          <p:cNvPr id="4" name="TextBox 3">
+            <a:extLst>
+              <a:ext uri="{FF2B5EF4-FFF2-40B4-BE49-F238E27FC236}">
+                <a16:creationId xmlns:a16="http://schemas.microsoft.com/office/drawing/2014/main" id="{7926BA39-779E-AA44-A54D-CD53758C2982}"/>
+              </a:ext>
+            </a:extLst>
+          </p:cNvPr>
+          <p:cNvSpPr txBox="1"/>
+          <p:nvPr/>
+        </p:nvSpPr>
+        <p:spPr>
+          <a:xfrm flipH="1">
+            <a:off x="3112051" y="6452338"/>
+            <a:ext cx="3840075" cy="307777"/>
+          </a:xfrm>
+          <a:prstGeom prst="rect">
+            <a:avLst/>
+          </a:prstGeom>
+          <a:noFill/>
+        </p:spPr>
+        <p:txBody>
+          <a:bodyPr wrap="square" rtlCol="0">
+            <a:spAutoFit/>
+          </a:bodyPr>
+          <a:lstStyle/>
+          <a:p>
+            <a:r>
+              <a:rPr lang="en-VN" dirty="0"/>
+              <a:t>N=13</a:t>
+            </a:r>
+          </a:p>
+        </p:txBody>
+      </p:sp>
+      <p:pic>
+        <p:nvPicPr>
+          <p:cNvPr id="3" name="Picture 2">
+            <a:extLst>
+              <a:ext uri="{FF2B5EF4-FFF2-40B4-BE49-F238E27FC236}">
+                <a16:creationId xmlns:a16="http://schemas.microsoft.com/office/drawing/2014/main" id="{8B29F6D5-462E-C84B-84AC-0C3B67D0620E}"/>
+              </a:ext>
+            </a:extLst>
+          </p:cNvPr>
+          <p:cNvPicPr>
+            <a:picLocks noChangeAspect="1"/>
+          </p:cNvPicPr>
+          <p:nvPr/>
+        </p:nvPicPr>
+        <p:blipFill>
+          <a:blip r:embed="rId3"/>
+          <a:stretch>
+            <a:fillRect/>
+          </a:stretch>
+        </p:blipFill>
+        <p:spPr>
+          <a:xfrm>
+            <a:off x="451028" y="1437492"/>
+            <a:ext cx="6951600" cy="4798884"/>
+          </a:xfrm>
+          <a:prstGeom prst="rect">
+            <a:avLst/>
+          </a:prstGeom>
+        </p:spPr>
+      </p:pic>
+    </p:spTree>
+    <p:extLst>
+      <p:ext uri="{BB962C8B-B14F-4D97-AF65-F5344CB8AC3E}">
+        <p14:creationId xmlns:p14="http://schemas.microsoft.com/office/powerpoint/2010/main" val="3988033562"/>
+      </p:ext>
+    </p:extLst>
+  </p:cSld>
+  <p:clrMapOvr>
+    <a:masterClrMapping/>
+  </p:clrMapOvr>
+</p:sld>
+</file>
+
+<file path=ppt/slides/slide26.xml><?xml version="1.0" encoding="utf-8"?>
+<p:sld xmlns:a="http://schemas.openxmlformats.org/drawingml/2006/main" xmlns:r="http://schemas.openxmlformats.org/officeDocument/2006/relationships" xmlns:p="http://schemas.openxmlformats.org/presentationml/2006/main">
+  <p:cSld>
+    <p:spTree>
+      <p:nvGrpSpPr>
+        <p:cNvPr id="1" name="Shape 115"/>
+        <p:cNvGrpSpPr/>
+        <p:nvPr/>
+      </p:nvGrpSpPr>
+      <p:grpSpPr>
+        <a:xfrm>
+          <a:off x="0" y="0"/>
+          <a:ext cx="0" cy="0"/>
+          <a:chOff x="0" y="0"/>
+          <a:chExt cx="0" cy="0"/>
+        </a:xfrm>
+      </p:grpSpPr>
+      <p:sp>
+        <p:nvSpPr>
+          <p:cNvPr id="116" name="Google Shape;116;p4"/>
+          <p:cNvSpPr txBox="1">
+            <a:spLocks noGrp="1"/>
+          </p:cNvSpPr>
+          <p:nvPr>
+            <p:ph type="body" idx="1"/>
+          </p:nvPr>
+        </p:nvSpPr>
+        <p:spPr>
+          <a:xfrm>
+            <a:off x="451028" y="2045970"/>
+            <a:ext cx="6951600" cy="4190406"/>
+          </a:xfrm>
+          <a:prstGeom prst="rect">
+            <a:avLst/>
+          </a:prstGeom>
+          <a:noFill/>
+          <a:ln>
+            <a:noFill/>
+          </a:ln>
+        </p:spPr>
+        <p:txBody>
+          <a:bodyPr spcFirstLastPara="1" wrap="square" lIns="91425" tIns="45700" rIns="91425" bIns="45700" anchor="t" anchorCtr="0">
+            <a:noAutofit/>
+          </a:bodyPr>
+          <a:lstStyle/>
+          <a:p>
+            <a:pPr marL="0" lvl="0" indent="0" algn="l" rtl="0">
+              <a:lnSpc>
+                <a:spcPct val="130000"/>
+              </a:lnSpc>
+              <a:spcBef>
+                <a:spcPts val="600"/>
+              </a:spcBef>
+              <a:spcAft>
+                <a:spcPts val="0"/>
+              </a:spcAft>
+              <a:buNone/>
+            </a:pPr>
+            <a:endParaRPr dirty="0">
+              <a:solidFill>
+                <a:srgbClr val="000000"/>
+              </a:solidFill>
+            </a:endParaRPr>
+          </a:p>
+          <a:p>
+            <a:pPr marL="228600" lvl="0" indent="-91440" algn="l" rtl="0">
+              <a:lnSpc>
+                <a:spcPct val="130000"/>
+              </a:lnSpc>
+              <a:spcBef>
+                <a:spcPts val="600"/>
+              </a:spcBef>
+              <a:spcAft>
+                <a:spcPts val="0"/>
+              </a:spcAft>
+              <a:buSzPts val="2160"/>
+              <a:buNone/>
+            </a:pPr>
+            <a:endParaRPr dirty="0">
+              <a:solidFill>
+                <a:srgbClr val="000000"/>
+              </a:solidFill>
+            </a:endParaRPr>
+          </a:p>
+        </p:txBody>
+      </p:sp>
+      <p:sp>
+        <p:nvSpPr>
+          <p:cNvPr id="117" name="Google Shape;117;p4"/>
+          <p:cNvSpPr txBox="1">
+            <a:spLocks noGrp="1"/>
+          </p:cNvSpPr>
+          <p:nvPr>
+            <p:ph type="title"/>
+          </p:nvPr>
+        </p:nvSpPr>
+        <p:spPr>
+          <a:xfrm>
+            <a:off x="145095" y="931300"/>
+            <a:ext cx="7874440" cy="590931"/>
+          </a:xfrm>
+          <a:prstGeom prst="rect">
+            <a:avLst/>
+          </a:prstGeom>
+          <a:noFill/>
+          <a:ln>
+            <a:noFill/>
+          </a:ln>
+        </p:spPr>
+        <p:txBody>
+          <a:bodyPr spcFirstLastPara="1" wrap="square" lIns="91425" tIns="45700" rIns="91425" bIns="45700" anchor="t" anchorCtr="0">
+            <a:noAutofit/>
+          </a:bodyPr>
+          <a:lstStyle/>
+          <a:p>
+            <a:pPr marL="0" lvl="0" indent="0" algn="l" rtl="0">
+              <a:lnSpc>
+                <a:spcPct val="100000"/>
+              </a:lnSpc>
+              <a:spcBef>
+                <a:spcPts val="0"/>
+              </a:spcBef>
+              <a:spcAft>
+                <a:spcPts val="0"/>
+              </a:spcAft>
+              <a:buClr>
+                <a:schemeClr val="dk2"/>
+              </a:buClr>
+              <a:buSzPts val="2800"/>
+              <a:buFont typeface="Arial"/>
+              <a:buNone/>
+            </a:pPr>
+            <a:r>
+              <a:rPr lang="en-US" sz="2800" dirty="0"/>
+              <a:t>5 vector </a:t>
+            </a:r>
+            <a:r>
+              <a:rPr lang="en-US" sz="2800" dirty="0" err="1"/>
+              <a:t>đặc</a:t>
+            </a:r>
+            <a:r>
+              <a:rPr lang="en-US" sz="2800" dirty="0"/>
+              <a:t> </a:t>
+            </a:r>
+            <a:r>
+              <a:rPr lang="en-US" sz="2800" dirty="0" err="1"/>
+              <a:t>trưng</a:t>
+            </a:r>
+            <a:r>
+              <a:rPr lang="en-US" sz="2800" dirty="0"/>
+              <a:t> </a:t>
+            </a:r>
+            <a:r>
+              <a:rPr lang="en-US" sz="2800" dirty="0" err="1"/>
+              <a:t>của</a:t>
+            </a:r>
+            <a:r>
+              <a:rPr lang="en-US" sz="2800" dirty="0"/>
+              <a:t> 5 </a:t>
+            </a:r>
+            <a:r>
+              <a:rPr lang="en-US" sz="2800" dirty="0" err="1"/>
+              <a:t>nguyên</a:t>
+            </a:r>
+            <a:r>
+              <a:rPr lang="en-US" sz="2800" dirty="0"/>
+              <a:t> </a:t>
+            </a:r>
+            <a:r>
+              <a:rPr lang="en-US" sz="2800" dirty="0" err="1"/>
+              <a:t>âm</a:t>
+            </a:r>
+            <a:r>
+              <a:rPr lang="en-US" sz="2800" dirty="0"/>
+              <a:t> N=26</a:t>
+            </a:r>
+            <a:endParaRPr sz="2800" dirty="0"/>
+          </a:p>
+        </p:txBody>
+      </p:sp>
+      <p:sp>
+        <p:nvSpPr>
+          <p:cNvPr id="4" name="TextBox 3">
+            <a:extLst>
+              <a:ext uri="{FF2B5EF4-FFF2-40B4-BE49-F238E27FC236}">
+                <a16:creationId xmlns:a16="http://schemas.microsoft.com/office/drawing/2014/main" id="{7926BA39-779E-AA44-A54D-CD53758C2982}"/>
+              </a:ext>
+            </a:extLst>
+          </p:cNvPr>
+          <p:cNvSpPr txBox="1"/>
+          <p:nvPr/>
+        </p:nvSpPr>
+        <p:spPr>
+          <a:xfrm flipH="1">
+            <a:off x="3087338" y="6357270"/>
+            <a:ext cx="3840075" cy="307777"/>
+          </a:xfrm>
+          <a:prstGeom prst="rect">
+            <a:avLst/>
+          </a:prstGeom>
+          <a:noFill/>
+        </p:spPr>
+        <p:txBody>
+          <a:bodyPr wrap="square" rtlCol="0">
+            <a:spAutoFit/>
+          </a:bodyPr>
+          <a:lstStyle/>
+          <a:p>
+            <a:r>
+              <a:rPr lang="en-VN" dirty="0"/>
+              <a:t>N=26</a:t>
+            </a:r>
+          </a:p>
+        </p:txBody>
+      </p:sp>
+      <p:pic>
+        <p:nvPicPr>
+          <p:cNvPr id="5" name="Picture 4">
+            <a:extLst>
+              <a:ext uri="{FF2B5EF4-FFF2-40B4-BE49-F238E27FC236}">
+                <a16:creationId xmlns:a16="http://schemas.microsoft.com/office/drawing/2014/main" id="{DA6DAD3B-E45C-3340-99C1-D01DDF7FEE57}"/>
+              </a:ext>
+            </a:extLst>
+          </p:cNvPr>
+          <p:cNvPicPr>
+            <a:picLocks noChangeAspect="1"/>
+          </p:cNvPicPr>
+          <p:nvPr/>
+        </p:nvPicPr>
+        <p:blipFill>
+          <a:blip r:embed="rId3"/>
+          <a:stretch>
+            <a:fillRect/>
+          </a:stretch>
+        </p:blipFill>
+        <p:spPr>
+          <a:xfrm>
+            <a:off x="289822" y="1380443"/>
+            <a:ext cx="7617384" cy="4760865"/>
+          </a:xfrm>
+          <a:prstGeom prst="rect">
+            <a:avLst/>
+          </a:prstGeom>
+        </p:spPr>
+      </p:pic>
+    </p:spTree>
+    <p:extLst>
+      <p:ext uri="{BB962C8B-B14F-4D97-AF65-F5344CB8AC3E}">
+        <p14:creationId xmlns:p14="http://schemas.microsoft.com/office/powerpoint/2010/main" val="4038750384"/>
+      </p:ext>
+    </p:extLst>
+  </p:cSld>
+  <p:clrMapOvr>
+    <a:masterClrMapping/>
+  </p:clrMapOvr>
+</p:sld>
+</file>
+
+<file path=ppt/slides/slide27.xml><?xml version="1.0" encoding="utf-8"?>
+<p:sld xmlns:a="http://schemas.openxmlformats.org/drawingml/2006/main" xmlns:r="http://schemas.openxmlformats.org/officeDocument/2006/relationships" xmlns:p="http://schemas.openxmlformats.org/presentationml/2006/main">
+  <p:cSld>
+    <p:spTree>
+      <p:nvGrpSpPr>
+        <p:cNvPr id="1" name="Shape 115"/>
+        <p:cNvGrpSpPr/>
+        <p:nvPr/>
+      </p:nvGrpSpPr>
+      <p:grpSpPr>
+        <a:xfrm>
+          <a:off x="0" y="0"/>
+          <a:ext cx="0" cy="0"/>
+          <a:chOff x="0" y="0"/>
+          <a:chExt cx="0" cy="0"/>
+        </a:xfrm>
+      </p:grpSpPr>
+      <p:sp>
+        <p:nvSpPr>
+          <p:cNvPr id="116" name="Google Shape;116;p4"/>
+          <p:cNvSpPr txBox="1">
+            <a:spLocks noGrp="1"/>
+          </p:cNvSpPr>
+          <p:nvPr>
+            <p:ph type="body" idx="1"/>
+          </p:nvPr>
+        </p:nvSpPr>
+        <p:spPr>
+          <a:xfrm>
+            <a:off x="451028" y="2045970"/>
+            <a:ext cx="6951600" cy="4190406"/>
+          </a:xfrm>
+          <a:prstGeom prst="rect">
+            <a:avLst/>
+          </a:prstGeom>
+          <a:noFill/>
+          <a:ln>
+            <a:noFill/>
+          </a:ln>
+        </p:spPr>
+        <p:txBody>
+          <a:bodyPr spcFirstLastPara="1" wrap="square" lIns="91425" tIns="45700" rIns="91425" bIns="45700" anchor="t" anchorCtr="0">
+            <a:noAutofit/>
+          </a:bodyPr>
+          <a:lstStyle/>
+          <a:p>
+            <a:pPr marL="0" lvl="0" indent="0" algn="l" rtl="0">
+              <a:lnSpc>
+                <a:spcPct val="130000"/>
+              </a:lnSpc>
+              <a:spcBef>
+                <a:spcPts val="600"/>
+              </a:spcBef>
+              <a:spcAft>
+                <a:spcPts val="0"/>
+              </a:spcAft>
+              <a:buNone/>
+            </a:pPr>
+            <a:endParaRPr dirty="0">
+              <a:solidFill>
+                <a:srgbClr val="000000"/>
+              </a:solidFill>
+            </a:endParaRPr>
+          </a:p>
+          <a:p>
+            <a:pPr marL="228600" lvl="0" indent="-91440" algn="l" rtl="0">
+              <a:lnSpc>
+                <a:spcPct val="130000"/>
+              </a:lnSpc>
+              <a:spcBef>
+                <a:spcPts val="600"/>
+              </a:spcBef>
+              <a:spcAft>
+                <a:spcPts val="0"/>
+              </a:spcAft>
+              <a:buSzPts val="2160"/>
+              <a:buNone/>
+            </a:pPr>
+            <a:endParaRPr dirty="0">
+              <a:solidFill>
+                <a:srgbClr val="000000"/>
+              </a:solidFill>
+            </a:endParaRPr>
+          </a:p>
+        </p:txBody>
+      </p:sp>
+      <p:sp>
+        <p:nvSpPr>
+          <p:cNvPr id="117" name="Google Shape;117;p4"/>
+          <p:cNvSpPr txBox="1">
+            <a:spLocks noGrp="1"/>
+          </p:cNvSpPr>
+          <p:nvPr>
+            <p:ph type="title"/>
+          </p:nvPr>
+        </p:nvSpPr>
+        <p:spPr>
+          <a:xfrm>
+            <a:off x="145095" y="931300"/>
+            <a:ext cx="7874440" cy="590931"/>
+          </a:xfrm>
+          <a:prstGeom prst="rect">
+            <a:avLst/>
+          </a:prstGeom>
+          <a:noFill/>
+          <a:ln>
+            <a:noFill/>
+          </a:ln>
+        </p:spPr>
+        <p:txBody>
+          <a:bodyPr spcFirstLastPara="1" wrap="square" lIns="91425" tIns="45700" rIns="91425" bIns="45700" anchor="t" anchorCtr="0">
+            <a:noAutofit/>
+          </a:bodyPr>
+          <a:lstStyle/>
+          <a:p>
+            <a:pPr marL="0" lvl="0" indent="0" algn="l" rtl="0">
+              <a:lnSpc>
+                <a:spcPct val="100000"/>
+              </a:lnSpc>
+              <a:spcBef>
+                <a:spcPts val="0"/>
+              </a:spcBef>
+              <a:spcAft>
+                <a:spcPts val="0"/>
+              </a:spcAft>
+              <a:buClr>
+                <a:schemeClr val="dk2"/>
+              </a:buClr>
+              <a:buSzPts val="2800"/>
+              <a:buFont typeface="Arial"/>
+              <a:buNone/>
+            </a:pPr>
+            <a:r>
+              <a:rPr lang="en-US" sz="2800" dirty="0"/>
+              <a:t>5 vector </a:t>
+            </a:r>
+            <a:r>
+              <a:rPr lang="en-US" sz="2800" dirty="0" err="1"/>
+              <a:t>đặc</a:t>
+            </a:r>
+            <a:r>
+              <a:rPr lang="en-US" sz="2800" dirty="0"/>
+              <a:t> </a:t>
+            </a:r>
+            <a:r>
+              <a:rPr lang="en-US" sz="2800" dirty="0" err="1"/>
+              <a:t>trưng</a:t>
+            </a:r>
+            <a:r>
+              <a:rPr lang="en-US" sz="2800" dirty="0"/>
+              <a:t> </a:t>
+            </a:r>
+            <a:r>
+              <a:rPr lang="en-US" sz="2800" dirty="0" err="1"/>
+              <a:t>của</a:t>
+            </a:r>
+            <a:r>
+              <a:rPr lang="en-US" sz="2800" dirty="0"/>
+              <a:t> 5 </a:t>
+            </a:r>
+            <a:r>
+              <a:rPr lang="en-US" sz="2800" dirty="0" err="1"/>
+              <a:t>nguyên</a:t>
+            </a:r>
+            <a:r>
+              <a:rPr lang="en-US" sz="2800" dirty="0"/>
+              <a:t> </a:t>
+            </a:r>
+            <a:r>
+              <a:rPr lang="en-US" sz="2800" dirty="0" err="1"/>
+              <a:t>âm</a:t>
+            </a:r>
+            <a:r>
+              <a:rPr lang="en-US" sz="2800" dirty="0"/>
+              <a:t> N=39</a:t>
+            </a:r>
+            <a:endParaRPr sz="2800" dirty="0"/>
+          </a:p>
+        </p:txBody>
+      </p:sp>
+      <p:sp>
+        <p:nvSpPr>
+          <p:cNvPr id="4" name="TextBox 3">
+            <a:extLst>
+              <a:ext uri="{FF2B5EF4-FFF2-40B4-BE49-F238E27FC236}">
+                <a16:creationId xmlns:a16="http://schemas.microsoft.com/office/drawing/2014/main" id="{7926BA39-779E-AA44-A54D-CD53758C2982}"/>
+              </a:ext>
+            </a:extLst>
+          </p:cNvPr>
+          <p:cNvSpPr txBox="1"/>
+          <p:nvPr/>
+        </p:nvSpPr>
+        <p:spPr>
+          <a:xfrm flipH="1">
+            <a:off x="3062624" y="6452338"/>
+            <a:ext cx="3840075" cy="307777"/>
+          </a:xfrm>
+          <a:prstGeom prst="rect">
+            <a:avLst/>
+          </a:prstGeom>
+          <a:noFill/>
+        </p:spPr>
+        <p:txBody>
+          <a:bodyPr wrap="square" rtlCol="0">
+            <a:spAutoFit/>
+          </a:bodyPr>
+          <a:lstStyle/>
+          <a:p>
+            <a:r>
+              <a:rPr lang="en-VN" dirty="0"/>
+              <a:t>N=39</a:t>
+            </a:r>
+          </a:p>
+        </p:txBody>
+      </p:sp>
+      <p:pic>
+        <p:nvPicPr>
+          <p:cNvPr id="2" name="Picture 1">
+            <a:extLst>
+              <a:ext uri="{FF2B5EF4-FFF2-40B4-BE49-F238E27FC236}">
+                <a16:creationId xmlns:a16="http://schemas.microsoft.com/office/drawing/2014/main" id="{709B8111-C2CB-6545-88E0-C7A0F495B0A9}"/>
+              </a:ext>
+            </a:extLst>
+          </p:cNvPr>
+          <p:cNvPicPr>
+            <a:picLocks noChangeAspect="1"/>
+          </p:cNvPicPr>
+          <p:nvPr/>
+        </p:nvPicPr>
+        <p:blipFill>
+          <a:blip r:embed="rId3"/>
+          <a:stretch>
+            <a:fillRect/>
+          </a:stretch>
+        </p:blipFill>
+        <p:spPr>
+          <a:xfrm>
+            <a:off x="302379" y="1511456"/>
+            <a:ext cx="7559872" cy="4724920"/>
+          </a:xfrm>
+          <a:prstGeom prst="rect">
+            <a:avLst/>
+          </a:prstGeom>
+        </p:spPr>
+      </p:pic>
+    </p:spTree>
+    <p:extLst>
+      <p:ext uri="{BB962C8B-B14F-4D97-AF65-F5344CB8AC3E}">
+        <p14:creationId xmlns:p14="http://schemas.microsoft.com/office/powerpoint/2010/main" val="532990137"/>
+      </p:ext>
+    </p:extLst>
+  </p:cSld>
+  <p:clrMapOvr>
+    <a:masterClrMapping/>
+  </p:clrMapOvr>
+</p:sld>
+</file>
+
+<file path=ppt/slides/slide28.xml><?xml version="1.0" encoding="utf-8"?>
+<p:sld xmlns:a="http://schemas.openxmlformats.org/drawingml/2006/main" xmlns:r="http://schemas.openxmlformats.org/officeDocument/2006/relationships" xmlns:p="http://schemas.openxmlformats.org/presentationml/2006/main">
+  <p:cSld>
+    <p:spTree>
+      <p:nvGrpSpPr>
+        <p:cNvPr id="1" name="Shape 115"/>
+        <p:cNvGrpSpPr/>
+        <p:nvPr/>
+      </p:nvGrpSpPr>
+      <p:grpSpPr>
+        <a:xfrm>
+          <a:off x="0" y="0"/>
+          <a:ext cx="0" cy="0"/>
+          <a:chOff x="0" y="0"/>
+          <a:chExt cx="0" cy="0"/>
+        </a:xfrm>
+      </p:grpSpPr>
+      <p:sp>
+        <p:nvSpPr>
+          <p:cNvPr id="116" name="Google Shape;116;p4"/>
+          <p:cNvSpPr txBox="1">
+            <a:spLocks noGrp="1"/>
+          </p:cNvSpPr>
+          <p:nvPr>
+            <p:ph type="body" idx="1"/>
+          </p:nvPr>
+        </p:nvSpPr>
+        <p:spPr>
+          <a:xfrm>
+            <a:off x="451028" y="2045970"/>
+            <a:ext cx="6951600" cy="4190406"/>
+          </a:xfrm>
+          <a:prstGeom prst="rect">
+            <a:avLst/>
+          </a:prstGeom>
+          <a:noFill/>
+          <a:ln>
+            <a:noFill/>
+          </a:ln>
+        </p:spPr>
+        <p:txBody>
+          <a:bodyPr spcFirstLastPara="1" wrap="square" lIns="91425" tIns="45700" rIns="91425" bIns="45700" anchor="t" anchorCtr="0">
+            <a:noAutofit/>
+          </a:bodyPr>
+          <a:lstStyle/>
+          <a:p>
+            <a:pPr marL="0" lvl="0" indent="0" algn="l" rtl="0">
+              <a:lnSpc>
+                <a:spcPct val="130000"/>
+              </a:lnSpc>
+              <a:spcBef>
+                <a:spcPts val="600"/>
+              </a:spcBef>
+              <a:spcAft>
+                <a:spcPts val="0"/>
+              </a:spcAft>
+              <a:buNone/>
+            </a:pPr>
+            <a:endParaRPr dirty="0">
+              <a:solidFill>
+                <a:srgbClr val="000000"/>
+              </a:solidFill>
+            </a:endParaRPr>
+          </a:p>
+          <a:p>
+            <a:pPr marL="228600" lvl="0" indent="-91440" algn="l" rtl="0">
+              <a:lnSpc>
+                <a:spcPct val="130000"/>
+              </a:lnSpc>
+              <a:spcBef>
+                <a:spcPts val="600"/>
+              </a:spcBef>
+              <a:spcAft>
+                <a:spcPts val="0"/>
+              </a:spcAft>
+              <a:buSzPts val="2160"/>
+              <a:buNone/>
+            </a:pPr>
+            <a:endParaRPr dirty="0">
+              <a:solidFill>
+                <a:srgbClr val="000000"/>
+              </a:solidFill>
+            </a:endParaRPr>
+          </a:p>
+        </p:txBody>
+      </p:sp>
+      <p:sp>
+        <p:nvSpPr>
+          <p:cNvPr id="117" name="Google Shape;117;p4"/>
+          <p:cNvSpPr txBox="1">
+            <a:spLocks noGrp="1"/>
+          </p:cNvSpPr>
+          <p:nvPr>
+            <p:ph type="title"/>
+          </p:nvPr>
+        </p:nvSpPr>
+        <p:spPr>
+          <a:xfrm>
+            <a:off x="145095" y="931300"/>
+            <a:ext cx="7874440" cy="590931"/>
+          </a:xfrm>
+          <a:prstGeom prst="rect">
+            <a:avLst/>
+          </a:prstGeom>
+          <a:noFill/>
+          <a:ln>
+            <a:noFill/>
+          </a:ln>
+        </p:spPr>
+        <p:txBody>
+          <a:bodyPr spcFirstLastPara="1" wrap="square" lIns="91425" tIns="45700" rIns="91425" bIns="45700" anchor="t" anchorCtr="0">
+            <a:noAutofit/>
+          </a:bodyPr>
+          <a:lstStyle/>
+          <a:p>
+            <a:pPr marL="0" lvl="0" indent="0" algn="l" rtl="0">
+              <a:lnSpc>
+                <a:spcPct val="100000"/>
+              </a:lnSpc>
+              <a:spcBef>
+                <a:spcPts val="0"/>
+              </a:spcBef>
+              <a:spcAft>
+                <a:spcPts val="0"/>
+              </a:spcAft>
+              <a:buClr>
+                <a:schemeClr val="dk2"/>
+              </a:buClr>
+              <a:buSzPts val="2800"/>
+              <a:buFont typeface="Arial"/>
+              <a:buNone/>
+            </a:pPr>
+            <a:r>
+              <a:rPr lang="en-US" sz="2800" dirty="0" err="1"/>
+              <a:t>Bảng</a:t>
+            </a:r>
+            <a:r>
+              <a:rPr lang="en-US" sz="2800" dirty="0"/>
+              <a:t> </a:t>
+            </a:r>
+            <a:r>
+              <a:rPr lang="en-US" sz="2800" dirty="0" err="1"/>
+              <a:t>báo</a:t>
+            </a:r>
+            <a:r>
+              <a:rPr lang="en-US" sz="2800" dirty="0"/>
+              <a:t> </a:t>
+            </a:r>
+            <a:r>
+              <a:rPr lang="en-US" sz="2800" dirty="0" err="1"/>
+              <a:t>cáo</a:t>
+            </a:r>
+            <a:r>
+              <a:rPr lang="en-US" sz="2800" dirty="0"/>
+              <a:t> </a:t>
+            </a:r>
+            <a:r>
+              <a:rPr lang="en-US" sz="2800" dirty="0" err="1"/>
+              <a:t>độ</a:t>
+            </a:r>
+            <a:r>
+              <a:rPr lang="en-US" sz="2800" dirty="0"/>
+              <a:t> </a:t>
+            </a:r>
+            <a:r>
+              <a:rPr lang="en-US" sz="2800" dirty="0" err="1"/>
+              <a:t>chính</a:t>
+            </a:r>
+            <a:r>
+              <a:rPr lang="en-US" sz="2800" dirty="0"/>
+              <a:t> </a:t>
+            </a:r>
+            <a:r>
+              <a:rPr lang="en-US" sz="2800" dirty="0" err="1"/>
+              <a:t>xác</a:t>
+            </a:r>
+            <a:r>
+              <a:rPr lang="en-US" sz="2800" dirty="0"/>
+              <a:t> </a:t>
+            </a:r>
+            <a:r>
+              <a:rPr lang="en-US" sz="2800" dirty="0" err="1"/>
+              <a:t>theo</a:t>
+            </a:r>
+            <a:r>
+              <a:rPr lang="en-US" sz="2800" dirty="0"/>
+              <a:t> K,N</a:t>
+            </a:r>
+            <a:endParaRPr sz="2800" dirty="0"/>
+          </a:p>
+        </p:txBody>
+      </p:sp>
+      <p:pic>
+        <p:nvPicPr>
+          <p:cNvPr id="2" name="Picture 1">
+            <a:extLst>
+              <a:ext uri="{FF2B5EF4-FFF2-40B4-BE49-F238E27FC236}">
+                <a16:creationId xmlns:a16="http://schemas.microsoft.com/office/drawing/2014/main" id="{0A589291-1711-DB4B-A4D5-E97A88692524}"/>
+              </a:ext>
+            </a:extLst>
+          </p:cNvPr>
+          <p:cNvPicPr>
+            <a:picLocks noChangeAspect="1"/>
+          </p:cNvPicPr>
+          <p:nvPr/>
+        </p:nvPicPr>
+        <p:blipFill>
+          <a:blip r:embed="rId3"/>
+          <a:stretch>
+            <a:fillRect/>
+          </a:stretch>
+        </p:blipFill>
+        <p:spPr>
+          <a:xfrm>
+            <a:off x="946252" y="1522231"/>
+            <a:ext cx="10299495" cy="4695610"/>
+          </a:xfrm>
+          <a:prstGeom prst="rect">
+            <a:avLst/>
+          </a:prstGeom>
+        </p:spPr>
+      </p:pic>
+    </p:spTree>
+    <p:extLst>
+      <p:ext uri="{BB962C8B-B14F-4D97-AF65-F5344CB8AC3E}">
+        <p14:creationId xmlns:p14="http://schemas.microsoft.com/office/powerpoint/2010/main" val="3979183036"/>
+      </p:ext>
+    </p:extLst>
+  </p:cSld>
+  <p:clrMapOvr>
+    <a:masterClrMapping/>
+  </p:clrMapOvr>
+</p:sld>
+</file>
+
+<file path=ppt/slides/slide29.xml><?xml version="1.0" encoding="utf-8"?>
 <p:sld xmlns:a="http://schemas.openxmlformats.org/drawingml/2006/main" xmlns:r="http://schemas.openxmlformats.org/officeDocument/2006/relationships" xmlns:p="http://schemas.openxmlformats.org/presentationml/2006/main">
   <p:cSld>
     <p:spTree>
@@ -19402,8 +22084,8 @@
         </p:nvSpPr>
         <p:spPr>
           <a:xfrm>
-            <a:off x="125620" y="2175826"/>
-            <a:ext cx="10192272" cy="2656702"/>
+            <a:off x="286256" y="2622834"/>
+            <a:ext cx="10031635" cy="2656702"/>
           </a:xfrm>
           <a:prstGeom prst="rect">
             <a:avLst/>
@@ -19419,22 +22101,11 @@
           </a:bodyPr>
           <a:lstStyle/>
           <a:p>
-            <a:pPr marL="0" lvl="0" indent="0" algn="l" rtl="0">
+            <a:pPr lvl="0">
               <a:lnSpc>
                 <a:spcPct val="150000"/>
               </a:lnSpc>
-              <a:spcBef>
-                <a:spcPts val="0"/>
-              </a:spcBef>
-              <a:spcAft>
-                <a:spcPts val="0"/>
-              </a:spcAft>
-              <a:buClr>
-                <a:schemeClr val="lt1"/>
-              </a:buClr>
               <a:buSzPts val="3600"/>
-              <a:buFont typeface="Arial"/>
-              <a:buNone/>
             </a:pPr>
             <a:r>
               <a:rPr lang="en-US" sz="5000" dirty="0" err="1"/>
@@ -19446,46 +22117,62 @@
             </a:r>
             <a:r>
               <a:rPr lang="en-US" sz="5000" dirty="0" err="1"/>
-              <a:t>sánh</a:t>
+              <a:t>khớp</a:t>
             </a:r>
             <a:r>
               <a:rPr lang="en-US" sz="5000" dirty="0"/>
-              <a:t> FFT vs MFCC</a:t>
+              <a:t> </a:t>
+            </a:r>
+            <a:r>
+              <a:rPr lang="en-US" sz="5000" dirty="0" err="1"/>
+              <a:t>và</a:t>
+            </a:r>
+            <a:r>
+              <a:rPr lang="en-US" sz="5000" dirty="0"/>
+              <a:t> </a:t>
+            </a:r>
+            <a:r>
+              <a:rPr lang="en-US" sz="5000" dirty="0" err="1"/>
+              <a:t>nhận</a:t>
+            </a:r>
+            <a:r>
+              <a:rPr lang="en-US" sz="5000" dirty="0"/>
+              <a:t> </a:t>
+            </a:r>
+            <a:r>
+              <a:rPr lang="en-US" sz="5000" dirty="0" err="1"/>
+              <a:t>dạng</a:t>
+            </a:r>
+            <a:r>
+              <a:rPr lang="en-US" sz="5000" dirty="0"/>
+              <a:t> </a:t>
+            </a:r>
+            <a:r>
+              <a:rPr lang="en-US" sz="5000" dirty="0" err="1"/>
+              <a:t>nguyên</a:t>
+            </a:r>
+            <a:r>
+              <a:rPr lang="en-US" sz="5000" dirty="0"/>
+              <a:t> </a:t>
+            </a:r>
+            <a:r>
+              <a:rPr lang="en-US" sz="5000" dirty="0" err="1"/>
+              <a:t>âm</a:t>
             </a:r>
             <a:br>
               <a:rPr lang="en-US" sz="5000" dirty="0"/>
             </a:br>
             <a:r>
+              <a:rPr lang="en-US" sz="5000" dirty="0"/>
+              <a:t>So </a:t>
+            </a:r>
+            <a:r>
               <a:rPr lang="en-US" sz="5000" dirty="0" err="1"/>
-              <a:t>Cải</a:t>
+              <a:t>sánh</a:t>
             </a:r>
             <a:r>
               <a:rPr lang="en-US" sz="5000" dirty="0"/>
-              <a:t> </a:t>
-            </a:r>
-            <a:r>
-              <a:rPr lang="en-US" sz="5000" dirty="0" err="1"/>
-              <a:t>thiện</a:t>
-            </a:r>
-            <a:r>
-              <a:rPr lang="en-US" sz="5000" dirty="0"/>
-              <a:t> </a:t>
-            </a:r>
-            <a:r>
-              <a:rPr lang="en-US" sz="5000" dirty="0" err="1"/>
-              <a:t>thuật</a:t>
-            </a:r>
-            <a:r>
-              <a:rPr lang="en-US" sz="5000" dirty="0"/>
-              <a:t> </a:t>
-            </a:r>
-            <a:r>
-              <a:rPr lang="en-US" sz="5000" dirty="0" err="1"/>
-              <a:t>toán</a:t>
-            </a:r>
-            <a:r>
-              <a:rPr lang="en-US" sz="5000" dirty="0"/>
-              <a:t>. </a:t>
+              <a:t> FFT vs MFCC</a:t>
             </a:r>
             <a:endParaRPr sz="5000" dirty="0"/>
           </a:p>
@@ -19499,7 +22186,7 @@
         </p:nvSpPr>
         <p:spPr>
           <a:xfrm>
-            <a:off x="394070" y="4832528"/>
+            <a:off x="184006" y="4956095"/>
             <a:ext cx="5766585" cy="894017"/>
           </a:xfrm>
           <a:prstGeom prst="rect">
@@ -19535,7 +22222,7 @@
               <a:buFont typeface="Arial"/>
               <a:buNone/>
             </a:pPr>
-            <a:endParaRPr sz="1800" b="0" i="0" u="none" strike="noStrike" cap="none">
+            <a:endParaRPr sz="1800" b="0" i="0" u="none" strike="noStrike" cap="none" dirty="0">
               <a:solidFill>
                 <a:schemeClr val="lt1"/>
               </a:solidFill>
@@ -19550,1075 +22237,13 @@
     </p:spTree>
     <p:extLst>
       <p:ext uri="{BB962C8B-B14F-4D97-AF65-F5344CB8AC3E}">
-        <p14:creationId xmlns:p14="http://schemas.microsoft.com/office/powerpoint/2010/main" val="99378892"/>
+        <p14:creationId xmlns:p14="http://schemas.microsoft.com/office/powerpoint/2010/main" val="1542622170"/>
       </p:ext>
     </p:extLst>
   </p:cSld>
   <p:clrMapOvr>
     <a:masterClrMapping/>
   </p:clrMapOvr>
-</p:sld>
-</file>
-
-<file path=ppt/slides/slide24.xml><?xml version="1.0" encoding="utf-8"?>
-<p:sld xmlns:a="http://schemas.openxmlformats.org/drawingml/2006/main" xmlns:r="http://schemas.openxmlformats.org/officeDocument/2006/relationships" xmlns:p="http://schemas.openxmlformats.org/presentationml/2006/main">
-  <p:cSld>
-    <p:spTree>
-      <p:nvGrpSpPr>
-        <p:cNvPr id="1" name="Shape 101"/>
-        <p:cNvGrpSpPr/>
-        <p:nvPr/>
-      </p:nvGrpSpPr>
-      <p:grpSpPr>
-        <a:xfrm>
-          <a:off x="0" y="0"/>
-          <a:ext cx="0" cy="0"/>
-          <a:chOff x="0" y="0"/>
-          <a:chExt cx="0" cy="0"/>
-        </a:xfrm>
-      </p:grpSpPr>
-      <p:sp>
-        <p:nvSpPr>
-          <p:cNvPr id="102" name="Google Shape;102;p2"/>
-          <p:cNvSpPr txBox="1">
-            <a:spLocks noGrp="1"/>
-          </p:cNvSpPr>
-          <p:nvPr>
-            <p:ph type="ctrTitle"/>
-          </p:nvPr>
-        </p:nvSpPr>
-        <p:spPr>
-          <a:xfrm>
-            <a:off x="616295" y="2771115"/>
-            <a:ext cx="7727700" cy="974400"/>
-          </a:xfrm>
-          <a:prstGeom prst="rect">
-            <a:avLst/>
-          </a:prstGeom>
-          <a:noFill/>
-          <a:ln>
-            <a:noFill/>
-          </a:ln>
-        </p:spPr>
-        <p:txBody>
-          <a:bodyPr spcFirstLastPara="1" wrap="square" lIns="0" tIns="45700" rIns="91425" bIns="45700" anchor="b" anchorCtr="0">
-            <a:noAutofit/>
-          </a:bodyPr>
-          <a:lstStyle/>
-          <a:p>
-            <a:pPr marL="457200" lvl="0" indent="-571500" algn="l" rtl="0">
-              <a:lnSpc>
-                <a:spcPct val="100000"/>
-              </a:lnSpc>
-              <a:spcBef>
-                <a:spcPts val="0"/>
-              </a:spcBef>
-              <a:spcAft>
-                <a:spcPts val="0"/>
-              </a:spcAft>
-              <a:buSzPts val="5400"/>
-              <a:buAutoNum type="arabicPeriod"/>
-            </a:pPr>
-            <a:r>
-              <a:rPr lang="en-US" sz="5400" dirty="0"/>
-              <a:t>SƠ ĐỒ KHỐI</a:t>
-            </a:r>
-            <a:endParaRPr sz="5400" dirty="0"/>
-          </a:p>
-        </p:txBody>
-      </p:sp>
-      <p:sp>
-        <p:nvSpPr>
-          <p:cNvPr id="103" name="Google Shape;103;p2"/>
-          <p:cNvSpPr/>
-          <p:nvPr/>
-        </p:nvSpPr>
-        <p:spPr>
-          <a:xfrm>
-            <a:off x="492369" y="4454769"/>
-            <a:ext cx="5158154" cy="1406769"/>
-          </a:xfrm>
-          <a:prstGeom prst="rect">
-            <a:avLst/>
-          </a:prstGeom>
-          <a:solidFill>
-            <a:schemeClr val="lt1"/>
-          </a:solidFill>
-          <a:ln>
-            <a:noFill/>
-          </a:ln>
-        </p:spPr>
-        <p:txBody>
-          <a:bodyPr spcFirstLastPara="1" wrap="square" lIns="91425" tIns="45700" rIns="91425" bIns="45700" anchor="ctr" anchorCtr="0">
-            <a:noAutofit/>
-          </a:bodyPr>
-          <a:lstStyle/>
-          <a:p>
-            <a:pPr marL="0" marR="0" lvl="0" indent="0" algn="ctr" rtl="0">
-              <a:lnSpc>
-                <a:spcPct val="100000"/>
-              </a:lnSpc>
-              <a:spcBef>
-                <a:spcPts val="0"/>
-              </a:spcBef>
-              <a:spcAft>
-                <a:spcPts val="0"/>
-              </a:spcAft>
-              <a:buClr>
-                <a:srgbClr val="000000"/>
-              </a:buClr>
-              <a:buSzPts val="1800"/>
-              <a:buFont typeface="Arial"/>
-              <a:buNone/>
-            </a:pPr>
-            <a:endParaRPr sz="1800" b="0" i="0" u="none" strike="noStrike" cap="none">
-              <a:solidFill>
-                <a:schemeClr val="lt1"/>
-              </a:solidFill>
-              <a:latin typeface="Arial"/>
-              <a:ea typeface="Arial"/>
-              <a:cs typeface="Arial"/>
-              <a:sym typeface="Arial"/>
-            </a:endParaRPr>
-          </a:p>
-        </p:txBody>
-      </p:sp>
-    </p:spTree>
-    <p:extLst>
-      <p:ext uri="{BB962C8B-B14F-4D97-AF65-F5344CB8AC3E}">
-        <p14:creationId xmlns:p14="http://schemas.microsoft.com/office/powerpoint/2010/main" val="2825145441"/>
-      </p:ext>
-    </p:extLst>
-  </p:cSld>
-  <p:clrMapOvr>
-    <a:masterClrMapping/>
-  </p:clrMapOvr>
-  <mc:AlternateContent xmlns:mc="http://schemas.openxmlformats.org/markup-compatibility/2006" xmlns:p14="http://schemas.microsoft.com/office/powerpoint/2010/main">
-    <mc:Choice Requires="p14">
-      <p:transition spd="med" p14:dur="700">
-        <p:fade/>
-      </p:transition>
-    </mc:Choice>
-    <mc:Fallback xmlns:ahyp="http://schemas.microsoft.com/office/drawing/2018/hyperlinkcolor" xmlns:p15="http://schemas.microsoft.com/office/powerpoint/2012/main" xmlns:com="http://schemas.openxmlformats.org/drawingml/2006/compatibility" xmlns:pvml="urn:schemas-microsoft-com:office:powerpoint" xmlns:v="urn:schemas-microsoft-com:vml" xmlns:o="urn:schemas-microsoft-com:office:office" xmlns:dgm="http://schemas.openxmlformats.org/drawingml/2006/diagram" xmlns:c="http://schemas.openxmlformats.org/drawingml/2006/chart" xmlns:mv="urn:schemas-microsoft-com:mac:vml" xmlns="">
-      <p:transition spd="slow">
-        <p:fade/>
-      </p:transition>
-    </mc:Fallback>
-  </mc:AlternateContent>
-</p:sld>
-</file>
-
-<file path=ppt/slides/slide25.xml><?xml version="1.0" encoding="utf-8"?>
-<p:sld xmlns:a="http://schemas.openxmlformats.org/drawingml/2006/main" xmlns:r="http://schemas.openxmlformats.org/officeDocument/2006/relationships" xmlns:p="http://schemas.openxmlformats.org/presentationml/2006/main">
-  <p:cSld>
-    <p:spTree>
-      <p:nvGrpSpPr>
-        <p:cNvPr id="1" name="Shape 200"/>
-        <p:cNvGrpSpPr/>
-        <p:nvPr/>
-      </p:nvGrpSpPr>
-      <p:grpSpPr>
-        <a:xfrm>
-          <a:off x="0" y="0"/>
-          <a:ext cx="0" cy="0"/>
-          <a:chOff x="0" y="0"/>
-          <a:chExt cx="0" cy="0"/>
-        </a:xfrm>
-      </p:grpSpPr>
-      <p:sp>
-        <p:nvSpPr>
-          <p:cNvPr id="201" name="Google Shape;201;p31"/>
-          <p:cNvSpPr/>
-          <p:nvPr/>
-        </p:nvSpPr>
-        <p:spPr>
-          <a:xfrm>
-            <a:off x="492369" y="4454769"/>
-            <a:ext cx="5158154" cy="1406769"/>
-          </a:xfrm>
-          <a:prstGeom prst="rect">
-            <a:avLst/>
-          </a:prstGeom>
-          <a:solidFill>
-            <a:schemeClr val="lt1"/>
-          </a:solidFill>
-          <a:ln>
-            <a:noFill/>
-          </a:ln>
-        </p:spPr>
-        <p:txBody>
-          <a:bodyPr spcFirstLastPara="1" wrap="square" lIns="91425" tIns="45700" rIns="91425" bIns="45700" anchor="ctr" anchorCtr="0">
-            <a:noAutofit/>
-          </a:bodyPr>
-          <a:lstStyle/>
-          <a:p>
-            <a:pPr marL="0" marR="0" lvl="0" indent="0" algn="ctr" rtl="0">
-              <a:lnSpc>
-                <a:spcPct val="100000"/>
-              </a:lnSpc>
-              <a:spcBef>
-                <a:spcPts val="0"/>
-              </a:spcBef>
-              <a:spcAft>
-                <a:spcPts val="0"/>
-              </a:spcAft>
-              <a:buNone/>
-            </a:pPr>
-            <a:endParaRPr sz="1400" b="0" i="0" u="none" strike="noStrike" cap="none">
-              <a:solidFill>
-                <a:schemeClr val="lt1"/>
-              </a:solidFill>
-              <a:latin typeface="Arial"/>
-              <a:ea typeface="Arial"/>
-              <a:cs typeface="Arial"/>
-              <a:sym typeface="Arial"/>
-            </a:endParaRPr>
-          </a:p>
-        </p:txBody>
-      </p:sp>
-      <p:sp>
-        <p:nvSpPr>
-          <p:cNvPr id="202" name="Google Shape;202;p31"/>
-          <p:cNvSpPr txBox="1">
-            <a:spLocks noGrp="1"/>
-          </p:cNvSpPr>
-          <p:nvPr>
-            <p:ph type="ctrTitle"/>
-          </p:nvPr>
-        </p:nvSpPr>
-        <p:spPr>
-          <a:xfrm>
-            <a:off x="350813" y="2036861"/>
-            <a:ext cx="8507437" cy="1780759"/>
-          </a:xfrm>
-          <a:prstGeom prst="rect">
-            <a:avLst/>
-          </a:prstGeom>
-          <a:noFill/>
-          <a:ln>
-            <a:noFill/>
-          </a:ln>
-        </p:spPr>
-        <p:txBody>
-          <a:bodyPr spcFirstLastPara="1" wrap="square" lIns="0" tIns="45700" rIns="91425" bIns="45700" anchor="b" anchorCtr="0">
-            <a:noAutofit/>
-          </a:bodyPr>
-          <a:lstStyle/>
-          <a:p>
-            <a:pPr marL="0" lvl="0" indent="0" algn="l" rtl="0">
-              <a:lnSpc>
-                <a:spcPct val="100000"/>
-              </a:lnSpc>
-              <a:spcBef>
-                <a:spcPts val="0"/>
-              </a:spcBef>
-              <a:spcAft>
-                <a:spcPts val="0"/>
-              </a:spcAft>
-              <a:buSzPts val="6000"/>
-              <a:buNone/>
-            </a:pPr>
-            <a:r>
-              <a:rPr lang="en-US" sz="5400" dirty="0"/>
-              <a:t>2. KẾT QUẢ TRUNG GIAN</a:t>
-            </a:r>
-            <a:endParaRPr sz="5400" dirty="0"/>
-          </a:p>
-        </p:txBody>
-      </p:sp>
-    </p:spTree>
-    <p:extLst>
-      <p:ext uri="{BB962C8B-B14F-4D97-AF65-F5344CB8AC3E}">
-        <p14:creationId xmlns:p14="http://schemas.microsoft.com/office/powerpoint/2010/main" val="3394278685"/>
-      </p:ext>
-    </p:extLst>
-  </p:cSld>
-  <p:clrMapOvr>
-    <a:masterClrMapping/>
-  </p:clrMapOvr>
-  <mc:AlternateContent xmlns:mc="http://schemas.openxmlformats.org/markup-compatibility/2006" xmlns:p14="http://schemas.microsoft.com/office/powerpoint/2010/main">
-    <mc:Choice Requires="p14">
-      <p:transition spd="med" p14:dur="700">
-        <p:fade/>
-      </p:transition>
-    </mc:Choice>
-    <mc:Fallback xmlns:ahyp="http://schemas.microsoft.com/office/drawing/2018/hyperlinkcolor" xmlns:p15="http://schemas.microsoft.com/office/powerpoint/2012/main" xmlns:com="http://schemas.openxmlformats.org/drawingml/2006/compatibility" xmlns:pvml="urn:schemas-microsoft-com:office:powerpoint" xmlns:v="urn:schemas-microsoft-com:vml" xmlns:o="urn:schemas-microsoft-com:office:office" xmlns:dgm="http://schemas.openxmlformats.org/drawingml/2006/diagram" xmlns:c="http://schemas.openxmlformats.org/drawingml/2006/chart" xmlns:mv="urn:schemas-microsoft-com:mac:vml" xmlns="">
-      <p:transition spd="slow">
-        <p:fade/>
-      </p:transition>
-    </mc:Fallback>
-  </mc:AlternateContent>
-</p:sld>
-</file>
-
-<file path=ppt/slides/slide26.xml><?xml version="1.0" encoding="utf-8"?>
-<p:sld xmlns:a="http://schemas.openxmlformats.org/drawingml/2006/main" xmlns:r="http://schemas.openxmlformats.org/officeDocument/2006/relationships" xmlns:p="http://schemas.openxmlformats.org/presentationml/2006/main">
-  <p:cSld>
-    <p:spTree>
-      <p:nvGrpSpPr>
-        <p:cNvPr id="1" name="Shape 94"/>
-        <p:cNvGrpSpPr/>
-        <p:nvPr/>
-      </p:nvGrpSpPr>
-      <p:grpSpPr>
-        <a:xfrm>
-          <a:off x="0" y="0"/>
-          <a:ext cx="0" cy="0"/>
-          <a:chOff x="0" y="0"/>
-          <a:chExt cx="0" cy="0"/>
-        </a:xfrm>
-      </p:grpSpPr>
-      <p:sp>
-        <p:nvSpPr>
-          <p:cNvPr id="95" name="Google Shape;95;p1"/>
-          <p:cNvSpPr txBox="1">
-            <a:spLocks noGrp="1"/>
-          </p:cNvSpPr>
-          <p:nvPr>
-            <p:ph type="ctrTitle"/>
-          </p:nvPr>
-        </p:nvSpPr>
-        <p:spPr>
-          <a:xfrm>
-            <a:off x="125620" y="2175826"/>
-            <a:ext cx="10192272" cy="2656702"/>
-          </a:xfrm>
-          <a:prstGeom prst="rect">
-            <a:avLst/>
-          </a:prstGeom>
-          <a:noFill/>
-          <a:ln>
-            <a:noFill/>
-          </a:ln>
-        </p:spPr>
-        <p:txBody>
-          <a:bodyPr spcFirstLastPara="1" wrap="square" lIns="0" tIns="45700" rIns="91425" bIns="45700" anchor="b" anchorCtr="0">
-            <a:noAutofit/>
-          </a:bodyPr>
-          <a:lstStyle/>
-          <a:p>
-            <a:pPr marL="0" lvl="0" indent="0" algn="l" rtl="0">
-              <a:lnSpc>
-                <a:spcPct val="150000"/>
-              </a:lnSpc>
-              <a:spcBef>
-                <a:spcPts val="0"/>
-              </a:spcBef>
-              <a:spcAft>
-                <a:spcPts val="0"/>
-              </a:spcAft>
-              <a:buClr>
-                <a:schemeClr val="lt1"/>
-              </a:buClr>
-              <a:buSzPts val="3600"/>
-              <a:buFont typeface="Arial"/>
-              <a:buNone/>
-            </a:pPr>
-            <a:r>
-              <a:rPr lang="en-US" sz="5000" dirty="0" err="1"/>
-              <a:t>Phần</a:t>
-            </a:r>
-            <a:r>
-              <a:rPr lang="en-US" sz="5000" dirty="0"/>
-              <a:t> 5: TỔNG KẾT VÀ KẾT LUẬN. </a:t>
-            </a:r>
-            <a:endParaRPr sz="5000" dirty="0"/>
-          </a:p>
-        </p:txBody>
-      </p:sp>
-      <p:sp>
-        <p:nvSpPr>
-          <p:cNvPr id="96" name="Google Shape;96;p1"/>
-          <p:cNvSpPr/>
-          <p:nvPr/>
-        </p:nvSpPr>
-        <p:spPr>
-          <a:xfrm>
-            <a:off x="394070" y="4832528"/>
-            <a:ext cx="5766585" cy="894017"/>
-          </a:xfrm>
-          <a:prstGeom prst="rect">
-            <a:avLst/>
-          </a:prstGeom>
-          <a:solidFill>
-            <a:schemeClr val="accent1"/>
-          </a:solidFill>
-          <a:ln>
-            <a:noFill/>
-          </a:ln>
-        </p:spPr>
-        <p:txBody>
-          <a:bodyPr spcFirstLastPara="1" wrap="square" lIns="91425" tIns="45700" rIns="91425" bIns="45700" anchor="ctr" anchorCtr="0">
-            <a:noAutofit/>
-          </a:bodyPr>
-          <a:lstStyle/>
-          <a:p>
-            <a:pPr marL="0" marR="0" lvl="0" indent="0" algn="ctr" rtl="0">
-              <a:lnSpc>
-                <a:spcPct val="100000"/>
-              </a:lnSpc>
-              <a:spcBef>
-                <a:spcPts val="0"/>
-              </a:spcBef>
-              <a:spcAft>
-                <a:spcPts val="0"/>
-              </a:spcAft>
-              <a:buClr>
-                <a:srgbClr val="000000"/>
-              </a:buClr>
-              <a:buSzPts val="1800"/>
-              <a:buFont typeface="Arial"/>
-              <a:buNone/>
-            </a:pPr>
-            <a:endParaRPr sz="1800" b="0" i="0" u="none" strike="noStrike" cap="none">
-              <a:solidFill>
-                <a:schemeClr val="lt1"/>
-              </a:solidFill>
-              <a:latin typeface="Arial"/>
-              <a:ea typeface="Arial"/>
-              <a:cs typeface="Arial"/>
-              <a:sym typeface="Arial"/>
-            </a:endParaRPr>
-          </a:p>
-        </p:txBody>
-      </p:sp>
-    </p:spTree>
-    <p:extLst>
-      <p:ext uri="{BB962C8B-B14F-4D97-AF65-F5344CB8AC3E}">
-        <p14:creationId xmlns:p14="http://schemas.microsoft.com/office/powerpoint/2010/main" val="1899768230"/>
-      </p:ext>
-    </p:extLst>
-  </p:cSld>
-  <p:clrMapOvr>
-    <a:masterClrMapping/>
-  </p:clrMapOvr>
-</p:sld>
-</file>
-
-<file path=ppt/slides/slide27.xml><?xml version="1.0" encoding="utf-8"?>
-<p:sld xmlns:a="http://schemas.openxmlformats.org/drawingml/2006/main" xmlns:r="http://schemas.openxmlformats.org/officeDocument/2006/relationships" xmlns:p="http://schemas.openxmlformats.org/presentationml/2006/main">
-  <p:cSld>
-    <p:spTree>
-      <p:nvGrpSpPr>
-        <p:cNvPr id="1" name="Shape 187"/>
-        <p:cNvGrpSpPr/>
-        <p:nvPr/>
-      </p:nvGrpSpPr>
-      <p:grpSpPr>
-        <a:xfrm>
-          <a:off x="0" y="0"/>
-          <a:ext cx="0" cy="0"/>
-          <a:chOff x="0" y="0"/>
-          <a:chExt cx="0" cy="0"/>
-        </a:xfrm>
-      </p:grpSpPr>
-      <p:sp>
-        <p:nvSpPr>
-          <p:cNvPr id="188" name="Google Shape;188;p29"/>
-          <p:cNvSpPr txBox="1">
-            <a:spLocks noGrp="1"/>
-          </p:cNvSpPr>
-          <p:nvPr>
-            <p:ph type="ctrTitle"/>
-          </p:nvPr>
-        </p:nvSpPr>
-        <p:spPr>
-          <a:xfrm>
-            <a:off x="147941" y="1197553"/>
-            <a:ext cx="6198467" cy="699828"/>
-          </a:xfrm>
-          <a:prstGeom prst="rect">
-            <a:avLst/>
-          </a:prstGeom>
-          <a:noFill/>
-          <a:ln>
-            <a:noFill/>
-          </a:ln>
-        </p:spPr>
-        <p:txBody>
-          <a:bodyPr spcFirstLastPara="1" wrap="square" lIns="0" tIns="45700" rIns="91425" bIns="45700" anchor="b" anchorCtr="0">
-            <a:noAutofit/>
-          </a:bodyPr>
-          <a:lstStyle/>
-          <a:p>
-            <a:pPr marL="0" lvl="0" indent="0" algn="l" rtl="0">
-              <a:lnSpc>
-                <a:spcPct val="100000"/>
-              </a:lnSpc>
-              <a:spcBef>
-                <a:spcPts val="0"/>
-              </a:spcBef>
-              <a:spcAft>
-                <a:spcPts val="0"/>
-              </a:spcAft>
-              <a:buSzPts val="6000"/>
-              <a:buNone/>
-            </a:pPr>
-            <a:r>
-              <a:rPr lang="en-US" sz="5400" dirty="0"/>
-              <a:t>Ma </a:t>
-            </a:r>
-            <a:r>
-              <a:rPr lang="en-US" sz="5400" dirty="0" err="1"/>
-              <a:t>trận</a:t>
-            </a:r>
-            <a:r>
-              <a:rPr lang="en-US" sz="5400" dirty="0"/>
-              <a:t> </a:t>
-            </a:r>
-            <a:r>
-              <a:rPr lang="en-US" sz="5400" dirty="0" err="1"/>
-              <a:t>nhầm</a:t>
-            </a:r>
-            <a:r>
-              <a:rPr lang="en-US" sz="5400" dirty="0"/>
-              <a:t> </a:t>
-            </a:r>
-            <a:r>
-              <a:rPr lang="en-US" sz="5400" dirty="0" err="1"/>
-              <a:t>lẫn</a:t>
-            </a:r>
-            <a:r>
-              <a:rPr lang="en-US" sz="5400" dirty="0"/>
-              <a:t>:</a:t>
-            </a:r>
-            <a:endParaRPr dirty="0"/>
-          </a:p>
-        </p:txBody>
-      </p:sp>
-      <p:sp>
-        <p:nvSpPr>
-          <p:cNvPr id="189" name="Google Shape;189;p29"/>
-          <p:cNvSpPr/>
-          <p:nvPr/>
-        </p:nvSpPr>
-        <p:spPr>
-          <a:xfrm>
-            <a:off x="369397" y="1802788"/>
-            <a:ext cx="5977011" cy="3941298"/>
-          </a:xfrm>
-          <a:prstGeom prst="rect">
-            <a:avLst/>
-          </a:prstGeom>
-          <a:solidFill>
-            <a:schemeClr val="lt1"/>
-          </a:solidFill>
-          <a:ln>
-            <a:noFill/>
-          </a:ln>
-        </p:spPr>
-        <p:txBody>
-          <a:bodyPr spcFirstLastPara="1" wrap="square" lIns="91425" tIns="45700" rIns="91425" bIns="45700" anchor="ctr" anchorCtr="0">
-            <a:noAutofit/>
-          </a:bodyPr>
-          <a:lstStyle/>
-          <a:p>
-            <a:pPr marL="0" marR="0" lvl="0" indent="0" algn="ctr" rtl="0">
-              <a:lnSpc>
-                <a:spcPct val="100000"/>
-              </a:lnSpc>
-              <a:spcBef>
-                <a:spcPts val="0"/>
-              </a:spcBef>
-              <a:spcAft>
-                <a:spcPts val="0"/>
-              </a:spcAft>
-              <a:buNone/>
-            </a:pPr>
-            <a:endParaRPr sz="2200" b="0" i="0" u="none" strike="noStrike" cap="none" dirty="0">
-              <a:solidFill>
-                <a:schemeClr val="lt1"/>
-              </a:solidFill>
-              <a:latin typeface="Arial"/>
-              <a:ea typeface="Arial"/>
-              <a:cs typeface="Arial"/>
-              <a:sym typeface="Arial"/>
-            </a:endParaRPr>
-          </a:p>
-        </p:txBody>
-      </p:sp>
-    </p:spTree>
-    <p:extLst>
-      <p:ext uri="{BB962C8B-B14F-4D97-AF65-F5344CB8AC3E}">
-        <p14:creationId xmlns:p14="http://schemas.microsoft.com/office/powerpoint/2010/main" val="4157404163"/>
-      </p:ext>
-    </p:extLst>
-  </p:cSld>
-  <p:clrMapOvr>
-    <a:masterClrMapping/>
-  </p:clrMapOvr>
-  <mc:AlternateContent xmlns:mc="http://schemas.openxmlformats.org/markup-compatibility/2006" xmlns:p14="http://schemas.microsoft.com/office/powerpoint/2010/main">
-    <mc:Choice Requires="p14">
-      <p:transition spd="med" p14:dur="700">
-        <p:fade/>
-      </p:transition>
-    </mc:Choice>
-    <mc:Fallback xmlns:ahyp="http://schemas.microsoft.com/office/drawing/2018/hyperlinkcolor" xmlns:p15="http://schemas.microsoft.com/office/powerpoint/2012/main" xmlns:com="http://schemas.openxmlformats.org/drawingml/2006/compatibility" xmlns:pvml="urn:schemas-microsoft-com:office:powerpoint" xmlns:v="urn:schemas-microsoft-com:vml" xmlns:o="urn:schemas-microsoft-com:office:office" xmlns:dgm="http://schemas.openxmlformats.org/drawingml/2006/diagram" xmlns:c="http://schemas.openxmlformats.org/drawingml/2006/chart" xmlns:mv="urn:schemas-microsoft-com:mac:vml" xmlns="">
-      <p:transition spd="slow">
-        <p:fade/>
-      </p:transition>
-    </mc:Fallback>
-  </mc:AlternateContent>
-</p:sld>
-</file>
-
-<file path=ppt/slides/slide28.xml><?xml version="1.0" encoding="utf-8"?>
-<p:sld xmlns:a="http://schemas.openxmlformats.org/drawingml/2006/main" xmlns:r="http://schemas.openxmlformats.org/officeDocument/2006/relationships" xmlns:p="http://schemas.openxmlformats.org/presentationml/2006/main">
-  <p:cSld>
-    <p:spTree>
-      <p:nvGrpSpPr>
-        <p:cNvPr id="1" name="Shape 187"/>
-        <p:cNvGrpSpPr/>
-        <p:nvPr/>
-      </p:nvGrpSpPr>
-      <p:grpSpPr>
-        <a:xfrm>
-          <a:off x="0" y="0"/>
-          <a:ext cx="0" cy="0"/>
-          <a:chOff x="0" y="0"/>
-          <a:chExt cx="0" cy="0"/>
-        </a:xfrm>
-      </p:grpSpPr>
-      <p:sp>
-        <p:nvSpPr>
-          <p:cNvPr id="188" name="Google Shape;188;p29"/>
-          <p:cNvSpPr txBox="1">
-            <a:spLocks noGrp="1"/>
-          </p:cNvSpPr>
-          <p:nvPr>
-            <p:ph type="ctrTitle"/>
-          </p:nvPr>
-        </p:nvSpPr>
-        <p:spPr>
-          <a:xfrm>
-            <a:off x="147941" y="1197553"/>
-            <a:ext cx="5158155" cy="699828"/>
-          </a:xfrm>
-          <a:prstGeom prst="rect">
-            <a:avLst/>
-          </a:prstGeom>
-          <a:noFill/>
-          <a:ln>
-            <a:noFill/>
-          </a:ln>
-        </p:spPr>
-        <p:txBody>
-          <a:bodyPr spcFirstLastPara="1" wrap="square" lIns="0" tIns="45700" rIns="91425" bIns="45700" anchor="b" anchorCtr="0">
-            <a:noAutofit/>
-          </a:bodyPr>
-          <a:lstStyle/>
-          <a:p>
-            <a:pPr marL="0" lvl="0" indent="0" algn="l" rtl="0">
-              <a:lnSpc>
-                <a:spcPct val="100000"/>
-              </a:lnSpc>
-              <a:spcBef>
-                <a:spcPts val="0"/>
-              </a:spcBef>
-              <a:spcAft>
-                <a:spcPts val="0"/>
-              </a:spcAft>
-              <a:buSzPts val="6000"/>
-              <a:buNone/>
-            </a:pPr>
-            <a:r>
-              <a:rPr lang="en-US" sz="5400" dirty="0"/>
-              <a:t>KẾT LUẬN:</a:t>
-            </a:r>
-            <a:endParaRPr dirty="0"/>
-          </a:p>
-        </p:txBody>
-      </p:sp>
-      <p:sp>
-        <p:nvSpPr>
-          <p:cNvPr id="189" name="Google Shape;189;p29"/>
-          <p:cNvSpPr/>
-          <p:nvPr/>
-        </p:nvSpPr>
-        <p:spPr>
-          <a:xfrm>
-            <a:off x="369397" y="1802788"/>
-            <a:ext cx="5977011" cy="3941298"/>
-          </a:xfrm>
-          <a:prstGeom prst="rect">
-            <a:avLst/>
-          </a:prstGeom>
-          <a:solidFill>
-            <a:schemeClr val="lt1"/>
-          </a:solidFill>
-          <a:ln>
-            <a:noFill/>
-          </a:ln>
-        </p:spPr>
-        <p:txBody>
-          <a:bodyPr spcFirstLastPara="1" wrap="square" lIns="91425" tIns="45700" rIns="91425" bIns="45700" anchor="ctr" anchorCtr="0">
-            <a:noAutofit/>
-          </a:bodyPr>
-          <a:lstStyle/>
-          <a:p>
-            <a:pPr marL="0" marR="0" lvl="0" indent="0" algn="ctr" rtl="0">
-              <a:lnSpc>
-                <a:spcPct val="100000"/>
-              </a:lnSpc>
-              <a:spcBef>
-                <a:spcPts val="0"/>
-              </a:spcBef>
-              <a:spcAft>
-                <a:spcPts val="0"/>
-              </a:spcAft>
-              <a:buNone/>
-            </a:pPr>
-            <a:endParaRPr sz="2200" b="0" i="0" u="none" strike="noStrike" cap="none" dirty="0">
-              <a:solidFill>
-                <a:schemeClr val="lt1"/>
-              </a:solidFill>
-              <a:latin typeface="Arial"/>
-              <a:ea typeface="Arial"/>
-              <a:cs typeface="Arial"/>
-              <a:sym typeface="Arial"/>
-            </a:endParaRPr>
-          </a:p>
-        </p:txBody>
-      </p:sp>
-      <p:sp>
-        <p:nvSpPr>
-          <p:cNvPr id="4" name="TextBox 3">
-            <a:extLst>
-              <a:ext uri="{FF2B5EF4-FFF2-40B4-BE49-F238E27FC236}">
-                <a16:creationId xmlns:a16="http://schemas.microsoft.com/office/drawing/2014/main" id="{22BD33D6-D14E-C84A-B2FF-116991EBFA5C}"/>
-              </a:ext>
-            </a:extLst>
-          </p:cNvPr>
-          <p:cNvSpPr txBox="1"/>
-          <p:nvPr/>
-        </p:nvSpPr>
-        <p:spPr>
-          <a:xfrm>
-            <a:off x="147941" y="1982694"/>
-            <a:ext cx="7257612" cy="1446550"/>
-          </a:xfrm>
-          <a:prstGeom prst="rect">
-            <a:avLst/>
-          </a:prstGeom>
-          <a:noFill/>
-        </p:spPr>
-        <p:txBody>
-          <a:bodyPr wrap="square" rtlCol="0">
-            <a:spAutoFit/>
-          </a:bodyPr>
-          <a:lstStyle/>
-          <a:p>
-            <a:pPr marL="285750" indent="-285750">
-              <a:buFontTx/>
-              <a:buChar char="-"/>
-            </a:pPr>
-            <a:r>
-              <a:rPr lang="en-VN" sz="2200" dirty="0">
-                <a:solidFill>
-                  <a:schemeClr val="bg2">
-                    <a:lumMod val="50000"/>
-                  </a:schemeClr>
-                </a:solidFill>
-              </a:rPr>
-              <a:t>So sánh FFT và MFCC : MFCC cho độ chính xác cao hơn</a:t>
-            </a:r>
-          </a:p>
-          <a:p>
-            <a:pPr marL="285750" indent="-285750">
-              <a:buFontTx/>
-              <a:buChar char="-"/>
-            </a:pPr>
-            <a:r>
-              <a:rPr lang="en-US" sz="2200" dirty="0" err="1">
-                <a:solidFill>
-                  <a:schemeClr val="bg2">
-                    <a:lumMod val="50000"/>
-                  </a:schemeClr>
-                </a:solidFill>
-              </a:rPr>
-              <a:t>Độ</a:t>
-            </a:r>
-            <a:r>
-              <a:rPr lang="en-US" sz="2200" dirty="0">
-                <a:solidFill>
-                  <a:schemeClr val="bg2">
-                    <a:lumMod val="50000"/>
-                  </a:schemeClr>
-                </a:solidFill>
-              </a:rPr>
-              <a:t> </a:t>
-            </a:r>
-            <a:r>
-              <a:rPr lang="en-US" sz="2200" dirty="0" err="1">
-                <a:solidFill>
-                  <a:schemeClr val="bg2">
-                    <a:lumMod val="50000"/>
-                  </a:schemeClr>
-                </a:solidFill>
-              </a:rPr>
-              <a:t>chính</a:t>
-            </a:r>
-            <a:r>
-              <a:rPr lang="en-US" sz="2200" dirty="0">
-                <a:solidFill>
-                  <a:schemeClr val="bg2">
-                    <a:lumMod val="50000"/>
-                  </a:schemeClr>
-                </a:solidFill>
-              </a:rPr>
-              <a:t> </a:t>
-            </a:r>
-            <a:r>
-              <a:rPr lang="en-US" sz="2200" dirty="0" err="1">
-                <a:solidFill>
-                  <a:schemeClr val="bg2">
-                    <a:lumMod val="50000"/>
-                  </a:schemeClr>
-                </a:solidFill>
-              </a:rPr>
-              <a:t>xác</a:t>
-            </a:r>
-            <a:r>
-              <a:rPr lang="en-US" sz="2200" dirty="0">
-                <a:solidFill>
-                  <a:schemeClr val="bg2">
-                    <a:lumMod val="50000"/>
-                  </a:schemeClr>
-                </a:solidFill>
-              </a:rPr>
-              <a:t> </a:t>
-            </a:r>
-            <a:r>
-              <a:rPr lang="en-US" sz="2200" dirty="0" err="1">
-                <a:solidFill>
-                  <a:schemeClr val="bg2">
-                    <a:lumMod val="50000"/>
-                  </a:schemeClr>
-                </a:solidFill>
-              </a:rPr>
-              <a:t>cao</a:t>
-            </a:r>
-            <a:r>
-              <a:rPr lang="en-US" sz="2200" dirty="0">
-                <a:solidFill>
-                  <a:schemeClr val="bg2">
-                    <a:lumMod val="50000"/>
-                  </a:schemeClr>
-                </a:solidFill>
-              </a:rPr>
-              <a:t> </a:t>
-            </a:r>
-            <a:r>
-              <a:rPr lang="en-US" sz="2200" dirty="0" err="1">
-                <a:solidFill>
-                  <a:schemeClr val="bg2">
-                    <a:lumMod val="50000"/>
-                  </a:schemeClr>
-                </a:solidFill>
-              </a:rPr>
-              <a:t>nhất</a:t>
-            </a:r>
-            <a:r>
-              <a:rPr lang="en-US" sz="2200" dirty="0">
-                <a:solidFill>
-                  <a:schemeClr val="bg2">
-                    <a:lumMod val="50000"/>
-                  </a:schemeClr>
-                </a:solidFill>
-              </a:rPr>
-              <a:t> :</a:t>
-            </a:r>
-            <a:endParaRPr lang="en-VN" sz="2200" dirty="0">
-              <a:solidFill>
-                <a:schemeClr val="bg2">
-                  <a:lumMod val="50000"/>
-                </a:schemeClr>
-              </a:solidFill>
-            </a:endParaRPr>
-          </a:p>
-          <a:p>
-            <a:r>
-              <a:rPr lang="en-VN" sz="2200" dirty="0">
-                <a:solidFill>
-                  <a:schemeClr val="bg2">
-                    <a:lumMod val="50000"/>
-                  </a:schemeClr>
-                </a:solidFill>
-              </a:rPr>
-              <a:t>-</a:t>
-            </a:r>
-          </a:p>
-        </p:txBody>
-      </p:sp>
-    </p:spTree>
-  </p:cSld>
-  <p:clrMapOvr>
-    <a:masterClrMapping/>
-  </p:clrMapOvr>
-  <mc:AlternateContent xmlns:mc="http://schemas.openxmlformats.org/markup-compatibility/2006" xmlns:p14="http://schemas.microsoft.com/office/powerpoint/2010/main">
-    <mc:Choice Requires="p14">
-      <p:transition spd="med" p14:dur="700">
-        <p:fade/>
-      </p:transition>
-    </mc:Choice>
-    <mc:Fallback xmlns:ahyp="http://schemas.microsoft.com/office/drawing/2018/hyperlinkcolor" xmlns:p15="http://schemas.microsoft.com/office/powerpoint/2012/main" xmlns:com="http://schemas.openxmlformats.org/drawingml/2006/compatibility" xmlns:pvml="urn:schemas-microsoft-com:office:powerpoint" xmlns:v="urn:schemas-microsoft-com:vml" xmlns:o="urn:schemas-microsoft-com:office:office" xmlns:dgm="http://schemas.openxmlformats.org/drawingml/2006/diagram" xmlns:c="http://schemas.openxmlformats.org/drawingml/2006/chart" xmlns:mv="urn:schemas-microsoft-com:mac:vml" xmlns="">
-      <p:transition spd="slow">
-        <p:fade/>
-      </p:transition>
-    </mc:Fallback>
-  </mc:AlternateContent>
-</p:sld>
-</file>
-
-<file path=ppt/slides/slide29.xml><?xml version="1.0" encoding="utf-8"?>
-<p:sld xmlns:a="http://schemas.openxmlformats.org/drawingml/2006/main" xmlns:r="http://schemas.openxmlformats.org/officeDocument/2006/relationships" xmlns:p="http://schemas.openxmlformats.org/presentationml/2006/main">
-  <p:cSld>
-    <p:spTree>
-      <p:nvGrpSpPr>
-        <p:cNvPr id="1" name="Shape 200"/>
-        <p:cNvGrpSpPr/>
-        <p:nvPr/>
-      </p:nvGrpSpPr>
-      <p:grpSpPr>
-        <a:xfrm>
-          <a:off x="0" y="0"/>
-          <a:ext cx="0" cy="0"/>
-          <a:chOff x="0" y="0"/>
-          <a:chExt cx="0" cy="0"/>
-        </a:xfrm>
-      </p:grpSpPr>
-      <p:sp>
-        <p:nvSpPr>
-          <p:cNvPr id="201" name="Google Shape;201;p31"/>
-          <p:cNvSpPr/>
-          <p:nvPr/>
-        </p:nvSpPr>
-        <p:spPr>
-          <a:xfrm>
-            <a:off x="492369" y="4454769"/>
-            <a:ext cx="5158154" cy="1406769"/>
-          </a:xfrm>
-          <a:prstGeom prst="rect">
-            <a:avLst/>
-          </a:prstGeom>
-          <a:solidFill>
-            <a:schemeClr val="lt1"/>
-          </a:solidFill>
-          <a:ln>
-            <a:noFill/>
-          </a:ln>
-        </p:spPr>
-        <p:txBody>
-          <a:bodyPr spcFirstLastPara="1" wrap="square" lIns="91425" tIns="45700" rIns="91425" bIns="45700" anchor="ctr" anchorCtr="0">
-            <a:noAutofit/>
-          </a:bodyPr>
-          <a:lstStyle/>
-          <a:p>
-            <a:pPr marL="0" marR="0" lvl="0" indent="0" algn="ctr" rtl="0">
-              <a:lnSpc>
-                <a:spcPct val="100000"/>
-              </a:lnSpc>
-              <a:spcBef>
-                <a:spcPts val="0"/>
-              </a:spcBef>
-              <a:spcAft>
-                <a:spcPts val="0"/>
-              </a:spcAft>
-              <a:buNone/>
-            </a:pPr>
-            <a:endParaRPr sz="1400" b="0" i="0" u="none" strike="noStrike" cap="none">
-              <a:solidFill>
-                <a:schemeClr val="lt1"/>
-              </a:solidFill>
-              <a:latin typeface="Arial"/>
-              <a:ea typeface="Arial"/>
-              <a:cs typeface="Arial"/>
-              <a:sym typeface="Arial"/>
-            </a:endParaRPr>
-          </a:p>
-        </p:txBody>
-      </p:sp>
-      <p:sp>
-        <p:nvSpPr>
-          <p:cNvPr id="202" name="Google Shape;202;p31"/>
-          <p:cNvSpPr txBox="1">
-            <a:spLocks noGrp="1"/>
-          </p:cNvSpPr>
-          <p:nvPr>
-            <p:ph type="ctrTitle"/>
-          </p:nvPr>
-        </p:nvSpPr>
-        <p:spPr>
-          <a:xfrm>
-            <a:off x="590843" y="2144760"/>
-            <a:ext cx="9179277" cy="2568480"/>
-          </a:xfrm>
-          <a:prstGeom prst="rect">
-            <a:avLst/>
-          </a:prstGeom>
-          <a:noFill/>
-          <a:ln>
-            <a:noFill/>
-          </a:ln>
-        </p:spPr>
-        <p:txBody>
-          <a:bodyPr spcFirstLastPara="1" wrap="square" lIns="0" tIns="45700" rIns="91425" bIns="45700" anchor="b" anchorCtr="0">
-            <a:noAutofit/>
-          </a:bodyPr>
-          <a:lstStyle/>
-          <a:p>
-            <a:pPr marL="0" lvl="0" indent="0" algn="l" rtl="0">
-              <a:lnSpc>
-                <a:spcPct val="100000"/>
-              </a:lnSpc>
-              <a:spcBef>
-                <a:spcPts val="0"/>
-              </a:spcBef>
-              <a:spcAft>
-                <a:spcPts val="0"/>
-              </a:spcAft>
-              <a:buSzPts val="6000"/>
-              <a:buNone/>
-            </a:pPr>
-            <a:r>
-              <a:rPr lang="en-US" sz="5400" dirty="0"/>
-              <a:t>4.CODE MINH HỌA</a:t>
-            </a:r>
-            <a:br>
-              <a:rPr lang="en-US" sz="5400" dirty="0"/>
-            </a:br>
-            <a:r>
-              <a:rPr lang="en-US" sz="5400" dirty="0"/>
-              <a:t>&amp;</a:t>
-            </a:r>
-            <a:br>
-              <a:rPr lang="en-US" sz="5400" dirty="0"/>
-            </a:br>
-            <a:r>
-              <a:rPr lang="en-US" sz="5400" dirty="0"/>
-              <a:t>DEMO KẾT QUẢ</a:t>
-            </a:r>
-            <a:endParaRPr sz="5400" dirty="0"/>
-          </a:p>
-        </p:txBody>
-      </p:sp>
-    </p:spTree>
-  </p:cSld>
-  <p:clrMapOvr>
-    <a:masterClrMapping/>
-  </p:clrMapOvr>
-  <mc:AlternateContent xmlns:mc="http://schemas.openxmlformats.org/markup-compatibility/2006" xmlns:p14="http://schemas.microsoft.com/office/powerpoint/2010/main">
-    <mc:Choice Requires="p14">
-      <p:transition spd="med" p14:dur="700">
-        <p:fade/>
-      </p:transition>
-    </mc:Choice>
-    <mc:Fallback xmlns:ahyp="http://schemas.microsoft.com/office/drawing/2018/hyperlinkcolor" xmlns:p15="http://schemas.microsoft.com/office/powerpoint/2012/main" xmlns:com="http://schemas.openxmlformats.org/drawingml/2006/compatibility" xmlns:pvml="urn:schemas-microsoft-com:office:powerpoint" xmlns:v="urn:schemas-microsoft-com:vml" xmlns:o="urn:schemas-microsoft-com:office:office" xmlns:dgm="http://schemas.openxmlformats.org/drawingml/2006/diagram" xmlns:c="http://schemas.openxmlformats.org/drawingml/2006/chart" xmlns:mv="urn:schemas-microsoft-com:mac:vml" xmlns="">
-      <p:transition spd="slow">
-        <p:fade/>
-      </p:transition>
-    </mc:Fallback>
-  </mc:AlternateContent>
 </p:sld>
 </file>
 
@@ -20710,7 +22335,7 @@
           <p:nvPr>
             <p:extLst>
               <p:ext uri="{D42A27DB-BD31-4B8C-83A1-F6EECF244321}">
-                <p14:modId xmlns:p14="http://schemas.microsoft.com/office/powerpoint/2010/main" val="3125803825"/>
+                <p14:modId xmlns:p14="http://schemas.microsoft.com/office/powerpoint/2010/main" val="682676891"/>
               </p:ext>
             </p:extLst>
           </p:nvPr>
@@ -21034,7 +22659,7 @@
                       </a:pPr>
                       <a:r>
                         <a:rPr lang="en-VN" dirty="0"/>
-                        <a:t>So khớp vector MFCC của tín hiệu nguyên âm đầu với 5 vector đã trích xuất theo 5 nguyên âm -&gt; nhận dạng nguyên âm. (câu 3)</a:t>
+                        <a:t>So khớp vector MFCC của tín hiệu nguyên âm đầu với 5*k vector đã trích xuất theo 5 nguyên âm -&gt; nhận dạng nguyên âm. (câu 3)</a:t>
                       </a:r>
                     </a:p>
                     <a:p>
@@ -21107,7 +22732,7 @@
                       </a:pPr>
                       <a:r>
                         <a:rPr lang="en-VN" dirty="0"/>
-                        <a:t>Cải thiện độ chính xác thuật toán ( nâng cao)</a:t>
+                        <a:t>Cải thiện độ chính xác thuật toán Kmeans</a:t>
                       </a:r>
                     </a:p>
                     <a:p>
@@ -21163,7 +22788,7 @@
         <p:fade/>
       </p:transition>
     </mc:Choice>
-    <mc:Fallback xmlns:ahyp="http://schemas.microsoft.com/office/drawing/2018/hyperlinkcolor" xmlns:p15="http://schemas.microsoft.com/office/powerpoint/2012/main" xmlns:com="http://schemas.openxmlformats.org/drawingml/2006/compatibility" xmlns:pvml="urn:schemas-microsoft-com:office:powerpoint" xmlns:v="urn:schemas-microsoft-com:vml" xmlns:o="urn:schemas-microsoft-com:office:office" xmlns:dgm="http://schemas.openxmlformats.org/drawingml/2006/diagram" xmlns:c="http://schemas.openxmlformats.org/drawingml/2006/chart" xmlns:mv="urn:schemas-microsoft-com:mac:vml" xmlns="">
+    <mc:Fallback xmlns="" xmlns:mv="urn:schemas-microsoft-com:mac:vml" xmlns:c="http://schemas.openxmlformats.org/drawingml/2006/chart" xmlns:dgm="http://schemas.openxmlformats.org/drawingml/2006/diagram" xmlns:o="urn:schemas-microsoft-com:office:office" xmlns:v="urn:schemas-microsoft-com:vml" xmlns:pvml="urn:schemas-microsoft-com:office:powerpoint" xmlns:com="http://schemas.openxmlformats.org/drawingml/2006/compatibility" xmlns:p15="http://schemas.microsoft.com/office/powerpoint/2012/main" xmlns:ahyp="http://schemas.microsoft.com/office/drawing/2018/hyperlinkcolor">
       <p:transition spd="slow">
         <p:fade/>
       </p:transition>
@@ -21173,6 +22798,2654 @@
 </file>
 
 <file path=ppt/slides/slide30.xml><?xml version="1.0" encoding="utf-8"?>
+<p:sld xmlns:a="http://schemas.openxmlformats.org/drawingml/2006/main" xmlns:r="http://schemas.openxmlformats.org/officeDocument/2006/relationships" xmlns:p="http://schemas.openxmlformats.org/presentationml/2006/main">
+  <p:cSld>
+    <p:spTree>
+      <p:nvGrpSpPr>
+        <p:cNvPr id="1" name="Shape 101"/>
+        <p:cNvGrpSpPr/>
+        <p:nvPr/>
+      </p:nvGrpSpPr>
+      <p:grpSpPr>
+        <a:xfrm>
+          <a:off x="0" y="0"/>
+          <a:ext cx="0" cy="0"/>
+          <a:chOff x="0" y="0"/>
+          <a:chExt cx="0" cy="0"/>
+        </a:xfrm>
+      </p:grpSpPr>
+      <p:sp>
+        <p:nvSpPr>
+          <p:cNvPr id="102" name="Google Shape;102;p2"/>
+          <p:cNvSpPr txBox="1">
+            <a:spLocks noGrp="1"/>
+          </p:cNvSpPr>
+          <p:nvPr>
+            <p:ph type="ctrTitle"/>
+          </p:nvPr>
+        </p:nvSpPr>
+        <p:spPr>
+          <a:xfrm>
+            <a:off x="616295" y="2771115"/>
+            <a:ext cx="7727700" cy="974400"/>
+          </a:xfrm>
+          <a:prstGeom prst="rect">
+            <a:avLst/>
+          </a:prstGeom>
+          <a:noFill/>
+          <a:ln>
+            <a:noFill/>
+          </a:ln>
+        </p:spPr>
+        <p:txBody>
+          <a:bodyPr spcFirstLastPara="1" wrap="square" lIns="0" tIns="45700" rIns="91425" bIns="45700" anchor="b" anchorCtr="0">
+            <a:noAutofit/>
+          </a:bodyPr>
+          <a:lstStyle/>
+          <a:p>
+            <a:pPr marL="457200" lvl="0" indent="-571500" algn="l" rtl="0">
+              <a:lnSpc>
+                <a:spcPct val="100000"/>
+              </a:lnSpc>
+              <a:spcBef>
+                <a:spcPts val="0"/>
+              </a:spcBef>
+              <a:spcAft>
+                <a:spcPts val="0"/>
+              </a:spcAft>
+              <a:buSzPts val="5400"/>
+              <a:buAutoNum type="arabicPeriod"/>
+            </a:pPr>
+            <a:r>
+              <a:rPr lang="en-US" sz="5400" dirty="0"/>
+              <a:t>SƠ ĐỒ KHỐI</a:t>
+            </a:r>
+            <a:endParaRPr sz="5400" dirty="0"/>
+          </a:p>
+        </p:txBody>
+      </p:sp>
+      <p:sp>
+        <p:nvSpPr>
+          <p:cNvPr id="103" name="Google Shape;103;p2"/>
+          <p:cNvSpPr/>
+          <p:nvPr/>
+        </p:nvSpPr>
+        <p:spPr>
+          <a:xfrm>
+            <a:off x="492369" y="4454769"/>
+            <a:ext cx="5158154" cy="1406769"/>
+          </a:xfrm>
+          <a:prstGeom prst="rect">
+            <a:avLst/>
+          </a:prstGeom>
+          <a:solidFill>
+            <a:schemeClr val="lt1"/>
+          </a:solidFill>
+          <a:ln>
+            <a:noFill/>
+          </a:ln>
+        </p:spPr>
+        <p:txBody>
+          <a:bodyPr spcFirstLastPara="1" wrap="square" lIns="91425" tIns="45700" rIns="91425" bIns="45700" anchor="ctr" anchorCtr="0">
+            <a:noAutofit/>
+          </a:bodyPr>
+          <a:lstStyle/>
+          <a:p>
+            <a:pPr marL="0" marR="0" lvl="0" indent="0" algn="ctr" rtl="0">
+              <a:lnSpc>
+                <a:spcPct val="100000"/>
+              </a:lnSpc>
+              <a:spcBef>
+                <a:spcPts val="0"/>
+              </a:spcBef>
+              <a:spcAft>
+                <a:spcPts val="0"/>
+              </a:spcAft>
+              <a:buClr>
+                <a:srgbClr val="000000"/>
+              </a:buClr>
+              <a:buSzPts val="1800"/>
+              <a:buFont typeface="Arial"/>
+              <a:buNone/>
+            </a:pPr>
+            <a:endParaRPr sz="1800" b="0" i="0" u="none" strike="noStrike" cap="none">
+              <a:solidFill>
+                <a:schemeClr val="lt1"/>
+              </a:solidFill>
+              <a:latin typeface="Arial"/>
+              <a:ea typeface="Arial"/>
+              <a:cs typeface="Arial"/>
+              <a:sym typeface="Arial"/>
+            </a:endParaRPr>
+          </a:p>
+        </p:txBody>
+      </p:sp>
+    </p:spTree>
+    <p:extLst>
+      <p:ext uri="{BB962C8B-B14F-4D97-AF65-F5344CB8AC3E}">
+        <p14:creationId xmlns:p14="http://schemas.microsoft.com/office/powerpoint/2010/main" val="4149430127"/>
+      </p:ext>
+    </p:extLst>
+  </p:cSld>
+  <p:clrMapOvr>
+    <a:masterClrMapping/>
+  </p:clrMapOvr>
+  <mc:AlternateContent xmlns:mc="http://schemas.openxmlformats.org/markup-compatibility/2006" xmlns:p14="http://schemas.microsoft.com/office/powerpoint/2010/main">
+    <mc:Choice Requires="p14">
+      <p:transition spd="med" p14:dur="700">
+        <p:fade/>
+      </p:transition>
+    </mc:Choice>
+    <mc:Fallback xmlns="" xmlns:mv="urn:schemas-microsoft-com:mac:vml" xmlns:c="http://schemas.openxmlformats.org/drawingml/2006/chart" xmlns:dgm="http://schemas.openxmlformats.org/drawingml/2006/diagram" xmlns:o="urn:schemas-microsoft-com:office:office" xmlns:v="urn:schemas-microsoft-com:vml" xmlns:pvml="urn:schemas-microsoft-com:office:powerpoint" xmlns:com="http://schemas.openxmlformats.org/drawingml/2006/compatibility" xmlns:p15="http://schemas.microsoft.com/office/powerpoint/2012/main" xmlns:ahyp="http://schemas.microsoft.com/office/drawing/2018/hyperlinkcolor">
+      <p:transition spd="slow">
+        <p:fade/>
+      </p:transition>
+    </mc:Fallback>
+  </mc:AlternateContent>
+</p:sld>
+</file>
+
+<file path=ppt/slides/slide31.xml><?xml version="1.0" encoding="utf-8"?>
+<p:sld xmlns:a="http://schemas.openxmlformats.org/drawingml/2006/main" xmlns:r="http://schemas.openxmlformats.org/officeDocument/2006/relationships" xmlns:p="http://schemas.openxmlformats.org/presentationml/2006/main">
+  <p:cSld>
+    <p:spTree>
+      <p:nvGrpSpPr>
+        <p:cNvPr id="1" name="Shape 108"/>
+        <p:cNvGrpSpPr/>
+        <p:nvPr/>
+      </p:nvGrpSpPr>
+      <p:grpSpPr>
+        <a:xfrm>
+          <a:off x="0" y="0"/>
+          <a:ext cx="0" cy="0"/>
+          <a:chOff x="0" y="0"/>
+          <a:chExt cx="0" cy="0"/>
+        </a:xfrm>
+      </p:grpSpPr>
+      <p:sp>
+        <p:nvSpPr>
+          <p:cNvPr id="109" name="Google Shape;109;p3"/>
+          <p:cNvSpPr txBox="1">
+            <a:spLocks noGrp="1"/>
+          </p:cNvSpPr>
+          <p:nvPr>
+            <p:ph type="title"/>
+          </p:nvPr>
+        </p:nvSpPr>
+        <p:spPr>
+          <a:xfrm>
+            <a:off x="415080" y="1048120"/>
+            <a:ext cx="10972389" cy="966493"/>
+          </a:xfrm>
+          <a:prstGeom prst="rect">
+            <a:avLst/>
+          </a:prstGeom>
+          <a:noFill/>
+          <a:ln>
+            <a:noFill/>
+          </a:ln>
+        </p:spPr>
+        <p:txBody>
+          <a:bodyPr spcFirstLastPara="1" wrap="square" lIns="91425" tIns="45700" rIns="91425" bIns="45700" anchor="t" anchorCtr="0">
+            <a:noAutofit/>
+          </a:bodyPr>
+          <a:lstStyle/>
+          <a:p>
+            <a:pPr marL="0" lvl="0" indent="0" algn="l" rtl="0">
+              <a:lnSpc>
+                <a:spcPct val="100000"/>
+              </a:lnSpc>
+              <a:spcBef>
+                <a:spcPts val="0"/>
+              </a:spcBef>
+              <a:spcAft>
+                <a:spcPts val="0"/>
+              </a:spcAft>
+              <a:buClr>
+                <a:schemeClr val="dk2"/>
+              </a:buClr>
+              <a:buSzPts val="2800"/>
+              <a:buFont typeface="Arial"/>
+              <a:buNone/>
+            </a:pPr>
+            <a:r>
+              <a:rPr lang="en-US" sz="2800" dirty="0" err="1"/>
+              <a:t>Thuật</a:t>
+            </a:r>
+            <a:r>
+              <a:rPr lang="en-US" sz="2800" dirty="0"/>
+              <a:t> </a:t>
+            </a:r>
+            <a:r>
+              <a:rPr lang="en-US" sz="2800" dirty="0" err="1"/>
+              <a:t>toán</a:t>
+            </a:r>
+            <a:r>
+              <a:rPr lang="en-US" sz="2800" dirty="0"/>
+              <a:t> </a:t>
+            </a:r>
+            <a:r>
+              <a:rPr lang="en-US" sz="2800" dirty="0" err="1"/>
+              <a:t>nhận</a:t>
+            </a:r>
+            <a:r>
+              <a:rPr lang="en-US" sz="2800" dirty="0"/>
+              <a:t> </a:t>
+            </a:r>
+            <a:r>
+              <a:rPr lang="en-US" sz="2800" dirty="0" err="1"/>
+              <a:t>dạng</a:t>
+            </a:r>
+            <a:endParaRPr sz="2800" dirty="0"/>
+          </a:p>
+        </p:txBody>
+      </p:sp>
+      <p:sp>
+        <p:nvSpPr>
+          <p:cNvPr id="110" name="Google Shape;110;p3"/>
+          <p:cNvSpPr txBox="1"/>
+          <p:nvPr/>
+        </p:nvSpPr>
+        <p:spPr>
+          <a:xfrm>
+            <a:off x="1430374" y="4143141"/>
+            <a:ext cx="5249845" cy="2053378"/>
+          </a:xfrm>
+          <a:prstGeom prst="rect">
+            <a:avLst/>
+          </a:prstGeom>
+          <a:noFill/>
+          <a:ln>
+            <a:noFill/>
+          </a:ln>
+        </p:spPr>
+        <p:txBody>
+          <a:bodyPr spcFirstLastPara="1" wrap="square" lIns="91425" tIns="45700" rIns="91425" bIns="45700" anchor="t" anchorCtr="0">
+            <a:noAutofit/>
+          </a:bodyPr>
+          <a:lstStyle/>
+          <a:p>
+            <a:pPr marL="0" marR="0" lvl="0" indent="0" algn="l" rtl="0">
+              <a:lnSpc>
+                <a:spcPct val="100000"/>
+              </a:lnSpc>
+              <a:spcBef>
+                <a:spcPts val="0"/>
+              </a:spcBef>
+              <a:spcAft>
+                <a:spcPts val="0"/>
+              </a:spcAft>
+              <a:buClr>
+                <a:schemeClr val="dk2"/>
+              </a:buClr>
+              <a:buSzPts val="5400"/>
+              <a:buFont typeface="Arial"/>
+              <a:buNone/>
+            </a:pPr>
+            <a:endParaRPr sz="5400" b="1" i="0" u="none" strike="noStrike" cap="none">
+              <a:solidFill>
+                <a:schemeClr val="dk2"/>
+              </a:solidFill>
+              <a:latin typeface="Arial"/>
+              <a:ea typeface="Arial"/>
+              <a:cs typeface="Arial"/>
+              <a:sym typeface="Arial"/>
+            </a:endParaRPr>
+          </a:p>
+        </p:txBody>
+      </p:sp>
+      <p:pic>
+        <p:nvPicPr>
+          <p:cNvPr id="1028" name="Picture 4" descr="Không có mô tả.">
+            <a:extLst>
+              <a:ext uri="{FF2B5EF4-FFF2-40B4-BE49-F238E27FC236}">
+                <a16:creationId xmlns:a16="http://schemas.microsoft.com/office/drawing/2014/main" id="{656D84D5-D403-BF42-9829-0A01D8152014}"/>
+              </a:ext>
+            </a:extLst>
+          </p:cNvPr>
+          <p:cNvPicPr>
+            <a:picLocks noChangeAspect="1" noChangeArrowheads="1"/>
+          </p:cNvPicPr>
+          <p:nvPr/>
+        </p:nvPicPr>
+        <p:blipFill>
+          <a:blip r:embed="rId3">
+            <a:extLst>
+              <a:ext uri="{28A0092B-C50C-407E-A947-70E740481C1C}">
+                <a14:useLocalDpi xmlns:a14="http://schemas.microsoft.com/office/drawing/2010/main" val="0"/>
+              </a:ext>
+            </a:extLst>
+          </a:blip>
+          <a:srcRect/>
+          <a:stretch>
+            <a:fillRect/>
+          </a:stretch>
+        </p:blipFill>
+        <p:spPr bwMode="auto">
+          <a:xfrm>
+            <a:off x="1430374" y="1832939"/>
+            <a:ext cx="8188382" cy="4620404"/>
+          </a:xfrm>
+          <a:prstGeom prst="rect">
+            <a:avLst/>
+          </a:prstGeom>
+          <a:noFill/>
+          <a:extLst>
+            <a:ext uri="{909E8E84-426E-40DD-AFC4-6F175D3DCCD1}">
+              <a14:hiddenFill xmlns:a14="http://schemas.microsoft.com/office/drawing/2010/main">
+                <a:solidFill>
+                  <a:srgbClr val="FFFFFF"/>
+                </a:solidFill>
+              </a14:hiddenFill>
+            </a:ext>
+          </a:extLst>
+        </p:spPr>
+      </p:pic>
+    </p:spTree>
+    <p:extLst>
+      <p:ext uri="{BB962C8B-B14F-4D97-AF65-F5344CB8AC3E}">
+        <p14:creationId xmlns:p14="http://schemas.microsoft.com/office/powerpoint/2010/main" val="2255895549"/>
+      </p:ext>
+    </p:extLst>
+  </p:cSld>
+  <p:clrMapOvr>
+    <a:masterClrMapping/>
+  </p:clrMapOvr>
+  <mc:AlternateContent xmlns:mc="http://schemas.openxmlformats.org/markup-compatibility/2006" xmlns:p14="http://schemas.microsoft.com/office/powerpoint/2010/main">
+    <mc:Choice Requires="p14">
+      <p:transition spd="med" p14:dur="700">
+        <p:fade/>
+      </p:transition>
+    </mc:Choice>
+    <mc:Fallback xmlns="" xmlns:mv="urn:schemas-microsoft-com:mac:vml" xmlns:c="http://schemas.openxmlformats.org/drawingml/2006/chart" xmlns:dgm="http://schemas.openxmlformats.org/drawingml/2006/diagram" xmlns:o="urn:schemas-microsoft-com:office:office" xmlns:v="urn:schemas-microsoft-com:vml" xmlns:pvml="urn:schemas-microsoft-com:office:powerpoint" xmlns:com="http://schemas.openxmlformats.org/drawingml/2006/compatibility" xmlns:p15="http://schemas.microsoft.com/office/powerpoint/2012/main" xmlns:ahyp="http://schemas.microsoft.com/office/drawing/2018/hyperlinkcolor">
+      <p:transition spd="slow">
+        <p:fade/>
+      </p:transition>
+    </mc:Fallback>
+  </mc:AlternateContent>
+</p:sld>
+</file>
+
+<file path=ppt/slides/slide32.xml><?xml version="1.0" encoding="utf-8"?>
+<p:sld xmlns:a="http://schemas.openxmlformats.org/drawingml/2006/main" xmlns:r="http://schemas.openxmlformats.org/officeDocument/2006/relationships" xmlns:p="http://schemas.openxmlformats.org/presentationml/2006/main">
+  <p:cSld>
+    <p:spTree>
+      <p:nvGrpSpPr>
+        <p:cNvPr id="1" name="Shape 200"/>
+        <p:cNvGrpSpPr/>
+        <p:nvPr/>
+      </p:nvGrpSpPr>
+      <p:grpSpPr>
+        <a:xfrm>
+          <a:off x="0" y="0"/>
+          <a:ext cx="0" cy="0"/>
+          <a:chOff x="0" y="0"/>
+          <a:chExt cx="0" cy="0"/>
+        </a:xfrm>
+      </p:grpSpPr>
+      <p:sp>
+        <p:nvSpPr>
+          <p:cNvPr id="201" name="Google Shape;201;p31"/>
+          <p:cNvSpPr/>
+          <p:nvPr/>
+        </p:nvSpPr>
+        <p:spPr>
+          <a:xfrm>
+            <a:off x="492369" y="4454769"/>
+            <a:ext cx="5158154" cy="1406769"/>
+          </a:xfrm>
+          <a:prstGeom prst="rect">
+            <a:avLst/>
+          </a:prstGeom>
+          <a:solidFill>
+            <a:schemeClr val="lt1"/>
+          </a:solidFill>
+          <a:ln>
+            <a:noFill/>
+          </a:ln>
+        </p:spPr>
+        <p:txBody>
+          <a:bodyPr spcFirstLastPara="1" wrap="square" lIns="91425" tIns="45700" rIns="91425" bIns="45700" anchor="ctr" anchorCtr="0">
+            <a:noAutofit/>
+          </a:bodyPr>
+          <a:lstStyle/>
+          <a:p>
+            <a:pPr marL="0" marR="0" lvl="0" indent="0" algn="ctr" rtl="0">
+              <a:lnSpc>
+                <a:spcPct val="100000"/>
+              </a:lnSpc>
+              <a:spcBef>
+                <a:spcPts val="0"/>
+              </a:spcBef>
+              <a:spcAft>
+                <a:spcPts val="0"/>
+              </a:spcAft>
+              <a:buNone/>
+            </a:pPr>
+            <a:endParaRPr sz="1400" b="0" i="0" u="none" strike="noStrike" cap="none">
+              <a:solidFill>
+                <a:schemeClr val="lt1"/>
+              </a:solidFill>
+              <a:latin typeface="Arial"/>
+              <a:ea typeface="Arial"/>
+              <a:cs typeface="Arial"/>
+              <a:sym typeface="Arial"/>
+            </a:endParaRPr>
+          </a:p>
+        </p:txBody>
+      </p:sp>
+      <p:sp>
+        <p:nvSpPr>
+          <p:cNvPr id="202" name="Google Shape;202;p31"/>
+          <p:cNvSpPr txBox="1">
+            <a:spLocks noGrp="1"/>
+          </p:cNvSpPr>
+          <p:nvPr>
+            <p:ph type="ctrTitle"/>
+          </p:nvPr>
+        </p:nvSpPr>
+        <p:spPr>
+          <a:xfrm>
+            <a:off x="350813" y="2036861"/>
+            <a:ext cx="8507437" cy="1780759"/>
+          </a:xfrm>
+          <a:prstGeom prst="rect">
+            <a:avLst/>
+          </a:prstGeom>
+          <a:noFill/>
+          <a:ln>
+            <a:noFill/>
+          </a:ln>
+        </p:spPr>
+        <p:txBody>
+          <a:bodyPr spcFirstLastPara="1" wrap="square" lIns="0" tIns="45700" rIns="91425" bIns="45700" anchor="b" anchorCtr="0">
+            <a:noAutofit/>
+          </a:bodyPr>
+          <a:lstStyle/>
+          <a:p>
+            <a:pPr marL="0" lvl="0" indent="0" algn="l" rtl="0">
+              <a:lnSpc>
+                <a:spcPct val="100000"/>
+              </a:lnSpc>
+              <a:spcBef>
+                <a:spcPts val="0"/>
+              </a:spcBef>
+              <a:spcAft>
+                <a:spcPts val="0"/>
+              </a:spcAft>
+              <a:buSzPts val="6000"/>
+              <a:buNone/>
+            </a:pPr>
+            <a:r>
+              <a:rPr lang="en-US" sz="5400" dirty="0"/>
+              <a:t>2. KẾT QUẢ TRUNG GIAN</a:t>
+            </a:r>
+            <a:endParaRPr sz="5400" dirty="0"/>
+          </a:p>
+        </p:txBody>
+      </p:sp>
+    </p:spTree>
+    <p:extLst>
+      <p:ext uri="{BB962C8B-B14F-4D97-AF65-F5344CB8AC3E}">
+        <p14:creationId xmlns:p14="http://schemas.microsoft.com/office/powerpoint/2010/main" val="2485771623"/>
+      </p:ext>
+    </p:extLst>
+  </p:cSld>
+  <p:clrMapOvr>
+    <a:masterClrMapping/>
+  </p:clrMapOvr>
+  <mc:AlternateContent xmlns:mc="http://schemas.openxmlformats.org/markup-compatibility/2006" xmlns:p14="http://schemas.microsoft.com/office/powerpoint/2010/main">
+    <mc:Choice Requires="p14">
+      <p:transition spd="med" p14:dur="700">
+        <p:fade/>
+      </p:transition>
+    </mc:Choice>
+    <mc:Fallback xmlns="" xmlns:mv="urn:schemas-microsoft-com:mac:vml" xmlns:c="http://schemas.openxmlformats.org/drawingml/2006/chart" xmlns:dgm="http://schemas.openxmlformats.org/drawingml/2006/diagram" xmlns:o="urn:schemas-microsoft-com:office:office" xmlns:v="urn:schemas-microsoft-com:vml" xmlns:pvml="urn:schemas-microsoft-com:office:powerpoint" xmlns:com="http://schemas.openxmlformats.org/drawingml/2006/compatibility" xmlns:p15="http://schemas.microsoft.com/office/powerpoint/2012/main" xmlns:ahyp="http://schemas.microsoft.com/office/drawing/2018/hyperlinkcolor">
+      <p:transition spd="slow">
+        <p:fade/>
+      </p:transition>
+    </mc:Fallback>
+  </mc:AlternateContent>
+</p:sld>
+</file>
+
+<file path=ppt/slides/slide33.xml><?xml version="1.0" encoding="utf-8"?>
+<p:sld xmlns:a="http://schemas.openxmlformats.org/drawingml/2006/main" xmlns:r="http://schemas.openxmlformats.org/officeDocument/2006/relationships" xmlns:p="http://schemas.openxmlformats.org/presentationml/2006/main">
+  <p:cSld>
+    <p:spTree>
+      <p:nvGrpSpPr>
+        <p:cNvPr id="1" name="Shape 115"/>
+        <p:cNvGrpSpPr/>
+        <p:nvPr/>
+      </p:nvGrpSpPr>
+      <p:grpSpPr>
+        <a:xfrm>
+          <a:off x="0" y="0"/>
+          <a:ext cx="0" cy="0"/>
+          <a:chOff x="0" y="0"/>
+          <a:chExt cx="0" cy="0"/>
+        </a:xfrm>
+      </p:grpSpPr>
+      <p:sp>
+        <p:nvSpPr>
+          <p:cNvPr id="116" name="Google Shape;116;p4"/>
+          <p:cNvSpPr txBox="1">
+            <a:spLocks noGrp="1"/>
+          </p:cNvSpPr>
+          <p:nvPr>
+            <p:ph type="body" idx="1"/>
+          </p:nvPr>
+        </p:nvSpPr>
+        <p:spPr>
+          <a:xfrm>
+            <a:off x="451028" y="2045970"/>
+            <a:ext cx="6951600" cy="4190406"/>
+          </a:xfrm>
+          <a:prstGeom prst="rect">
+            <a:avLst/>
+          </a:prstGeom>
+          <a:noFill/>
+          <a:ln>
+            <a:noFill/>
+          </a:ln>
+        </p:spPr>
+        <p:txBody>
+          <a:bodyPr spcFirstLastPara="1" wrap="square" lIns="91425" tIns="45700" rIns="91425" bIns="45700" anchor="t" anchorCtr="0">
+            <a:noAutofit/>
+          </a:bodyPr>
+          <a:lstStyle/>
+          <a:p>
+            <a:pPr marL="0" lvl="0" indent="0" algn="l" rtl="0">
+              <a:lnSpc>
+                <a:spcPct val="130000"/>
+              </a:lnSpc>
+              <a:spcBef>
+                <a:spcPts val="600"/>
+              </a:spcBef>
+              <a:spcAft>
+                <a:spcPts val="0"/>
+              </a:spcAft>
+              <a:buNone/>
+            </a:pPr>
+            <a:endParaRPr dirty="0">
+              <a:solidFill>
+                <a:srgbClr val="000000"/>
+              </a:solidFill>
+            </a:endParaRPr>
+          </a:p>
+          <a:p>
+            <a:pPr marL="228600" lvl="0" indent="-91440" algn="l" rtl="0">
+              <a:lnSpc>
+                <a:spcPct val="130000"/>
+              </a:lnSpc>
+              <a:spcBef>
+                <a:spcPts val="600"/>
+              </a:spcBef>
+              <a:spcAft>
+                <a:spcPts val="0"/>
+              </a:spcAft>
+              <a:buSzPts val="2160"/>
+              <a:buNone/>
+            </a:pPr>
+            <a:endParaRPr dirty="0">
+              <a:solidFill>
+                <a:srgbClr val="000000"/>
+              </a:solidFill>
+            </a:endParaRPr>
+          </a:p>
+        </p:txBody>
+      </p:sp>
+      <p:sp>
+        <p:nvSpPr>
+          <p:cNvPr id="117" name="Google Shape;117;p4"/>
+          <p:cNvSpPr txBox="1">
+            <a:spLocks noGrp="1"/>
+          </p:cNvSpPr>
+          <p:nvPr>
+            <p:ph type="title"/>
+          </p:nvPr>
+        </p:nvSpPr>
+        <p:spPr>
+          <a:xfrm>
+            <a:off x="132738" y="882357"/>
+            <a:ext cx="7874440" cy="590931"/>
+          </a:xfrm>
+          <a:prstGeom prst="rect">
+            <a:avLst/>
+          </a:prstGeom>
+          <a:noFill/>
+          <a:ln>
+            <a:noFill/>
+          </a:ln>
+        </p:spPr>
+        <p:txBody>
+          <a:bodyPr spcFirstLastPara="1" wrap="square" lIns="91425" tIns="45700" rIns="91425" bIns="45700" anchor="t" anchorCtr="0">
+            <a:noAutofit/>
+          </a:bodyPr>
+          <a:lstStyle/>
+          <a:p>
+            <a:pPr marL="0" lvl="0" indent="0" algn="l" rtl="0">
+              <a:lnSpc>
+                <a:spcPct val="100000"/>
+              </a:lnSpc>
+              <a:spcBef>
+                <a:spcPts val="0"/>
+              </a:spcBef>
+              <a:spcAft>
+                <a:spcPts val="0"/>
+              </a:spcAft>
+              <a:buClr>
+                <a:schemeClr val="dk2"/>
+              </a:buClr>
+              <a:buSzPts val="2800"/>
+              <a:buFont typeface="Arial"/>
+              <a:buNone/>
+            </a:pPr>
+            <a:r>
+              <a:rPr lang="en-US" sz="2800" dirty="0" err="1"/>
+              <a:t>Xuất</a:t>
+            </a:r>
+            <a:r>
+              <a:rPr lang="en-US" sz="2800" dirty="0"/>
+              <a:t> </a:t>
+            </a:r>
+            <a:r>
+              <a:rPr lang="en-US" sz="2800" dirty="0" err="1"/>
+              <a:t>kết</a:t>
+            </a:r>
+            <a:r>
+              <a:rPr lang="en-US" sz="2800" dirty="0"/>
+              <a:t> </a:t>
+            </a:r>
+            <a:r>
+              <a:rPr lang="en-US" sz="2800" dirty="0" err="1"/>
+              <a:t>quả</a:t>
+            </a:r>
+            <a:r>
+              <a:rPr lang="en-US" sz="2800" dirty="0"/>
+              <a:t> </a:t>
+            </a:r>
+            <a:r>
+              <a:rPr lang="en-US" sz="2800" dirty="0" err="1"/>
+              <a:t>trung</a:t>
+            </a:r>
+            <a:r>
+              <a:rPr lang="en-US" sz="2800" dirty="0"/>
+              <a:t> </a:t>
+            </a:r>
+            <a:r>
+              <a:rPr lang="en-US" sz="2800" dirty="0" err="1"/>
+              <a:t>gian</a:t>
+            </a:r>
+            <a:r>
+              <a:rPr lang="en-US" sz="2800" dirty="0"/>
+              <a:t> </a:t>
+            </a:r>
+            <a:r>
+              <a:rPr lang="en-US" sz="2800" dirty="0" err="1"/>
+              <a:t>nhận</a:t>
+            </a:r>
+            <a:r>
+              <a:rPr lang="en-US" sz="2800" dirty="0"/>
+              <a:t> </a:t>
+            </a:r>
+            <a:r>
+              <a:rPr lang="en-US" sz="2800" dirty="0" err="1"/>
+              <a:t>dạng</a:t>
+            </a:r>
+            <a:endParaRPr sz="2800" dirty="0"/>
+          </a:p>
+        </p:txBody>
+      </p:sp>
+      <p:pic>
+        <p:nvPicPr>
+          <p:cNvPr id="5124" name="Picture 4" descr="Không có mô tả.">
+            <a:extLst>
+              <a:ext uri="{FF2B5EF4-FFF2-40B4-BE49-F238E27FC236}">
+                <a16:creationId xmlns:a16="http://schemas.microsoft.com/office/drawing/2014/main" id="{D0595E11-ADAB-E64F-8276-E3B7FA3F1DAA}"/>
+              </a:ext>
+            </a:extLst>
+          </p:cNvPr>
+          <p:cNvPicPr>
+            <a:picLocks noChangeAspect="1" noChangeArrowheads="1"/>
+          </p:cNvPicPr>
+          <p:nvPr/>
+        </p:nvPicPr>
+        <p:blipFill>
+          <a:blip r:embed="rId3">
+            <a:extLst>
+              <a:ext uri="{28A0092B-C50C-407E-A947-70E740481C1C}">
+                <a14:useLocalDpi xmlns:a14="http://schemas.microsoft.com/office/drawing/2010/main" val="0"/>
+              </a:ext>
+            </a:extLst>
+          </a:blip>
+          <a:srcRect/>
+          <a:stretch>
+            <a:fillRect/>
+          </a:stretch>
+        </p:blipFill>
+        <p:spPr bwMode="auto">
+          <a:xfrm>
+            <a:off x="2269265" y="1334530"/>
+            <a:ext cx="6281610" cy="5474527"/>
+          </a:xfrm>
+          <a:prstGeom prst="rect">
+            <a:avLst/>
+          </a:prstGeom>
+          <a:noFill/>
+          <a:extLst>
+            <a:ext uri="{909E8E84-426E-40DD-AFC4-6F175D3DCCD1}">
+              <a14:hiddenFill xmlns:a14="http://schemas.microsoft.com/office/drawing/2010/main">
+                <a:solidFill>
+                  <a:srgbClr val="FFFFFF"/>
+                </a:solidFill>
+              </a14:hiddenFill>
+            </a:ext>
+          </a:extLst>
+        </p:spPr>
+      </p:pic>
+    </p:spTree>
+    <p:extLst>
+      <p:ext uri="{BB962C8B-B14F-4D97-AF65-F5344CB8AC3E}">
+        <p14:creationId xmlns:p14="http://schemas.microsoft.com/office/powerpoint/2010/main" val="1173898179"/>
+      </p:ext>
+    </p:extLst>
+  </p:cSld>
+  <p:clrMapOvr>
+    <a:masterClrMapping/>
+  </p:clrMapOvr>
+</p:sld>
+</file>
+
+<file path=ppt/slides/slide34.xml><?xml version="1.0" encoding="utf-8"?>
+<p:sld xmlns:a="http://schemas.openxmlformats.org/drawingml/2006/main" xmlns:r="http://schemas.openxmlformats.org/officeDocument/2006/relationships" xmlns:p="http://schemas.openxmlformats.org/presentationml/2006/main">
+  <p:cSld>
+    <p:spTree>
+      <p:nvGrpSpPr>
+        <p:cNvPr id="1" name="Shape 115"/>
+        <p:cNvGrpSpPr/>
+        <p:nvPr/>
+      </p:nvGrpSpPr>
+      <p:grpSpPr>
+        <a:xfrm>
+          <a:off x="0" y="0"/>
+          <a:ext cx="0" cy="0"/>
+          <a:chOff x="0" y="0"/>
+          <a:chExt cx="0" cy="0"/>
+        </a:xfrm>
+      </p:grpSpPr>
+      <p:sp>
+        <p:nvSpPr>
+          <p:cNvPr id="116" name="Google Shape;116;p4"/>
+          <p:cNvSpPr txBox="1">
+            <a:spLocks noGrp="1"/>
+          </p:cNvSpPr>
+          <p:nvPr>
+            <p:ph type="body" idx="1"/>
+          </p:nvPr>
+        </p:nvSpPr>
+        <p:spPr>
+          <a:xfrm>
+            <a:off x="451028" y="2045970"/>
+            <a:ext cx="6951600" cy="4190406"/>
+          </a:xfrm>
+          <a:prstGeom prst="rect">
+            <a:avLst/>
+          </a:prstGeom>
+          <a:noFill/>
+          <a:ln>
+            <a:noFill/>
+          </a:ln>
+        </p:spPr>
+        <p:txBody>
+          <a:bodyPr spcFirstLastPara="1" wrap="square" lIns="91425" tIns="45700" rIns="91425" bIns="45700" anchor="t" anchorCtr="0">
+            <a:noAutofit/>
+          </a:bodyPr>
+          <a:lstStyle/>
+          <a:p>
+            <a:pPr marL="0" lvl="0" indent="0" algn="l" rtl="0">
+              <a:lnSpc>
+                <a:spcPct val="130000"/>
+              </a:lnSpc>
+              <a:spcBef>
+                <a:spcPts val="600"/>
+              </a:spcBef>
+              <a:spcAft>
+                <a:spcPts val="0"/>
+              </a:spcAft>
+              <a:buNone/>
+            </a:pPr>
+            <a:endParaRPr dirty="0">
+              <a:solidFill>
+                <a:srgbClr val="000000"/>
+              </a:solidFill>
+            </a:endParaRPr>
+          </a:p>
+          <a:p>
+            <a:pPr marL="228600" lvl="0" indent="-91440" algn="l" rtl="0">
+              <a:lnSpc>
+                <a:spcPct val="130000"/>
+              </a:lnSpc>
+              <a:spcBef>
+                <a:spcPts val="600"/>
+              </a:spcBef>
+              <a:spcAft>
+                <a:spcPts val="0"/>
+              </a:spcAft>
+              <a:buSzPts val="2160"/>
+              <a:buNone/>
+            </a:pPr>
+            <a:endParaRPr dirty="0">
+              <a:solidFill>
+                <a:srgbClr val="000000"/>
+              </a:solidFill>
+            </a:endParaRPr>
+          </a:p>
+        </p:txBody>
+      </p:sp>
+      <p:sp>
+        <p:nvSpPr>
+          <p:cNvPr id="117" name="Google Shape;117;p4"/>
+          <p:cNvSpPr txBox="1">
+            <a:spLocks noGrp="1"/>
+          </p:cNvSpPr>
+          <p:nvPr>
+            <p:ph type="title"/>
+          </p:nvPr>
+        </p:nvSpPr>
+        <p:spPr>
+          <a:xfrm>
+            <a:off x="145095" y="931300"/>
+            <a:ext cx="7874440" cy="590931"/>
+          </a:xfrm>
+          <a:prstGeom prst="rect">
+            <a:avLst/>
+          </a:prstGeom>
+          <a:noFill/>
+          <a:ln>
+            <a:noFill/>
+          </a:ln>
+        </p:spPr>
+        <p:txBody>
+          <a:bodyPr spcFirstLastPara="1" wrap="square" lIns="91425" tIns="45700" rIns="91425" bIns="45700" anchor="t" anchorCtr="0">
+            <a:noAutofit/>
+          </a:bodyPr>
+          <a:lstStyle/>
+          <a:p>
+            <a:pPr marL="0" lvl="0" indent="0" algn="l" rtl="0">
+              <a:lnSpc>
+                <a:spcPct val="100000"/>
+              </a:lnSpc>
+              <a:spcBef>
+                <a:spcPts val="0"/>
+              </a:spcBef>
+              <a:spcAft>
+                <a:spcPts val="0"/>
+              </a:spcAft>
+              <a:buClr>
+                <a:schemeClr val="dk2"/>
+              </a:buClr>
+              <a:buSzPts val="2800"/>
+              <a:buFont typeface="Arial"/>
+              <a:buNone/>
+            </a:pPr>
+            <a:r>
+              <a:rPr lang="en-US" sz="2800" dirty="0"/>
+              <a:t>Ma </a:t>
+            </a:r>
+            <a:r>
+              <a:rPr lang="en-US" sz="2800" dirty="0" err="1"/>
+              <a:t>trận</a:t>
+            </a:r>
+            <a:r>
+              <a:rPr lang="en-US" sz="2800" dirty="0"/>
+              <a:t> </a:t>
+            </a:r>
+            <a:r>
+              <a:rPr lang="en-US" sz="2800" dirty="0" err="1"/>
+              <a:t>nhầm</a:t>
+            </a:r>
+            <a:r>
+              <a:rPr lang="en-US" sz="2800" dirty="0"/>
+              <a:t> </a:t>
+            </a:r>
+            <a:r>
+              <a:rPr lang="en-US" sz="2800" dirty="0" err="1"/>
+              <a:t>lẫn</a:t>
+            </a:r>
+            <a:r>
+              <a:rPr lang="en-US" sz="2800" dirty="0"/>
+              <a:t> </a:t>
+            </a:r>
+            <a:r>
+              <a:rPr lang="en-US" sz="2800" dirty="0" err="1"/>
+              <a:t>với</a:t>
+            </a:r>
+            <a:r>
+              <a:rPr lang="en-US" sz="2800" dirty="0"/>
+              <a:t> </a:t>
+            </a:r>
+            <a:r>
+              <a:rPr lang="en-US" sz="2800" dirty="0" err="1"/>
+              <a:t>k,N</a:t>
+            </a:r>
+            <a:r>
+              <a:rPr lang="en-US" sz="2800" dirty="0"/>
+              <a:t> </a:t>
+            </a:r>
+            <a:r>
+              <a:rPr lang="en-US" sz="2800" dirty="0" err="1"/>
+              <a:t>chính</a:t>
+            </a:r>
+            <a:r>
+              <a:rPr lang="en-US" sz="2800" dirty="0"/>
+              <a:t> </a:t>
+            </a:r>
+            <a:r>
+              <a:rPr lang="en-US" sz="2800" dirty="0" err="1"/>
+              <a:t>xác</a:t>
+            </a:r>
+            <a:r>
+              <a:rPr lang="en-US" sz="2800" dirty="0"/>
+              <a:t> </a:t>
+            </a:r>
+            <a:r>
+              <a:rPr lang="en-US" sz="2800" dirty="0" err="1"/>
+              <a:t>cao</a:t>
+            </a:r>
+            <a:r>
+              <a:rPr lang="en-US" sz="2800" dirty="0"/>
+              <a:t> </a:t>
+            </a:r>
+            <a:r>
+              <a:rPr lang="en-US" sz="2800" dirty="0" err="1"/>
+              <a:t>nhất</a:t>
+            </a:r>
+            <a:endParaRPr sz="2800" dirty="0"/>
+          </a:p>
+        </p:txBody>
+      </p:sp>
+      <p:pic>
+        <p:nvPicPr>
+          <p:cNvPr id="4100" name="Picture 4" descr="Không có mô tả.">
+            <a:extLst>
+              <a:ext uri="{FF2B5EF4-FFF2-40B4-BE49-F238E27FC236}">
+                <a16:creationId xmlns:a16="http://schemas.microsoft.com/office/drawing/2014/main" id="{8D7AED57-FCFC-A444-8732-3A1D7B31F6FD}"/>
+              </a:ext>
+            </a:extLst>
+          </p:cNvPr>
+          <p:cNvPicPr>
+            <a:picLocks noChangeAspect="1" noChangeArrowheads="1"/>
+          </p:cNvPicPr>
+          <p:nvPr/>
+        </p:nvPicPr>
+        <p:blipFill>
+          <a:blip r:embed="rId3">
+            <a:extLst>
+              <a:ext uri="{28A0092B-C50C-407E-A947-70E740481C1C}">
+                <a14:useLocalDpi xmlns:a14="http://schemas.microsoft.com/office/drawing/2010/main" val="0"/>
+              </a:ext>
+            </a:extLst>
+          </a:blip>
+          <a:srcRect/>
+          <a:stretch>
+            <a:fillRect/>
+          </a:stretch>
+        </p:blipFill>
+        <p:spPr bwMode="auto">
+          <a:xfrm>
+            <a:off x="1012225" y="1740576"/>
+            <a:ext cx="9525000" cy="4495800"/>
+          </a:xfrm>
+          <a:prstGeom prst="rect">
+            <a:avLst/>
+          </a:prstGeom>
+          <a:noFill/>
+          <a:extLst>
+            <a:ext uri="{909E8E84-426E-40DD-AFC4-6F175D3DCCD1}">
+              <a14:hiddenFill xmlns:a14="http://schemas.microsoft.com/office/drawing/2010/main">
+                <a:solidFill>
+                  <a:srgbClr val="FFFFFF"/>
+                </a:solidFill>
+              </a14:hiddenFill>
+            </a:ext>
+          </a:extLst>
+        </p:spPr>
+      </p:pic>
+    </p:spTree>
+    <p:extLst>
+      <p:ext uri="{BB962C8B-B14F-4D97-AF65-F5344CB8AC3E}">
+        <p14:creationId xmlns:p14="http://schemas.microsoft.com/office/powerpoint/2010/main" val="996173250"/>
+      </p:ext>
+    </p:extLst>
+  </p:cSld>
+  <p:clrMapOvr>
+    <a:masterClrMapping/>
+  </p:clrMapOvr>
+</p:sld>
+</file>
+
+<file path=ppt/slides/slide35.xml><?xml version="1.0" encoding="utf-8"?>
+<p:sld xmlns:a="http://schemas.openxmlformats.org/drawingml/2006/main" xmlns:r="http://schemas.openxmlformats.org/officeDocument/2006/relationships" xmlns:p="http://schemas.openxmlformats.org/presentationml/2006/main">
+  <p:cSld>
+    <p:spTree>
+      <p:nvGrpSpPr>
+        <p:cNvPr id="1" name="Shape 115"/>
+        <p:cNvGrpSpPr/>
+        <p:nvPr/>
+      </p:nvGrpSpPr>
+      <p:grpSpPr>
+        <a:xfrm>
+          <a:off x="0" y="0"/>
+          <a:ext cx="0" cy="0"/>
+          <a:chOff x="0" y="0"/>
+          <a:chExt cx="0" cy="0"/>
+        </a:xfrm>
+      </p:grpSpPr>
+      <p:sp>
+        <p:nvSpPr>
+          <p:cNvPr id="116" name="Google Shape;116;p4"/>
+          <p:cNvSpPr txBox="1">
+            <a:spLocks noGrp="1"/>
+          </p:cNvSpPr>
+          <p:nvPr>
+            <p:ph type="body" idx="1"/>
+          </p:nvPr>
+        </p:nvSpPr>
+        <p:spPr>
+          <a:xfrm>
+            <a:off x="451028" y="2045970"/>
+            <a:ext cx="6951600" cy="4190406"/>
+          </a:xfrm>
+          <a:prstGeom prst="rect">
+            <a:avLst/>
+          </a:prstGeom>
+          <a:noFill/>
+          <a:ln>
+            <a:noFill/>
+          </a:ln>
+        </p:spPr>
+        <p:txBody>
+          <a:bodyPr spcFirstLastPara="1" wrap="square" lIns="91425" tIns="45700" rIns="91425" bIns="45700" anchor="t" anchorCtr="0">
+            <a:noAutofit/>
+          </a:bodyPr>
+          <a:lstStyle/>
+          <a:p>
+            <a:pPr marL="0" lvl="0" indent="0" algn="l" rtl="0">
+              <a:lnSpc>
+                <a:spcPct val="130000"/>
+              </a:lnSpc>
+              <a:spcBef>
+                <a:spcPts val="600"/>
+              </a:spcBef>
+              <a:spcAft>
+                <a:spcPts val="0"/>
+              </a:spcAft>
+              <a:buNone/>
+            </a:pPr>
+            <a:endParaRPr dirty="0">
+              <a:solidFill>
+                <a:srgbClr val="000000"/>
+              </a:solidFill>
+            </a:endParaRPr>
+          </a:p>
+          <a:p>
+            <a:pPr marL="228600" lvl="0" indent="-91440" algn="l" rtl="0">
+              <a:lnSpc>
+                <a:spcPct val="130000"/>
+              </a:lnSpc>
+              <a:spcBef>
+                <a:spcPts val="600"/>
+              </a:spcBef>
+              <a:spcAft>
+                <a:spcPts val="0"/>
+              </a:spcAft>
+              <a:buSzPts val="2160"/>
+              <a:buNone/>
+            </a:pPr>
+            <a:endParaRPr dirty="0">
+              <a:solidFill>
+                <a:srgbClr val="000000"/>
+              </a:solidFill>
+            </a:endParaRPr>
+          </a:p>
+        </p:txBody>
+      </p:sp>
+      <p:sp>
+        <p:nvSpPr>
+          <p:cNvPr id="117" name="Google Shape;117;p4"/>
+          <p:cNvSpPr txBox="1">
+            <a:spLocks noGrp="1"/>
+          </p:cNvSpPr>
+          <p:nvPr>
+            <p:ph type="title"/>
+          </p:nvPr>
+        </p:nvSpPr>
+        <p:spPr>
+          <a:xfrm>
+            <a:off x="145095" y="931300"/>
+            <a:ext cx="7874440" cy="590931"/>
+          </a:xfrm>
+          <a:prstGeom prst="rect">
+            <a:avLst/>
+          </a:prstGeom>
+          <a:noFill/>
+          <a:ln>
+            <a:noFill/>
+          </a:ln>
+        </p:spPr>
+        <p:txBody>
+          <a:bodyPr spcFirstLastPara="1" wrap="square" lIns="91425" tIns="45700" rIns="91425" bIns="45700" anchor="t" anchorCtr="0">
+            <a:noAutofit/>
+          </a:bodyPr>
+          <a:lstStyle/>
+          <a:p>
+            <a:pPr marL="0" lvl="0" indent="0" algn="l" rtl="0">
+              <a:lnSpc>
+                <a:spcPct val="100000"/>
+              </a:lnSpc>
+              <a:spcBef>
+                <a:spcPts val="0"/>
+              </a:spcBef>
+              <a:spcAft>
+                <a:spcPts val="0"/>
+              </a:spcAft>
+              <a:buClr>
+                <a:schemeClr val="dk2"/>
+              </a:buClr>
+              <a:buSzPts val="2800"/>
+              <a:buFont typeface="Arial"/>
+              <a:buNone/>
+            </a:pPr>
+            <a:r>
+              <a:rPr lang="en-US" sz="2800" dirty="0"/>
+              <a:t>So </a:t>
+            </a:r>
+            <a:r>
+              <a:rPr lang="en-US" sz="2800" dirty="0" err="1"/>
+              <a:t>sánh</a:t>
+            </a:r>
+            <a:r>
+              <a:rPr lang="en-US" sz="2800" dirty="0"/>
+              <a:t> FFT </a:t>
+            </a:r>
+            <a:r>
+              <a:rPr lang="en-US" sz="2800" dirty="0" err="1"/>
+              <a:t>với</a:t>
+            </a:r>
+            <a:r>
+              <a:rPr lang="en-US" sz="2800" dirty="0"/>
+              <a:t> MFCC</a:t>
+            </a:r>
+            <a:endParaRPr sz="2800" dirty="0"/>
+          </a:p>
+        </p:txBody>
+      </p:sp>
+      <p:pic>
+        <p:nvPicPr>
+          <p:cNvPr id="2" name="Picture 1">
+            <a:extLst>
+              <a:ext uri="{FF2B5EF4-FFF2-40B4-BE49-F238E27FC236}">
+                <a16:creationId xmlns:a16="http://schemas.microsoft.com/office/drawing/2014/main" id="{3999E1EB-1892-C64B-870C-30BB89AD925F}"/>
+              </a:ext>
+            </a:extLst>
+          </p:cNvPr>
+          <p:cNvPicPr>
+            <a:picLocks noChangeAspect="1"/>
+          </p:cNvPicPr>
+          <p:nvPr/>
+        </p:nvPicPr>
+        <p:blipFill>
+          <a:blip r:embed="rId3"/>
+          <a:stretch>
+            <a:fillRect/>
+          </a:stretch>
+        </p:blipFill>
+        <p:spPr>
+          <a:xfrm>
+            <a:off x="1248032" y="1522230"/>
+            <a:ext cx="8701595" cy="3939455"/>
+          </a:xfrm>
+          <a:prstGeom prst="rect">
+            <a:avLst/>
+          </a:prstGeom>
+        </p:spPr>
+      </p:pic>
+      <p:sp>
+        <p:nvSpPr>
+          <p:cNvPr id="6" name="TextBox 5">
+            <a:extLst>
+              <a:ext uri="{FF2B5EF4-FFF2-40B4-BE49-F238E27FC236}">
+                <a16:creationId xmlns:a16="http://schemas.microsoft.com/office/drawing/2014/main" id="{3F2558D7-ABD4-584B-8C5D-CEFEC18B61F4}"/>
+              </a:ext>
+            </a:extLst>
+          </p:cNvPr>
+          <p:cNvSpPr txBox="1"/>
+          <p:nvPr/>
+        </p:nvSpPr>
+        <p:spPr>
+          <a:xfrm>
+            <a:off x="451028" y="5815547"/>
+            <a:ext cx="9026604" cy="861774"/>
+          </a:xfrm>
+          <a:prstGeom prst="rect">
+            <a:avLst/>
+          </a:prstGeom>
+          <a:noFill/>
+        </p:spPr>
+        <p:txBody>
+          <a:bodyPr wrap="square" rtlCol="0">
+            <a:spAutoFit/>
+          </a:bodyPr>
+          <a:lstStyle/>
+          <a:p>
+            <a:r>
+              <a:rPr lang="en-VN" sz="2500" dirty="0">
+                <a:solidFill>
+                  <a:schemeClr val="bg2">
+                    <a:lumMod val="50000"/>
+                  </a:schemeClr>
+                </a:solidFill>
+                <a:sym typeface="Wingdings" pitchFamily="2" charset="2"/>
+              </a:rPr>
+              <a:t> Đặc trưng MFCC cho ra kết quả phù hợp để nhận dạng nguyên âm.</a:t>
+            </a:r>
+            <a:endParaRPr lang="en-VN" sz="2500" b="1" dirty="0">
+              <a:solidFill>
+                <a:schemeClr val="bg2">
+                  <a:lumMod val="50000"/>
+                </a:schemeClr>
+              </a:solidFill>
+            </a:endParaRPr>
+          </a:p>
+        </p:txBody>
+      </p:sp>
+    </p:spTree>
+    <p:extLst>
+      <p:ext uri="{BB962C8B-B14F-4D97-AF65-F5344CB8AC3E}">
+        <p14:creationId xmlns:p14="http://schemas.microsoft.com/office/powerpoint/2010/main" val="3111769773"/>
+      </p:ext>
+    </p:extLst>
+  </p:cSld>
+  <p:clrMapOvr>
+    <a:masterClrMapping/>
+  </p:clrMapOvr>
+</p:sld>
+</file>
+
+<file path=ppt/slides/slide36.xml><?xml version="1.0" encoding="utf-8"?>
+<p:sld xmlns:a="http://schemas.openxmlformats.org/drawingml/2006/main" xmlns:r="http://schemas.openxmlformats.org/officeDocument/2006/relationships" xmlns:p="http://schemas.openxmlformats.org/presentationml/2006/main">
+  <p:cSld>
+    <p:spTree>
+      <p:nvGrpSpPr>
+        <p:cNvPr id="1" name="Shape 94"/>
+        <p:cNvGrpSpPr/>
+        <p:nvPr/>
+      </p:nvGrpSpPr>
+      <p:grpSpPr>
+        <a:xfrm>
+          <a:off x="0" y="0"/>
+          <a:ext cx="0" cy="0"/>
+          <a:chOff x="0" y="0"/>
+          <a:chExt cx="0" cy="0"/>
+        </a:xfrm>
+      </p:grpSpPr>
+      <p:sp>
+        <p:nvSpPr>
+          <p:cNvPr id="95" name="Google Shape;95;p1"/>
+          <p:cNvSpPr txBox="1">
+            <a:spLocks noGrp="1"/>
+          </p:cNvSpPr>
+          <p:nvPr>
+            <p:ph type="ctrTitle"/>
+          </p:nvPr>
+        </p:nvSpPr>
+        <p:spPr>
+          <a:xfrm>
+            <a:off x="125620" y="2175826"/>
+            <a:ext cx="10192272" cy="2656702"/>
+          </a:xfrm>
+          <a:prstGeom prst="rect">
+            <a:avLst/>
+          </a:prstGeom>
+          <a:noFill/>
+          <a:ln>
+            <a:noFill/>
+          </a:ln>
+        </p:spPr>
+        <p:txBody>
+          <a:bodyPr spcFirstLastPara="1" wrap="square" lIns="0" tIns="45700" rIns="91425" bIns="45700" anchor="b" anchorCtr="0">
+            <a:noAutofit/>
+          </a:bodyPr>
+          <a:lstStyle/>
+          <a:p>
+            <a:pPr marL="0" lvl="0" indent="0" algn="l" rtl="0">
+              <a:lnSpc>
+                <a:spcPct val="150000"/>
+              </a:lnSpc>
+              <a:spcBef>
+                <a:spcPts val="0"/>
+              </a:spcBef>
+              <a:spcAft>
+                <a:spcPts val="0"/>
+              </a:spcAft>
+              <a:buClr>
+                <a:schemeClr val="lt1"/>
+              </a:buClr>
+              <a:buSzPts val="3600"/>
+              <a:buFont typeface="Arial"/>
+              <a:buNone/>
+            </a:pPr>
+            <a:r>
+              <a:rPr lang="en-US" sz="5000" dirty="0" err="1"/>
+              <a:t>Phần</a:t>
+            </a:r>
+            <a:r>
+              <a:rPr lang="en-US" sz="5000" dirty="0"/>
+              <a:t> 5: TỔNG KẾT VÀ KẾT LUẬN. </a:t>
+            </a:r>
+            <a:endParaRPr sz="5000" dirty="0"/>
+          </a:p>
+        </p:txBody>
+      </p:sp>
+      <p:sp>
+        <p:nvSpPr>
+          <p:cNvPr id="96" name="Google Shape;96;p1"/>
+          <p:cNvSpPr/>
+          <p:nvPr/>
+        </p:nvSpPr>
+        <p:spPr>
+          <a:xfrm>
+            <a:off x="394070" y="4832528"/>
+            <a:ext cx="5766585" cy="894017"/>
+          </a:xfrm>
+          <a:prstGeom prst="rect">
+            <a:avLst/>
+          </a:prstGeom>
+          <a:solidFill>
+            <a:schemeClr val="accent1"/>
+          </a:solidFill>
+          <a:ln>
+            <a:noFill/>
+          </a:ln>
+        </p:spPr>
+        <p:txBody>
+          <a:bodyPr spcFirstLastPara="1" wrap="square" lIns="91425" tIns="45700" rIns="91425" bIns="45700" anchor="ctr" anchorCtr="0">
+            <a:noAutofit/>
+          </a:bodyPr>
+          <a:lstStyle/>
+          <a:p>
+            <a:pPr marL="0" marR="0" lvl="0" indent="0" algn="ctr" rtl="0">
+              <a:lnSpc>
+                <a:spcPct val="100000"/>
+              </a:lnSpc>
+              <a:spcBef>
+                <a:spcPts val="0"/>
+              </a:spcBef>
+              <a:spcAft>
+                <a:spcPts val="0"/>
+              </a:spcAft>
+              <a:buClr>
+                <a:srgbClr val="000000"/>
+              </a:buClr>
+              <a:buSzPts val="1800"/>
+              <a:buFont typeface="Arial"/>
+              <a:buNone/>
+            </a:pPr>
+            <a:endParaRPr sz="1800" b="0" i="0" u="none" strike="noStrike" cap="none">
+              <a:solidFill>
+                <a:schemeClr val="lt1"/>
+              </a:solidFill>
+              <a:latin typeface="Arial"/>
+              <a:ea typeface="Arial"/>
+              <a:cs typeface="Arial"/>
+              <a:sym typeface="Arial"/>
+            </a:endParaRPr>
+          </a:p>
+        </p:txBody>
+      </p:sp>
+    </p:spTree>
+    <p:extLst>
+      <p:ext uri="{BB962C8B-B14F-4D97-AF65-F5344CB8AC3E}">
+        <p14:creationId xmlns:p14="http://schemas.microsoft.com/office/powerpoint/2010/main" val="1899768230"/>
+      </p:ext>
+    </p:extLst>
+  </p:cSld>
+  <p:clrMapOvr>
+    <a:masterClrMapping/>
+  </p:clrMapOvr>
+</p:sld>
+</file>
+
+<file path=ppt/slides/slide37.xml><?xml version="1.0" encoding="utf-8"?>
+<p:sld xmlns:a="http://schemas.openxmlformats.org/drawingml/2006/main" xmlns:r="http://schemas.openxmlformats.org/officeDocument/2006/relationships" xmlns:p="http://schemas.openxmlformats.org/presentationml/2006/main">
+  <p:cSld>
+    <p:spTree>
+      <p:nvGrpSpPr>
+        <p:cNvPr id="1" name="Shape 187"/>
+        <p:cNvGrpSpPr/>
+        <p:nvPr/>
+      </p:nvGrpSpPr>
+      <p:grpSpPr>
+        <a:xfrm>
+          <a:off x="0" y="0"/>
+          <a:ext cx="0" cy="0"/>
+          <a:chOff x="0" y="0"/>
+          <a:chExt cx="0" cy="0"/>
+        </a:xfrm>
+      </p:grpSpPr>
+      <p:sp>
+        <p:nvSpPr>
+          <p:cNvPr id="188" name="Google Shape;188;p29"/>
+          <p:cNvSpPr txBox="1">
+            <a:spLocks noGrp="1"/>
+          </p:cNvSpPr>
+          <p:nvPr>
+            <p:ph type="ctrTitle"/>
+          </p:nvPr>
+        </p:nvSpPr>
+        <p:spPr>
+          <a:xfrm>
+            <a:off x="147941" y="1197553"/>
+            <a:ext cx="5158155" cy="699828"/>
+          </a:xfrm>
+          <a:prstGeom prst="rect">
+            <a:avLst/>
+          </a:prstGeom>
+          <a:noFill/>
+          <a:ln>
+            <a:noFill/>
+          </a:ln>
+        </p:spPr>
+        <p:txBody>
+          <a:bodyPr spcFirstLastPara="1" wrap="square" lIns="0" tIns="45700" rIns="91425" bIns="45700" anchor="b" anchorCtr="0">
+            <a:noAutofit/>
+          </a:bodyPr>
+          <a:lstStyle/>
+          <a:p>
+            <a:pPr marL="0" lvl="0" indent="0" algn="l" rtl="0">
+              <a:lnSpc>
+                <a:spcPct val="100000"/>
+              </a:lnSpc>
+              <a:spcBef>
+                <a:spcPts val="0"/>
+              </a:spcBef>
+              <a:spcAft>
+                <a:spcPts val="0"/>
+              </a:spcAft>
+              <a:buSzPts val="6000"/>
+              <a:buNone/>
+            </a:pPr>
+            <a:r>
+              <a:rPr lang="en-US" sz="5400" dirty="0"/>
+              <a:t>KẾT LUẬN:</a:t>
+            </a:r>
+            <a:endParaRPr dirty="0"/>
+          </a:p>
+        </p:txBody>
+      </p:sp>
+      <p:sp>
+        <p:nvSpPr>
+          <p:cNvPr id="189" name="Google Shape;189;p29"/>
+          <p:cNvSpPr/>
+          <p:nvPr/>
+        </p:nvSpPr>
+        <p:spPr>
+          <a:xfrm>
+            <a:off x="369397" y="1802788"/>
+            <a:ext cx="5977011" cy="3941298"/>
+          </a:xfrm>
+          <a:prstGeom prst="rect">
+            <a:avLst/>
+          </a:prstGeom>
+          <a:solidFill>
+            <a:schemeClr val="lt1"/>
+          </a:solidFill>
+          <a:ln>
+            <a:noFill/>
+          </a:ln>
+        </p:spPr>
+        <p:txBody>
+          <a:bodyPr spcFirstLastPara="1" wrap="square" lIns="91425" tIns="45700" rIns="91425" bIns="45700" anchor="ctr" anchorCtr="0">
+            <a:noAutofit/>
+          </a:bodyPr>
+          <a:lstStyle/>
+          <a:p>
+            <a:pPr marL="0" marR="0" lvl="0" indent="0" algn="ctr" rtl="0">
+              <a:lnSpc>
+                <a:spcPct val="100000"/>
+              </a:lnSpc>
+              <a:spcBef>
+                <a:spcPts val="0"/>
+              </a:spcBef>
+              <a:spcAft>
+                <a:spcPts val="0"/>
+              </a:spcAft>
+              <a:buNone/>
+            </a:pPr>
+            <a:endParaRPr sz="2200" b="0" i="0" u="none" strike="noStrike" cap="none" dirty="0">
+              <a:solidFill>
+                <a:schemeClr val="lt1"/>
+              </a:solidFill>
+              <a:latin typeface="Arial"/>
+              <a:ea typeface="Arial"/>
+              <a:cs typeface="Arial"/>
+              <a:sym typeface="Arial"/>
+            </a:endParaRPr>
+          </a:p>
+        </p:txBody>
+      </p:sp>
+      <p:sp>
+        <p:nvSpPr>
+          <p:cNvPr id="4" name="TextBox 3">
+            <a:extLst>
+              <a:ext uri="{FF2B5EF4-FFF2-40B4-BE49-F238E27FC236}">
+                <a16:creationId xmlns:a16="http://schemas.microsoft.com/office/drawing/2014/main" id="{22BD33D6-D14E-C84A-B2FF-116991EBFA5C}"/>
+              </a:ext>
+            </a:extLst>
+          </p:cNvPr>
+          <p:cNvSpPr txBox="1"/>
+          <p:nvPr/>
+        </p:nvSpPr>
+        <p:spPr>
+          <a:xfrm>
+            <a:off x="147941" y="2107563"/>
+            <a:ext cx="7257612" cy="3816429"/>
+          </a:xfrm>
+          <a:prstGeom prst="rect">
+            <a:avLst/>
+          </a:prstGeom>
+          <a:noFill/>
+        </p:spPr>
+        <p:txBody>
+          <a:bodyPr wrap="square" rtlCol="0">
+            <a:spAutoFit/>
+          </a:bodyPr>
+          <a:lstStyle/>
+          <a:p>
+            <a:pPr marL="285750" indent="-285750">
+              <a:buFontTx/>
+              <a:buChar char="-"/>
+            </a:pPr>
+            <a:endParaRPr lang="en-VN" sz="2200" dirty="0">
+              <a:solidFill>
+                <a:schemeClr val="bg2">
+                  <a:lumMod val="50000"/>
+                </a:schemeClr>
+              </a:solidFill>
+            </a:endParaRPr>
+          </a:p>
+          <a:p>
+            <a:pPr marL="285750" indent="-285750">
+              <a:buFontTx/>
+              <a:buChar char="-"/>
+            </a:pPr>
+            <a:r>
+              <a:rPr lang="en-VN" sz="2200" dirty="0">
+                <a:solidFill>
+                  <a:schemeClr val="bg2">
+                    <a:lumMod val="50000"/>
+                  </a:schemeClr>
+                </a:solidFill>
+              </a:rPr>
+              <a:t>So sánh FFT và MFCC : MFCC cho độ chính xác cao hơn</a:t>
+            </a:r>
+          </a:p>
+          <a:p>
+            <a:pPr marL="285750" indent="-285750">
+              <a:buFontTx/>
+              <a:buChar char="-"/>
+            </a:pPr>
+            <a:r>
+              <a:rPr lang="en-US" sz="2200" dirty="0" err="1">
+                <a:solidFill>
+                  <a:schemeClr val="bg2">
+                    <a:lumMod val="50000"/>
+                  </a:schemeClr>
+                </a:solidFill>
+              </a:rPr>
+              <a:t>Độ</a:t>
+            </a:r>
+            <a:r>
+              <a:rPr lang="en-US" sz="2200" dirty="0">
+                <a:solidFill>
+                  <a:schemeClr val="bg2">
+                    <a:lumMod val="50000"/>
+                  </a:schemeClr>
+                </a:solidFill>
+              </a:rPr>
+              <a:t> </a:t>
+            </a:r>
+            <a:r>
+              <a:rPr lang="en-US" sz="2200" dirty="0" err="1">
+                <a:solidFill>
+                  <a:schemeClr val="bg2">
+                    <a:lumMod val="50000"/>
+                  </a:schemeClr>
+                </a:solidFill>
+              </a:rPr>
+              <a:t>chính</a:t>
+            </a:r>
+            <a:r>
+              <a:rPr lang="en-US" sz="2200" dirty="0">
+                <a:solidFill>
+                  <a:schemeClr val="bg2">
+                    <a:lumMod val="50000"/>
+                  </a:schemeClr>
+                </a:solidFill>
+              </a:rPr>
+              <a:t> </a:t>
+            </a:r>
+            <a:r>
+              <a:rPr lang="en-US" sz="2200" dirty="0" err="1">
+                <a:solidFill>
+                  <a:schemeClr val="bg2">
+                    <a:lumMod val="50000"/>
+                  </a:schemeClr>
+                </a:solidFill>
+              </a:rPr>
+              <a:t>xác</a:t>
+            </a:r>
+            <a:r>
+              <a:rPr lang="en-US" sz="2200" dirty="0">
+                <a:solidFill>
+                  <a:schemeClr val="bg2">
+                    <a:lumMod val="50000"/>
+                  </a:schemeClr>
+                </a:solidFill>
+              </a:rPr>
+              <a:t> </a:t>
+            </a:r>
+            <a:r>
+              <a:rPr lang="en-US" sz="2200" dirty="0" err="1">
+                <a:solidFill>
+                  <a:schemeClr val="bg2">
+                    <a:lumMod val="50000"/>
+                  </a:schemeClr>
+                </a:solidFill>
+              </a:rPr>
+              <a:t>cao</a:t>
+            </a:r>
+            <a:r>
+              <a:rPr lang="en-US" sz="2200" dirty="0">
+                <a:solidFill>
+                  <a:schemeClr val="bg2">
+                    <a:lumMod val="50000"/>
+                  </a:schemeClr>
+                </a:solidFill>
+              </a:rPr>
+              <a:t> </a:t>
+            </a:r>
+            <a:r>
+              <a:rPr lang="en-US" sz="2200" dirty="0" err="1">
+                <a:solidFill>
+                  <a:schemeClr val="bg2">
+                    <a:lumMod val="50000"/>
+                  </a:schemeClr>
+                </a:solidFill>
+              </a:rPr>
+              <a:t>nhất</a:t>
+            </a:r>
+            <a:r>
+              <a:rPr lang="en-US" sz="2200" dirty="0">
+                <a:solidFill>
+                  <a:schemeClr val="bg2">
+                    <a:lumMod val="50000"/>
+                  </a:schemeClr>
+                </a:solidFill>
+              </a:rPr>
+              <a:t> : 99,04%-100%</a:t>
+            </a:r>
+          </a:p>
+          <a:p>
+            <a:pPr marL="285750" indent="-285750">
+              <a:buFontTx/>
+              <a:buChar char="-"/>
+            </a:pPr>
+            <a:r>
+              <a:rPr lang="en-US" sz="2200" dirty="0" err="1">
+                <a:solidFill>
+                  <a:schemeClr val="bg2">
+                    <a:lumMod val="50000"/>
+                  </a:schemeClr>
+                </a:solidFill>
+              </a:rPr>
+              <a:t>Độ</a:t>
+            </a:r>
+            <a:r>
+              <a:rPr lang="en-US" sz="2200" dirty="0">
+                <a:solidFill>
+                  <a:schemeClr val="bg2">
+                    <a:lumMod val="50000"/>
+                  </a:schemeClr>
+                </a:solidFill>
+              </a:rPr>
+              <a:t> </a:t>
+            </a:r>
+            <a:r>
+              <a:rPr lang="en-US" sz="2200" dirty="0" err="1">
+                <a:solidFill>
+                  <a:schemeClr val="bg2">
+                    <a:lumMod val="50000"/>
+                  </a:schemeClr>
+                </a:solidFill>
+              </a:rPr>
+              <a:t>chính</a:t>
+            </a:r>
+            <a:r>
+              <a:rPr lang="en-US" sz="2200" dirty="0">
+                <a:solidFill>
+                  <a:schemeClr val="bg2">
+                    <a:lumMod val="50000"/>
+                  </a:schemeClr>
+                </a:solidFill>
+              </a:rPr>
+              <a:t> </a:t>
+            </a:r>
+            <a:r>
+              <a:rPr lang="en-US" sz="2200" dirty="0" err="1">
+                <a:solidFill>
+                  <a:schemeClr val="bg2">
+                    <a:lumMod val="50000"/>
+                  </a:schemeClr>
+                </a:solidFill>
+              </a:rPr>
+              <a:t>xác</a:t>
+            </a:r>
+            <a:r>
+              <a:rPr lang="en-US" sz="2200" dirty="0">
+                <a:solidFill>
+                  <a:schemeClr val="bg2">
+                    <a:lumMod val="50000"/>
+                  </a:schemeClr>
+                </a:solidFill>
+              </a:rPr>
+              <a:t> </a:t>
+            </a:r>
+            <a:r>
+              <a:rPr lang="en-US" sz="2200" dirty="0" err="1">
+                <a:solidFill>
+                  <a:schemeClr val="bg2">
+                    <a:lumMod val="50000"/>
+                  </a:schemeClr>
+                </a:solidFill>
+              </a:rPr>
+              <a:t>phụ</a:t>
+            </a:r>
+            <a:r>
+              <a:rPr lang="en-US" sz="2200" dirty="0">
+                <a:solidFill>
+                  <a:schemeClr val="bg2">
+                    <a:lumMod val="50000"/>
+                  </a:schemeClr>
+                </a:solidFill>
+              </a:rPr>
+              <a:t> </a:t>
+            </a:r>
+            <a:r>
+              <a:rPr lang="en-US" sz="2200" dirty="0" err="1">
+                <a:solidFill>
+                  <a:schemeClr val="bg2">
+                    <a:lumMod val="50000"/>
+                  </a:schemeClr>
+                </a:solidFill>
+              </a:rPr>
+              <a:t>thuộc</a:t>
+            </a:r>
+            <a:r>
+              <a:rPr lang="en-US" sz="2200" dirty="0">
+                <a:solidFill>
+                  <a:schemeClr val="bg2">
+                    <a:lumMod val="50000"/>
+                  </a:schemeClr>
+                </a:solidFill>
+              </a:rPr>
+              <a:t> </a:t>
+            </a:r>
+            <a:r>
+              <a:rPr lang="en-US" sz="2200" dirty="0" err="1">
+                <a:solidFill>
+                  <a:schemeClr val="bg2">
+                    <a:lumMod val="50000"/>
+                  </a:schemeClr>
+                </a:solidFill>
+              </a:rPr>
+              <a:t>vào</a:t>
+            </a:r>
+            <a:r>
+              <a:rPr lang="en-US" sz="2200" dirty="0">
+                <a:solidFill>
+                  <a:schemeClr val="bg2">
+                    <a:lumMod val="50000"/>
+                  </a:schemeClr>
+                </a:solidFill>
+              </a:rPr>
+              <a:t> </a:t>
+            </a:r>
+            <a:r>
+              <a:rPr lang="en-US" sz="2200" dirty="0" err="1">
+                <a:solidFill>
+                  <a:schemeClr val="bg2">
+                    <a:lumMod val="50000"/>
+                  </a:schemeClr>
+                </a:solidFill>
+              </a:rPr>
+              <a:t>hệ</a:t>
+            </a:r>
+            <a:r>
+              <a:rPr lang="en-US" sz="2200" dirty="0">
+                <a:solidFill>
+                  <a:schemeClr val="bg2">
+                    <a:lumMod val="50000"/>
+                  </a:schemeClr>
+                </a:solidFill>
+              </a:rPr>
+              <a:t> </a:t>
+            </a:r>
+            <a:r>
+              <a:rPr lang="en-US" sz="2200" dirty="0" err="1">
+                <a:solidFill>
+                  <a:schemeClr val="bg2">
+                    <a:lumMod val="50000"/>
+                  </a:schemeClr>
+                </a:solidFill>
+              </a:rPr>
+              <a:t>số</a:t>
+            </a:r>
+            <a:r>
+              <a:rPr lang="en-US" sz="2200" dirty="0">
+                <a:solidFill>
+                  <a:schemeClr val="bg2">
+                    <a:lumMod val="50000"/>
+                  </a:schemeClr>
+                </a:solidFill>
+              </a:rPr>
+              <a:t> k (</a:t>
+            </a:r>
+            <a:r>
+              <a:rPr lang="en-US" sz="2200" dirty="0" err="1">
+                <a:solidFill>
+                  <a:schemeClr val="bg2">
+                    <a:lumMod val="50000"/>
+                  </a:schemeClr>
+                </a:solidFill>
+              </a:rPr>
+              <a:t>số</a:t>
+            </a:r>
+            <a:r>
+              <a:rPr lang="en-US" sz="2200" dirty="0">
+                <a:solidFill>
+                  <a:schemeClr val="bg2">
+                    <a:lumMod val="50000"/>
+                  </a:schemeClr>
+                </a:solidFill>
+              </a:rPr>
+              <a:t> </a:t>
+            </a:r>
+            <a:r>
+              <a:rPr lang="en-US" sz="2200" dirty="0" err="1">
+                <a:solidFill>
+                  <a:schemeClr val="bg2">
+                    <a:lumMod val="50000"/>
+                  </a:schemeClr>
+                </a:solidFill>
+              </a:rPr>
+              <a:t>cụm</a:t>
+            </a:r>
+            <a:r>
+              <a:rPr lang="en-US" sz="2200" dirty="0">
+                <a:solidFill>
+                  <a:schemeClr val="bg2">
+                    <a:lumMod val="50000"/>
+                  </a:schemeClr>
+                </a:solidFill>
+              </a:rPr>
+              <a:t>) </a:t>
+            </a:r>
+            <a:r>
+              <a:rPr lang="en-US" sz="2200" dirty="0" err="1">
+                <a:solidFill>
+                  <a:schemeClr val="bg2">
+                    <a:lumMod val="50000"/>
+                  </a:schemeClr>
+                </a:solidFill>
+              </a:rPr>
+              <a:t>nhiều</a:t>
+            </a:r>
+            <a:r>
+              <a:rPr lang="en-US" sz="2200" dirty="0">
+                <a:solidFill>
+                  <a:schemeClr val="bg2">
+                    <a:lumMod val="50000"/>
+                  </a:schemeClr>
+                </a:solidFill>
+              </a:rPr>
+              <a:t> </a:t>
+            </a:r>
+            <a:r>
+              <a:rPr lang="en-US" sz="2200" dirty="0" err="1">
+                <a:solidFill>
+                  <a:schemeClr val="bg2">
+                    <a:lumMod val="50000"/>
+                  </a:schemeClr>
+                </a:solidFill>
+              </a:rPr>
+              <a:t>hơn</a:t>
+            </a:r>
+            <a:r>
+              <a:rPr lang="en-US" sz="2200" dirty="0">
+                <a:solidFill>
+                  <a:schemeClr val="bg2">
+                    <a:lumMod val="50000"/>
+                  </a:schemeClr>
+                </a:solidFill>
+              </a:rPr>
+              <a:t> so </a:t>
+            </a:r>
+            <a:r>
+              <a:rPr lang="en-US" sz="2200" dirty="0" err="1">
+                <a:solidFill>
+                  <a:schemeClr val="bg2">
+                    <a:lumMod val="50000"/>
+                  </a:schemeClr>
+                </a:solidFill>
+              </a:rPr>
+              <a:t>với</a:t>
+            </a:r>
+            <a:r>
+              <a:rPr lang="en-US" sz="2200" dirty="0">
+                <a:solidFill>
+                  <a:schemeClr val="bg2">
+                    <a:lumMod val="50000"/>
+                  </a:schemeClr>
+                </a:solidFill>
+              </a:rPr>
+              <a:t> N (</a:t>
+            </a:r>
+            <a:r>
+              <a:rPr lang="en-US" sz="2200" dirty="0" err="1">
+                <a:solidFill>
+                  <a:schemeClr val="bg2">
+                    <a:lumMod val="50000"/>
+                  </a:schemeClr>
+                </a:solidFill>
+              </a:rPr>
+              <a:t>chiều</a:t>
+            </a:r>
+            <a:r>
+              <a:rPr lang="en-US" sz="2200" dirty="0">
+                <a:solidFill>
+                  <a:schemeClr val="bg2">
+                    <a:lumMod val="50000"/>
+                  </a:schemeClr>
+                </a:solidFill>
+              </a:rPr>
+              <a:t> MFCC).</a:t>
+            </a:r>
+          </a:p>
+          <a:p>
+            <a:pPr marL="285750" indent="-285750">
+              <a:buFontTx/>
+              <a:buChar char="-"/>
+            </a:pPr>
+            <a:r>
+              <a:rPr lang="en-US" sz="2200" dirty="0" err="1">
+                <a:solidFill>
+                  <a:schemeClr val="bg2">
+                    <a:lumMod val="50000"/>
+                  </a:schemeClr>
+                </a:solidFill>
+              </a:rPr>
+              <a:t>Đánh</a:t>
+            </a:r>
+            <a:r>
+              <a:rPr lang="en-US" sz="2200" dirty="0">
+                <a:solidFill>
+                  <a:schemeClr val="bg2">
+                    <a:lumMod val="50000"/>
+                  </a:schemeClr>
+                </a:solidFill>
+              </a:rPr>
+              <a:t> </a:t>
+            </a:r>
+            <a:r>
+              <a:rPr lang="en-US" sz="2200" dirty="0" err="1">
+                <a:solidFill>
+                  <a:schemeClr val="bg2">
+                    <a:lumMod val="50000"/>
+                  </a:schemeClr>
+                </a:solidFill>
+              </a:rPr>
+              <a:t>dấu</a:t>
+            </a:r>
+            <a:r>
+              <a:rPr lang="en-US" sz="2200" dirty="0">
+                <a:solidFill>
+                  <a:schemeClr val="bg2">
+                    <a:lumMod val="50000"/>
+                  </a:schemeClr>
+                </a:solidFill>
+              </a:rPr>
+              <a:t> </a:t>
+            </a:r>
+            <a:r>
+              <a:rPr lang="en-US" sz="2200" dirty="0" err="1">
+                <a:solidFill>
+                  <a:schemeClr val="bg2">
+                    <a:lumMod val="50000"/>
+                  </a:schemeClr>
+                </a:solidFill>
+              </a:rPr>
+              <a:t>vùng</a:t>
+            </a:r>
+            <a:r>
+              <a:rPr lang="en-US" sz="2200" dirty="0">
+                <a:solidFill>
+                  <a:schemeClr val="bg2">
+                    <a:lumMod val="50000"/>
+                  </a:schemeClr>
+                </a:solidFill>
+              </a:rPr>
+              <a:t> </a:t>
+            </a:r>
+            <a:r>
+              <a:rPr lang="en-US" sz="2200" dirty="0" err="1">
+                <a:solidFill>
+                  <a:schemeClr val="bg2">
+                    <a:lumMod val="50000"/>
+                  </a:schemeClr>
+                </a:solidFill>
+              </a:rPr>
+              <a:t>tiếng</a:t>
+            </a:r>
+            <a:r>
+              <a:rPr lang="en-US" sz="2200" dirty="0">
+                <a:solidFill>
+                  <a:schemeClr val="bg2">
+                    <a:lumMod val="50000"/>
+                  </a:schemeClr>
+                </a:solidFill>
+              </a:rPr>
+              <a:t> </a:t>
+            </a:r>
+            <a:r>
+              <a:rPr lang="en-US" sz="2200" dirty="0" err="1">
+                <a:solidFill>
+                  <a:schemeClr val="bg2">
+                    <a:lumMod val="50000"/>
+                  </a:schemeClr>
+                </a:solidFill>
+              </a:rPr>
+              <a:t>nói</a:t>
+            </a:r>
+            <a:r>
+              <a:rPr lang="en-US" sz="2200" dirty="0">
+                <a:solidFill>
+                  <a:schemeClr val="bg2">
+                    <a:lumMod val="50000"/>
+                  </a:schemeClr>
+                </a:solidFill>
+              </a:rPr>
+              <a:t> </a:t>
+            </a:r>
+            <a:r>
+              <a:rPr lang="en-US" sz="2200" dirty="0" err="1">
+                <a:solidFill>
+                  <a:schemeClr val="bg2">
+                    <a:lumMod val="50000"/>
+                  </a:schemeClr>
+                </a:solidFill>
+              </a:rPr>
+              <a:t>đầu</a:t>
+            </a:r>
+            <a:r>
+              <a:rPr lang="en-US" sz="2200" dirty="0">
+                <a:solidFill>
+                  <a:schemeClr val="bg2">
+                    <a:lumMod val="50000"/>
+                  </a:schemeClr>
+                </a:solidFill>
+              </a:rPr>
+              <a:t> </a:t>
+            </a:r>
+            <a:r>
+              <a:rPr lang="en-US" sz="2200" dirty="0" err="1">
+                <a:solidFill>
+                  <a:schemeClr val="bg2">
+                    <a:lumMod val="50000"/>
+                  </a:schemeClr>
+                </a:solidFill>
+              </a:rPr>
+              <a:t>vào</a:t>
+            </a:r>
+            <a:r>
+              <a:rPr lang="en-US" sz="2200" dirty="0">
+                <a:solidFill>
+                  <a:schemeClr val="bg2">
+                    <a:lumMod val="50000"/>
+                  </a:schemeClr>
+                </a:solidFill>
+              </a:rPr>
+              <a:t>, </a:t>
+            </a:r>
+            <a:r>
+              <a:rPr lang="en-US" sz="2200" dirty="0" err="1">
+                <a:solidFill>
+                  <a:schemeClr val="bg2">
+                    <a:lumMod val="50000"/>
+                  </a:schemeClr>
+                </a:solidFill>
+              </a:rPr>
+              <a:t>việc</a:t>
+            </a:r>
+            <a:r>
+              <a:rPr lang="en-US" sz="2200" dirty="0">
+                <a:solidFill>
+                  <a:schemeClr val="bg2">
+                    <a:lumMod val="50000"/>
+                  </a:schemeClr>
+                </a:solidFill>
+              </a:rPr>
+              <a:t> </a:t>
+            </a:r>
+            <a:r>
+              <a:rPr lang="en-US" sz="2200" dirty="0" err="1">
+                <a:solidFill>
+                  <a:schemeClr val="bg2">
+                    <a:lumMod val="50000"/>
+                  </a:schemeClr>
+                </a:solidFill>
+              </a:rPr>
+              <a:t>chọn</a:t>
+            </a:r>
+            <a:r>
+              <a:rPr lang="en-US" sz="2200" dirty="0">
+                <a:solidFill>
+                  <a:schemeClr val="bg2">
+                    <a:lumMod val="50000"/>
+                  </a:schemeClr>
+                </a:solidFill>
+              </a:rPr>
+              <a:t> </a:t>
+            </a:r>
+            <a:r>
+              <a:rPr lang="en-US" sz="2200" dirty="0" err="1">
+                <a:solidFill>
+                  <a:schemeClr val="bg2">
+                    <a:lumMod val="50000"/>
+                  </a:schemeClr>
+                </a:solidFill>
+              </a:rPr>
+              <a:t>khung</a:t>
+            </a:r>
+            <a:r>
+              <a:rPr lang="en-US" sz="2200" dirty="0">
+                <a:solidFill>
+                  <a:schemeClr val="bg2">
+                    <a:lumMod val="50000"/>
+                  </a:schemeClr>
+                </a:solidFill>
+              </a:rPr>
+              <a:t> </a:t>
+            </a:r>
+            <a:r>
+              <a:rPr lang="en-US" sz="2200" dirty="0" err="1">
+                <a:solidFill>
+                  <a:schemeClr val="bg2">
+                    <a:lumMod val="50000"/>
+                  </a:schemeClr>
+                </a:solidFill>
+              </a:rPr>
+              <a:t>tín</a:t>
+            </a:r>
+            <a:r>
+              <a:rPr lang="en-US" sz="2200" dirty="0">
+                <a:solidFill>
+                  <a:schemeClr val="bg2">
+                    <a:lumMod val="50000"/>
+                  </a:schemeClr>
+                </a:solidFill>
+              </a:rPr>
+              <a:t> </a:t>
+            </a:r>
+            <a:r>
+              <a:rPr lang="en-US" sz="2200" dirty="0" err="1">
+                <a:solidFill>
+                  <a:schemeClr val="bg2">
+                    <a:lumMod val="50000"/>
+                  </a:schemeClr>
+                </a:solidFill>
+              </a:rPr>
+              <a:t>hiệu</a:t>
+            </a:r>
+            <a:r>
+              <a:rPr lang="en-US" sz="2200" dirty="0">
+                <a:solidFill>
+                  <a:schemeClr val="bg2">
+                    <a:lumMod val="50000"/>
+                  </a:schemeClr>
+                </a:solidFill>
+              </a:rPr>
+              <a:t> </a:t>
+            </a:r>
+            <a:r>
+              <a:rPr lang="en-US" sz="2200" dirty="0" err="1">
+                <a:solidFill>
+                  <a:schemeClr val="bg2">
+                    <a:lumMod val="50000"/>
+                  </a:schemeClr>
+                </a:solidFill>
+              </a:rPr>
+              <a:t>ổn</a:t>
+            </a:r>
+            <a:r>
+              <a:rPr lang="en-US" sz="2200" dirty="0">
+                <a:solidFill>
+                  <a:schemeClr val="bg2">
+                    <a:lumMod val="50000"/>
+                  </a:schemeClr>
+                </a:solidFill>
+              </a:rPr>
+              <a:t> </a:t>
+            </a:r>
+            <a:r>
+              <a:rPr lang="en-US" sz="2200" dirty="0" err="1">
+                <a:solidFill>
+                  <a:schemeClr val="bg2">
+                    <a:lumMod val="50000"/>
+                  </a:schemeClr>
+                </a:solidFill>
+              </a:rPr>
+              <a:t>định</a:t>
+            </a:r>
+            <a:r>
+              <a:rPr lang="en-US" sz="2200" dirty="0">
+                <a:solidFill>
+                  <a:schemeClr val="bg2">
+                    <a:lumMod val="50000"/>
+                  </a:schemeClr>
+                </a:solidFill>
+              </a:rPr>
+              <a:t> </a:t>
+            </a:r>
+            <a:r>
+              <a:rPr lang="en-US" sz="2200" dirty="0" err="1">
+                <a:solidFill>
+                  <a:schemeClr val="bg2">
+                    <a:lumMod val="50000"/>
+                  </a:schemeClr>
+                </a:solidFill>
+              </a:rPr>
+              <a:t>góp</a:t>
+            </a:r>
+            <a:r>
+              <a:rPr lang="en-US" sz="2200" dirty="0">
+                <a:solidFill>
+                  <a:schemeClr val="bg2">
+                    <a:lumMod val="50000"/>
+                  </a:schemeClr>
+                </a:solidFill>
+              </a:rPr>
+              <a:t> </a:t>
+            </a:r>
+            <a:r>
+              <a:rPr lang="en-US" sz="2200" dirty="0" err="1">
+                <a:solidFill>
+                  <a:schemeClr val="bg2">
+                    <a:lumMod val="50000"/>
+                  </a:schemeClr>
+                </a:solidFill>
+              </a:rPr>
+              <a:t>phần</a:t>
+            </a:r>
+            <a:r>
+              <a:rPr lang="en-US" sz="2200" dirty="0">
+                <a:solidFill>
+                  <a:schemeClr val="bg2">
+                    <a:lumMod val="50000"/>
+                  </a:schemeClr>
+                </a:solidFill>
+              </a:rPr>
+              <a:t> </a:t>
+            </a:r>
+            <a:r>
+              <a:rPr lang="en-US" sz="2200" dirty="0" err="1">
+                <a:solidFill>
+                  <a:schemeClr val="bg2">
+                    <a:lumMod val="50000"/>
+                  </a:schemeClr>
+                </a:solidFill>
+              </a:rPr>
+              <a:t>quyết</a:t>
+            </a:r>
+            <a:r>
+              <a:rPr lang="en-US" sz="2200" dirty="0">
+                <a:solidFill>
+                  <a:schemeClr val="bg2">
+                    <a:lumMod val="50000"/>
+                  </a:schemeClr>
+                </a:solidFill>
+              </a:rPr>
+              <a:t> </a:t>
+            </a:r>
+            <a:r>
+              <a:rPr lang="en-US" sz="2200" dirty="0" err="1">
+                <a:solidFill>
+                  <a:schemeClr val="bg2">
+                    <a:lumMod val="50000"/>
+                  </a:schemeClr>
+                </a:solidFill>
+              </a:rPr>
+              <a:t>định</a:t>
+            </a:r>
+            <a:r>
+              <a:rPr lang="en-US" sz="2200" dirty="0">
+                <a:solidFill>
+                  <a:schemeClr val="bg2">
+                    <a:lumMod val="50000"/>
+                  </a:schemeClr>
+                </a:solidFill>
+              </a:rPr>
+              <a:t> </a:t>
+            </a:r>
+            <a:r>
+              <a:rPr lang="en-US" sz="2200" dirty="0" err="1">
+                <a:solidFill>
+                  <a:schemeClr val="bg2">
+                    <a:lumMod val="50000"/>
+                  </a:schemeClr>
+                </a:solidFill>
+              </a:rPr>
+              <a:t>độ</a:t>
+            </a:r>
+            <a:r>
+              <a:rPr lang="en-US" sz="2200" dirty="0">
+                <a:solidFill>
+                  <a:schemeClr val="bg2">
+                    <a:lumMod val="50000"/>
+                  </a:schemeClr>
+                </a:solidFill>
+              </a:rPr>
+              <a:t> </a:t>
+            </a:r>
+            <a:r>
+              <a:rPr lang="en-US" sz="2200" dirty="0" err="1">
+                <a:solidFill>
+                  <a:schemeClr val="bg2">
+                    <a:lumMod val="50000"/>
+                  </a:schemeClr>
+                </a:solidFill>
+              </a:rPr>
+              <a:t>chính</a:t>
+            </a:r>
+            <a:r>
+              <a:rPr lang="en-US" sz="2200" dirty="0">
+                <a:solidFill>
+                  <a:schemeClr val="bg2">
+                    <a:lumMod val="50000"/>
+                  </a:schemeClr>
+                </a:solidFill>
+              </a:rPr>
+              <a:t> </a:t>
+            </a:r>
+            <a:r>
+              <a:rPr lang="en-US" sz="2200" dirty="0" err="1">
+                <a:solidFill>
+                  <a:schemeClr val="bg2">
+                    <a:lumMod val="50000"/>
+                  </a:schemeClr>
+                </a:solidFill>
+              </a:rPr>
+              <a:t>xác</a:t>
+            </a:r>
+            <a:r>
+              <a:rPr lang="en-US" sz="2200" dirty="0">
+                <a:solidFill>
+                  <a:schemeClr val="bg2">
+                    <a:lumMod val="50000"/>
+                  </a:schemeClr>
+                </a:solidFill>
+              </a:rPr>
+              <a:t> </a:t>
+            </a:r>
+            <a:r>
+              <a:rPr lang="en-US" sz="2200" dirty="0" err="1">
+                <a:solidFill>
+                  <a:schemeClr val="bg2">
+                    <a:lumMod val="50000"/>
+                  </a:schemeClr>
+                </a:solidFill>
+              </a:rPr>
+              <a:t>thuật</a:t>
+            </a:r>
+            <a:r>
+              <a:rPr lang="en-US" sz="2200" dirty="0">
+                <a:solidFill>
+                  <a:schemeClr val="bg2">
+                    <a:lumMod val="50000"/>
+                  </a:schemeClr>
+                </a:solidFill>
+              </a:rPr>
+              <a:t> </a:t>
+            </a:r>
+            <a:r>
+              <a:rPr lang="en-US" sz="2200" dirty="0" err="1">
+                <a:solidFill>
+                  <a:schemeClr val="bg2">
+                    <a:lumMod val="50000"/>
+                  </a:schemeClr>
+                </a:solidFill>
+              </a:rPr>
+              <a:t>toán</a:t>
+            </a:r>
+            <a:r>
+              <a:rPr lang="en-US" sz="2200" dirty="0">
+                <a:solidFill>
+                  <a:schemeClr val="bg2">
+                    <a:lumMod val="50000"/>
+                  </a:schemeClr>
+                </a:solidFill>
+              </a:rPr>
+              <a:t>.</a:t>
+            </a:r>
+          </a:p>
+          <a:p>
+            <a:pPr marL="285750" indent="-285750">
+              <a:buFontTx/>
+              <a:buChar char="-"/>
+            </a:pPr>
+            <a:endParaRPr lang="en-VN" sz="2200" dirty="0">
+              <a:solidFill>
+                <a:schemeClr val="bg2">
+                  <a:lumMod val="50000"/>
+                </a:schemeClr>
+              </a:solidFill>
+            </a:endParaRPr>
+          </a:p>
+          <a:p>
+            <a:endParaRPr lang="en-VN" sz="2200" dirty="0">
+              <a:solidFill>
+                <a:schemeClr val="bg2">
+                  <a:lumMod val="50000"/>
+                </a:schemeClr>
+              </a:solidFill>
+            </a:endParaRPr>
+          </a:p>
+        </p:txBody>
+      </p:sp>
+    </p:spTree>
+  </p:cSld>
+  <p:clrMapOvr>
+    <a:masterClrMapping/>
+  </p:clrMapOvr>
+  <mc:AlternateContent xmlns:mc="http://schemas.openxmlformats.org/markup-compatibility/2006" xmlns:p14="http://schemas.microsoft.com/office/powerpoint/2010/main">
+    <mc:Choice Requires="p14">
+      <p:transition spd="med" p14:dur="700">
+        <p:fade/>
+      </p:transition>
+    </mc:Choice>
+    <mc:Fallback xmlns="" xmlns:mv="urn:schemas-microsoft-com:mac:vml" xmlns:c="http://schemas.openxmlformats.org/drawingml/2006/chart" xmlns:dgm="http://schemas.openxmlformats.org/drawingml/2006/diagram" xmlns:o="urn:schemas-microsoft-com:office:office" xmlns:v="urn:schemas-microsoft-com:vml" xmlns:pvml="urn:schemas-microsoft-com:office:powerpoint" xmlns:com="http://schemas.openxmlformats.org/drawingml/2006/compatibility" xmlns:p15="http://schemas.microsoft.com/office/powerpoint/2012/main" xmlns:ahyp="http://schemas.microsoft.com/office/drawing/2018/hyperlinkcolor">
+      <p:transition spd="slow">
+        <p:fade/>
+      </p:transition>
+    </mc:Fallback>
+  </mc:AlternateContent>
+</p:sld>
+</file>
+
+<file path=ppt/slides/slide38.xml><?xml version="1.0" encoding="utf-8"?>
+<p:sld xmlns:a="http://schemas.openxmlformats.org/drawingml/2006/main" xmlns:r="http://schemas.openxmlformats.org/officeDocument/2006/relationships" xmlns:p="http://schemas.openxmlformats.org/presentationml/2006/main">
+  <p:cSld>
+    <p:spTree>
+      <p:nvGrpSpPr>
+        <p:cNvPr id="1" name="Shape 200"/>
+        <p:cNvGrpSpPr/>
+        <p:nvPr/>
+      </p:nvGrpSpPr>
+      <p:grpSpPr>
+        <a:xfrm>
+          <a:off x="0" y="0"/>
+          <a:ext cx="0" cy="0"/>
+          <a:chOff x="0" y="0"/>
+          <a:chExt cx="0" cy="0"/>
+        </a:xfrm>
+      </p:grpSpPr>
+      <p:sp>
+        <p:nvSpPr>
+          <p:cNvPr id="201" name="Google Shape;201;p31"/>
+          <p:cNvSpPr/>
+          <p:nvPr/>
+        </p:nvSpPr>
+        <p:spPr>
+          <a:xfrm>
+            <a:off x="492369" y="4454769"/>
+            <a:ext cx="5158154" cy="1406769"/>
+          </a:xfrm>
+          <a:prstGeom prst="rect">
+            <a:avLst/>
+          </a:prstGeom>
+          <a:solidFill>
+            <a:schemeClr val="lt1"/>
+          </a:solidFill>
+          <a:ln>
+            <a:noFill/>
+          </a:ln>
+        </p:spPr>
+        <p:txBody>
+          <a:bodyPr spcFirstLastPara="1" wrap="square" lIns="91425" tIns="45700" rIns="91425" bIns="45700" anchor="ctr" anchorCtr="0">
+            <a:noAutofit/>
+          </a:bodyPr>
+          <a:lstStyle/>
+          <a:p>
+            <a:pPr marL="0" marR="0" lvl="0" indent="0" algn="ctr" rtl="0">
+              <a:lnSpc>
+                <a:spcPct val="100000"/>
+              </a:lnSpc>
+              <a:spcBef>
+                <a:spcPts val="0"/>
+              </a:spcBef>
+              <a:spcAft>
+                <a:spcPts val="0"/>
+              </a:spcAft>
+              <a:buNone/>
+            </a:pPr>
+            <a:endParaRPr sz="1400" b="0" i="0" u="none" strike="noStrike" cap="none">
+              <a:solidFill>
+                <a:schemeClr val="lt1"/>
+              </a:solidFill>
+              <a:latin typeface="Arial"/>
+              <a:ea typeface="Arial"/>
+              <a:cs typeface="Arial"/>
+              <a:sym typeface="Arial"/>
+            </a:endParaRPr>
+          </a:p>
+        </p:txBody>
+      </p:sp>
+      <p:sp>
+        <p:nvSpPr>
+          <p:cNvPr id="202" name="Google Shape;202;p31"/>
+          <p:cNvSpPr txBox="1">
+            <a:spLocks noGrp="1"/>
+          </p:cNvSpPr>
+          <p:nvPr>
+            <p:ph type="ctrTitle"/>
+          </p:nvPr>
+        </p:nvSpPr>
+        <p:spPr>
+          <a:xfrm>
+            <a:off x="590843" y="2144760"/>
+            <a:ext cx="9179277" cy="2568480"/>
+          </a:xfrm>
+          <a:prstGeom prst="rect">
+            <a:avLst/>
+          </a:prstGeom>
+          <a:noFill/>
+          <a:ln>
+            <a:noFill/>
+          </a:ln>
+        </p:spPr>
+        <p:txBody>
+          <a:bodyPr spcFirstLastPara="1" wrap="square" lIns="0" tIns="45700" rIns="91425" bIns="45700" anchor="b" anchorCtr="0">
+            <a:noAutofit/>
+          </a:bodyPr>
+          <a:lstStyle/>
+          <a:p>
+            <a:pPr marL="0" lvl="0" indent="0" algn="l" rtl="0">
+              <a:lnSpc>
+                <a:spcPct val="100000"/>
+              </a:lnSpc>
+              <a:spcBef>
+                <a:spcPts val="0"/>
+              </a:spcBef>
+              <a:spcAft>
+                <a:spcPts val="0"/>
+              </a:spcAft>
+              <a:buSzPts val="6000"/>
+              <a:buNone/>
+            </a:pPr>
+            <a:r>
+              <a:rPr lang="en-US" sz="5400" dirty="0"/>
+              <a:t>4.CODE MINH HỌA</a:t>
+            </a:r>
+            <a:br>
+              <a:rPr lang="en-US" sz="5400" dirty="0"/>
+            </a:br>
+            <a:r>
+              <a:rPr lang="en-US" sz="5400" dirty="0"/>
+              <a:t>&amp;</a:t>
+            </a:r>
+            <a:br>
+              <a:rPr lang="en-US" sz="5400" dirty="0"/>
+            </a:br>
+            <a:r>
+              <a:rPr lang="en-US" sz="5400" dirty="0"/>
+              <a:t>DEMO KẾT QUẢ</a:t>
+            </a:r>
+            <a:endParaRPr sz="5400" dirty="0"/>
+          </a:p>
+        </p:txBody>
+      </p:sp>
+    </p:spTree>
+  </p:cSld>
+  <p:clrMapOvr>
+    <a:masterClrMapping/>
+  </p:clrMapOvr>
+  <mc:AlternateContent xmlns:mc="http://schemas.openxmlformats.org/markup-compatibility/2006" xmlns:p14="http://schemas.microsoft.com/office/powerpoint/2010/main">
+    <mc:Choice Requires="p14">
+      <p:transition spd="med" p14:dur="700">
+        <p:fade/>
+      </p:transition>
+    </mc:Choice>
+    <mc:Fallback xmlns="" xmlns:mv="urn:schemas-microsoft-com:mac:vml" xmlns:c="http://schemas.openxmlformats.org/drawingml/2006/chart" xmlns:dgm="http://schemas.openxmlformats.org/drawingml/2006/diagram" xmlns:o="urn:schemas-microsoft-com:office:office" xmlns:v="urn:schemas-microsoft-com:vml" xmlns:pvml="urn:schemas-microsoft-com:office:powerpoint" xmlns:com="http://schemas.openxmlformats.org/drawingml/2006/compatibility" xmlns:p15="http://schemas.microsoft.com/office/powerpoint/2012/main" xmlns:ahyp="http://schemas.microsoft.com/office/drawing/2018/hyperlinkcolor">
+      <p:transition spd="slow">
+        <p:fade/>
+      </p:transition>
+    </mc:Fallback>
+  </mc:AlternateContent>
+</p:sld>
+</file>
+
+<file path=ppt/slides/slide39.xml><?xml version="1.0" encoding="utf-8"?>
 <p:sld xmlns:a="http://schemas.openxmlformats.org/drawingml/2006/main" xmlns:r="http://schemas.openxmlformats.org/officeDocument/2006/relationships" xmlns:p="http://schemas.openxmlformats.org/presentationml/2006/main">
   <p:cSld>
     <p:spTree>
@@ -21538,36 +25811,6 @@
           </a:p>
         </p:txBody>
       </p:sp>
-      <p:pic>
-        <p:nvPicPr>
-          <p:cNvPr id="8" name="Picture 7">
-            <a:extLst>
-              <a:ext uri="{FF2B5EF4-FFF2-40B4-BE49-F238E27FC236}">
-                <a16:creationId xmlns:a16="http://schemas.microsoft.com/office/drawing/2014/main" id="{0899D013-0163-2A42-A58D-72DBBF6837B2}"/>
-              </a:ext>
-            </a:extLst>
-          </p:cNvPr>
-          <p:cNvPicPr>
-            <a:picLocks noChangeAspect="1"/>
-          </p:cNvPicPr>
-          <p:nvPr/>
-        </p:nvPicPr>
-        <p:blipFill>
-          <a:blip r:embed="rId2"/>
-          <a:stretch>
-            <a:fillRect/>
-          </a:stretch>
-        </p:blipFill>
-        <p:spPr>
-          <a:xfrm>
-            <a:off x="308919" y="1729945"/>
-            <a:ext cx="6339017" cy="4857359"/>
-          </a:xfrm>
-          <a:prstGeom prst="rect">
-            <a:avLst/>
-          </a:prstGeom>
-        </p:spPr>
-      </p:pic>
       <p:sp>
         <p:nvSpPr>
           <p:cNvPr id="9" name="Google Shape;145;p23">
@@ -21860,6 +26103,36 @@
           </a:p>
         </p:txBody>
       </p:sp>
+      <p:pic>
+        <p:nvPicPr>
+          <p:cNvPr id="3" name="Picture 2">
+            <a:extLst>
+              <a:ext uri="{FF2B5EF4-FFF2-40B4-BE49-F238E27FC236}">
+                <a16:creationId xmlns:a16="http://schemas.microsoft.com/office/drawing/2014/main" id="{49FFBE20-9901-EC4A-89AC-BC550F5FD9B9}"/>
+              </a:ext>
+            </a:extLst>
+          </p:cNvPr>
+          <p:cNvPicPr>
+            <a:picLocks noChangeAspect="1"/>
+          </p:cNvPicPr>
+          <p:nvPr/>
+        </p:nvPicPr>
+        <p:blipFill>
+          <a:blip r:embed="rId2"/>
+          <a:stretch>
+            <a:fillRect/>
+          </a:stretch>
+        </p:blipFill>
+        <p:spPr>
+          <a:xfrm>
+            <a:off x="729048" y="1586298"/>
+            <a:ext cx="7562335" cy="5070929"/>
+          </a:xfrm>
+          <a:prstGeom prst="rect">
+            <a:avLst/>
+          </a:prstGeom>
+        </p:spPr>
+      </p:pic>
     </p:spTree>
     <p:extLst>
       <p:ext uri="{BB962C8B-B14F-4D97-AF65-F5344CB8AC3E}">
@@ -22687,7 +26960,7 @@
         <p:fade/>
       </p:transition>
     </mc:Choice>
-    <mc:Fallback xmlns:ahyp="http://schemas.microsoft.com/office/drawing/2018/hyperlinkcolor" xmlns:p15="http://schemas.microsoft.com/office/powerpoint/2012/main" xmlns:com="http://schemas.openxmlformats.org/drawingml/2006/compatibility" xmlns:pvml="urn:schemas-microsoft-com:office:powerpoint" xmlns:v="urn:schemas-microsoft-com:vml" xmlns:o="urn:schemas-microsoft-com:office:office" xmlns:dgm="http://schemas.openxmlformats.org/drawingml/2006/diagram" xmlns:c="http://schemas.openxmlformats.org/drawingml/2006/chart" xmlns:mv="urn:schemas-microsoft-com:mac:vml" xmlns="">
+    <mc:Fallback xmlns="" xmlns:mv="urn:schemas-microsoft-com:mac:vml" xmlns:c="http://schemas.openxmlformats.org/drawingml/2006/chart" xmlns:dgm="http://schemas.openxmlformats.org/drawingml/2006/diagram" xmlns:o="urn:schemas-microsoft-com:office:office" xmlns:v="urn:schemas-microsoft-com:vml" xmlns:pvml="urn:schemas-microsoft-com:office:powerpoint" xmlns:com="http://schemas.openxmlformats.org/drawingml/2006/compatibility" xmlns:p15="http://schemas.microsoft.com/office/powerpoint/2012/main" xmlns:ahyp="http://schemas.microsoft.com/office/drawing/2018/hyperlinkcolor">
       <p:transition spd="slow">
         <p:fade/>
       </p:transition>
@@ -22867,8 +27140,8 @@
         </p:nvSpPr>
         <p:spPr>
           <a:xfrm>
-            <a:off x="673721" y="2425552"/>
-            <a:ext cx="7465727" cy="2970696"/>
+            <a:off x="-1755419" y="4031930"/>
+            <a:ext cx="8305346" cy="2098022"/>
           </a:xfrm>
           <a:prstGeom prst="rect">
             <a:avLst/>
@@ -22913,6 +27186,53 @@
           </a:p>
         </p:txBody>
       </p:sp>
+      <p:pic>
+        <p:nvPicPr>
+          <p:cNvPr id="2050" name="Picture 2" descr="Không có mô tả.">
+            <a:extLst>
+              <a:ext uri="{FF2B5EF4-FFF2-40B4-BE49-F238E27FC236}">
+                <a16:creationId xmlns:a16="http://schemas.microsoft.com/office/drawing/2014/main" id="{FD083A1F-B026-7B46-B586-109907E079DD}"/>
+              </a:ext>
+            </a:extLst>
+          </p:cNvPr>
+          <p:cNvPicPr>
+            <a:picLocks noChangeAspect="1" noChangeArrowheads="1"/>
+          </p:cNvPicPr>
+          <p:nvPr/>
+        </p:nvPicPr>
+        <p:blipFill>
+          <a:blip r:embed="rId3">
+            <a:extLst>
+              <a:ext uri="{28A0092B-C50C-407E-A947-70E740481C1C}">
+                <a14:useLocalDpi xmlns:a14="http://schemas.microsoft.com/office/drawing/2010/main" val="0"/>
+              </a:ext>
+            </a:extLst>
+          </a:blip>
+          <a:srcRect/>
+          <a:stretch>
+            <a:fillRect/>
+          </a:stretch>
+        </p:blipFill>
+        <p:spPr bwMode="auto">
+          <a:xfrm>
+            <a:off x="2607276" y="1680519"/>
+            <a:ext cx="4534929" cy="4958456"/>
+          </a:xfrm>
+          <a:prstGeom prst="rect">
+            <a:avLst/>
+          </a:prstGeom>
+          <a:noFill/>
+          <a:extLst>
+            <a:ext uri="{909E8E84-426E-40DD-AFC4-6F175D3DCCD1}">
+              <a14:hiddenFill xmlns:a14="http://schemas.microsoft.com/office/drawing/2010/main">
+                <a:solidFill>
+                  <a:srgbClr val="FFFFFF"/>
+                </a:solidFill>
+              </a14:hiddenFill>
+            </a:ext>
+          </a:extLst>
+        </p:spPr>
+      </p:pic>
     </p:spTree>
   </p:cSld>
   <p:clrMapOvr>
@@ -22924,7 +27244,7 @@
         <p:fade/>
       </p:transition>
     </mc:Choice>
-    <mc:Fallback xmlns:ahyp="http://schemas.microsoft.com/office/drawing/2018/hyperlinkcolor" xmlns:p15="http://schemas.microsoft.com/office/powerpoint/2012/main" xmlns:com="http://schemas.openxmlformats.org/drawingml/2006/compatibility" xmlns:pvml="urn:schemas-microsoft-com:office:powerpoint" xmlns:v="urn:schemas-microsoft-com:vml" xmlns:o="urn:schemas-microsoft-com:office:office" xmlns:dgm="http://schemas.openxmlformats.org/drawingml/2006/diagram" xmlns:c="http://schemas.openxmlformats.org/drawingml/2006/chart" xmlns:mv="urn:schemas-microsoft-com:mac:vml" xmlns="">
+    <mc:Fallback xmlns="" xmlns:mv="urn:schemas-microsoft-com:mac:vml" xmlns:c="http://schemas.openxmlformats.org/drawingml/2006/chart" xmlns:dgm="http://schemas.openxmlformats.org/drawingml/2006/diagram" xmlns:o="urn:schemas-microsoft-com:office:office" xmlns:v="urn:schemas-microsoft-com:vml" xmlns:pvml="urn:schemas-microsoft-com:office:powerpoint" xmlns:com="http://schemas.openxmlformats.org/drawingml/2006/compatibility" xmlns:p15="http://schemas.microsoft.com/office/powerpoint/2012/main" xmlns:ahyp="http://schemas.microsoft.com/office/drawing/2018/hyperlinkcolor">
       <p:transition spd="slow">
         <p:fade/>
       </p:transition>
